--- a/data-intensive-skills-overview/FigureSpaceDataEducation.pptx
+++ b/data-intensive-skills-overview/FigureSpaceDataEducation.pptx
@@ -4,8 +4,13 @@
   <p:sldMasterIdLst>
     <p:sldMasterId id="2147483648" r:id="rId1"/>
   </p:sldMasterIdLst>
+  <p:notesMasterIdLst>
+    <p:notesMasterId r:id="rId5"/>
+  </p:notesMasterIdLst>
   <p:sldIdLst>
     <p:sldId id="256" r:id="rId2"/>
+    <p:sldId id="257" r:id="rId3"/>
+    <p:sldId id="258" r:id="rId4"/>
   </p:sldIdLst>
   <p:sldSz cx="9144000" cy="6858000" type="screen4x3"/>
   <p:notesSz cx="6858000" cy="9144000"/>
@@ -105,6 +110,562 @@
     </a:lvl9pPr>
   </p:defaultTextStyle>
 </p:presentation>
+</file>
+
+<file path=ppt/notesMasters/notesMaster1.xml><?xml version="1.0" encoding="utf-8"?>
+<p:notesMaster xmlns:a="http://schemas.openxmlformats.org/drawingml/2006/main" xmlns:r="http://schemas.openxmlformats.org/officeDocument/2006/relationships" xmlns:p="http://schemas.openxmlformats.org/presentationml/2006/main">
+  <p:cSld>
+    <p:bg>
+      <p:bgRef idx="1001">
+        <a:schemeClr val="bg1"/>
+      </p:bgRef>
+    </p:bg>
+    <p:spTree>
+      <p:nvGrpSpPr>
+        <p:cNvPr id="1" name=""/>
+        <p:cNvGrpSpPr/>
+        <p:nvPr/>
+      </p:nvGrpSpPr>
+      <p:grpSpPr>
+        <a:xfrm>
+          <a:off x="0" y="0"/>
+          <a:ext cx="0" cy="0"/>
+          <a:chOff x="0" y="0"/>
+          <a:chExt cx="0" cy="0"/>
+        </a:xfrm>
+      </p:grpSpPr>
+      <p:sp>
+        <p:nvSpPr>
+          <p:cNvPr id="2" name="Header Placeholder 1"/>
+          <p:cNvSpPr>
+            <a:spLocks noGrp="1"/>
+          </p:cNvSpPr>
+          <p:nvPr>
+            <p:ph type="hdr" sz="quarter"/>
+          </p:nvPr>
+        </p:nvSpPr>
+        <p:spPr>
+          <a:xfrm>
+            <a:off x="0" y="0"/>
+            <a:ext cx="2971800" cy="457200"/>
+          </a:xfrm>
+          <a:prstGeom prst="rect">
+            <a:avLst/>
+          </a:prstGeom>
+        </p:spPr>
+        <p:txBody>
+          <a:bodyPr vert="horz" lIns="91440" tIns="45720" rIns="91440" bIns="45720" rtlCol="0"/>
+          <a:lstStyle>
+            <a:lvl1pPr algn="l">
+              <a:defRPr sz="1200"/>
+            </a:lvl1pPr>
+          </a:lstStyle>
+          <a:p>
+            <a:endParaRPr lang="en-US"/>
+          </a:p>
+        </p:txBody>
+      </p:sp>
+      <p:sp>
+        <p:nvSpPr>
+          <p:cNvPr id="3" name="Date Placeholder 2"/>
+          <p:cNvSpPr>
+            <a:spLocks noGrp="1"/>
+          </p:cNvSpPr>
+          <p:nvPr>
+            <p:ph type="dt" idx="1"/>
+          </p:nvPr>
+        </p:nvSpPr>
+        <p:spPr>
+          <a:xfrm>
+            <a:off x="3884613" y="0"/>
+            <a:ext cx="2971800" cy="457200"/>
+          </a:xfrm>
+          <a:prstGeom prst="rect">
+            <a:avLst/>
+          </a:prstGeom>
+        </p:spPr>
+        <p:txBody>
+          <a:bodyPr vert="horz" lIns="91440" tIns="45720" rIns="91440" bIns="45720" rtlCol="0"/>
+          <a:lstStyle>
+            <a:lvl1pPr algn="r">
+              <a:defRPr sz="1200"/>
+            </a:lvl1pPr>
+          </a:lstStyle>
+          <a:p>
+            <a:fld id="{7CA89149-D21F-1841-8EB0-67F7BC7F7E21}" type="datetimeFigureOut">
+              <a:rPr lang="en-US" smtClean="0"/>
+              <a:t>9/10/15</a:t>
+            </a:fld>
+            <a:endParaRPr lang="en-US"/>
+          </a:p>
+        </p:txBody>
+      </p:sp>
+      <p:sp>
+        <p:nvSpPr>
+          <p:cNvPr id="4" name="Slide Image Placeholder 3"/>
+          <p:cNvSpPr>
+            <a:spLocks noGrp="1" noRot="1" noChangeAspect="1"/>
+          </p:cNvSpPr>
+          <p:nvPr>
+            <p:ph type="sldImg" idx="2"/>
+          </p:nvPr>
+        </p:nvSpPr>
+        <p:spPr>
+          <a:xfrm>
+            <a:off x="1143000" y="685800"/>
+            <a:ext cx="4572000" cy="3429000"/>
+          </a:xfrm>
+          <a:prstGeom prst="rect">
+            <a:avLst/>
+          </a:prstGeom>
+          <a:noFill/>
+          <a:ln w="12700">
+            <a:solidFill>
+              <a:prstClr val="black"/>
+            </a:solidFill>
+          </a:ln>
+        </p:spPr>
+        <p:txBody>
+          <a:bodyPr vert="horz" lIns="91440" tIns="45720" rIns="91440" bIns="45720" rtlCol="0" anchor="ctr"/>
+          <a:lstStyle/>
+          <a:p>
+            <a:endParaRPr lang="en-US"/>
+          </a:p>
+        </p:txBody>
+      </p:sp>
+      <p:sp>
+        <p:nvSpPr>
+          <p:cNvPr id="5" name="Notes Placeholder 4"/>
+          <p:cNvSpPr>
+            <a:spLocks noGrp="1"/>
+          </p:cNvSpPr>
+          <p:nvPr>
+            <p:ph type="body" sz="quarter" idx="3"/>
+          </p:nvPr>
+        </p:nvSpPr>
+        <p:spPr>
+          <a:xfrm>
+            <a:off x="685800" y="4343400"/>
+            <a:ext cx="5486400" cy="4114800"/>
+          </a:xfrm>
+          <a:prstGeom prst="rect">
+            <a:avLst/>
+          </a:prstGeom>
+        </p:spPr>
+        <p:txBody>
+          <a:bodyPr vert="horz" lIns="91440" tIns="45720" rIns="91440" bIns="45720" rtlCol="0"/>
+          <a:lstStyle/>
+          <a:p>
+            <a:pPr lvl="0"/>
+            <a:r>
+              <a:rPr lang="en-US" smtClean="0"/>
+              <a:t>Click to edit Master text styles</a:t>
+            </a:r>
+          </a:p>
+          <a:p>
+            <a:pPr lvl="1"/>
+            <a:r>
+              <a:rPr lang="en-US" smtClean="0"/>
+              <a:t>Second level</a:t>
+            </a:r>
+          </a:p>
+          <a:p>
+            <a:pPr lvl="2"/>
+            <a:r>
+              <a:rPr lang="en-US" smtClean="0"/>
+              <a:t>Third level</a:t>
+            </a:r>
+          </a:p>
+          <a:p>
+            <a:pPr lvl="3"/>
+            <a:r>
+              <a:rPr lang="en-US" smtClean="0"/>
+              <a:t>Fourth level</a:t>
+            </a:r>
+          </a:p>
+          <a:p>
+            <a:pPr lvl="4"/>
+            <a:r>
+              <a:rPr lang="en-US" smtClean="0"/>
+              <a:t>Fifth level</a:t>
+            </a:r>
+            <a:endParaRPr lang="en-US"/>
+          </a:p>
+        </p:txBody>
+      </p:sp>
+      <p:sp>
+        <p:nvSpPr>
+          <p:cNvPr id="6" name="Footer Placeholder 5"/>
+          <p:cNvSpPr>
+            <a:spLocks noGrp="1"/>
+          </p:cNvSpPr>
+          <p:nvPr>
+            <p:ph type="ftr" sz="quarter" idx="4"/>
+          </p:nvPr>
+        </p:nvSpPr>
+        <p:spPr>
+          <a:xfrm>
+            <a:off x="0" y="8685213"/>
+            <a:ext cx="2971800" cy="457200"/>
+          </a:xfrm>
+          <a:prstGeom prst="rect">
+            <a:avLst/>
+          </a:prstGeom>
+        </p:spPr>
+        <p:txBody>
+          <a:bodyPr vert="horz" lIns="91440" tIns="45720" rIns="91440" bIns="45720" rtlCol="0" anchor="b"/>
+          <a:lstStyle>
+            <a:lvl1pPr algn="l">
+              <a:defRPr sz="1200"/>
+            </a:lvl1pPr>
+          </a:lstStyle>
+          <a:p>
+            <a:endParaRPr lang="en-US"/>
+          </a:p>
+        </p:txBody>
+      </p:sp>
+      <p:sp>
+        <p:nvSpPr>
+          <p:cNvPr id="7" name="Slide Number Placeholder 6"/>
+          <p:cNvSpPr>
+            <a:spLocks noGrp="1"/>
+          </p:cNvSpPr>
+          <p:nvPr>
+            <p:ph type="sldNum" sz="quarter" idx="5"/>
+          </p:nvPr>
+        </p:nvSpPr>
+        <p:spPr>
+          <a:xfrm>
+            <a:off x="3884613" y="8685213"/>
+            <a:ext cx="2971800" cy="457200"/>
+          </a:xfrm>
+          <a:prstGeom prst="rect">
+            <a:avLst/>
+          </a:prstGeom>
+        </p:spPr>
+        <p:txBody>
+          <a:bodyPr vert="horz" lIns="91440" tIns="45720" rIns="91440" bIns="45720" rtlCol="0" anchor="b"/>
+          <a:lstStyle>
+            <a:lvl1pPr algn="r">
+              <a:defRPr sz="1200"/>
+            </a:lvl1pPr>
+          </a:lstStyle>
+          <a:p>
+            <a:fld id="{CE09061E-DCC8-1640-B238-B51D9C972A55}" type="slidenum">
+              <a:rPr lang="en-US" smtClean="0"/>
+              <a:t>‹#›</a:t>
+            </a:fld>
+            <a:endParaRPr lang="en-US"/>
+          </a:p>
+        </p:txBody>
+      </p:sp>
+    </p:spTree>
+    <p:extLst>
+      <p:ext uri="{BB962C8B-B14F-4D97-AF65-F5344CB8AC3E}">
+        <p14:creationId xmlns:p14="http://schemas.microsoft.com/office/powerpoint/2010/main" val="4077884213"/>
+      </p:ext>
+    </p:extLst>
+  </p:cSld>
+  <p:clrMap bg1="lt1" tx1="dk1" bg2="lt2" tx2="dk2" accent1="accent1" accent2="accent2" accent3="accent3" accent4="accent4" accent5="accent5" accent6="accent6" hlink="hlink" folHlink="folHlink"/>
+  <p:notesStyle>
+    <a:lvl1pPr marL="0" algn="l" defTabSz="457200" rtl="0" eaLnBrk="1" latinLnBrk="0" hangingPunct="1">
+      <a:defRPr sz="1200" kern="1200">
+        <a:solidFill>
+          <a:schemeClr val="tx1"/>
+        </a:solidFill>
+        <a:latin typeface="+mn-lt"/>
+        <a:ea typeface="+mn-ea"/>
+        <a:cs typeface="+mn-cs"/>
+      </a:defRPr>
+    </a:lvl1pPr>
+    <a:lvl2pPr marL="457200" algn="l" defTabSz="457200" rtl="0" eaLnBrk="1" latinLnBrk="0" hangingPunct="1">
+      <a:defRPr sz="1200" kern="1200">
+        <a:solidFill>
+          <a:schemeClr val="tx1"/>
+        </a:solidFill>
+        <a:latin typeface="+mn-lt"/>
+        <a:ea typeface="+mn-ea"/>
+        <a:cs typeface="+mn-cs"/>
+      </a:defRPr>
+    </a:lvl2pPr>
+    <a:lvl3pPr marL="914400" algn="l" defTabSz="457200" rtl="0" eaLnBrk="1" latinLnBrk="0" hangingPunct="1">
+      <a:defRPr sz="1200" kern="1200">
+        <a:solidFill>
+          <a:schemeClr val="tx1"/>
+        </a:solidFill>
+        <a:latin typeface="+mn-lt"/>
+        <a:ea typeface="+mn-ea"/>
+        <a:cs typeface="+mn-cs"/>
+      </a:defRPr>
+    </a:lvl3pPr>
+    <a:lvl4pPr marL="1371600" algn="l" defTabSz="457200" rtl="0" eaLnBrk="1" latinLnBrk="0" hangingPunct="1">
+      <a:defRPr sz="1200" kern="1200">
+        <a:solidFill>
+          <a:schemeClr val="tx1"/>
+        </a:solidFill>
+        <a:latin typeface="+mn-lt"/>
+        <a:ea typeface="+mn-ea"/>
+        <a:cs typeface="+mn-cs"/>
+      </a:defRPr>
+    </a:lvl4pPr>
+    <a:lvl5pPr marL="1828800" algn="l" defTabSz="457200" rtl="0" eaLnBrk="1" latinLnBrk="0" hangingPunct="1">
+      <a:defRPr sz="1200" kern="1200">
+        <a:solidFill>
+          <a:schemeClr val="tx1"/>
+        </a:solidFill>
+        <a:latin typeface="+mn-lt"/>
+        <a:ea typeface="+mn-ea"/>
+        <a:cs typeface="+mn-cs"/>
+      </a:defRPr>
+    </a:lvl5pPr>
+    <a:lvl6pPr marL="2286000" algn="l" defTabSz="457200" rtl="0" eaLnBrk="1" latinLnBrk="0" hangingPunct="1">
+      <a:defRPr sz="1200" kern="1200">
+        <a:solidFill>
+          <a:schemeClr val="tx1"/>
+        </a:solidFill>
+        <a:latin typeface="+mn-lt"/>
+        <a:ea typeface="+mn-ea"/>
+        <a:cs typeface="+mn-cs"/>
+      </a:defRPr>
+    </a:lvl6pPr>
+    <a:lvl7pPr marL="2743200" algn="l" defTabSz="457200" rtl="0" eaLnBrk="1" latinLnBrk="0" hangingPunct="1">
+      <a:defRPr sz="1200" kern="1200">
+        <a:solidFill>
+          <a:schemeClr val="tx1"/>
+        </a:solidFill>
+        <a:latin typeface="+mn-lt"/>
+        <a:ea typeface="+mn-ea"/>
+        <a:cs typeface="+mn-cs"/>
+      </a:defRPr>
+    </a:lvl7pPr>
+    <a:lvl8pPr marL="3200400" algn="l" defTabSz="457200" rtl="0" eaLnBrk="1" latinLnBrk="0" hangingPunct="1">
+      <a:defRPr sz="1200" kern="1200">
+        <a:solidFill>
+          <a:schemeClr val="tx1"/>
+        </a:solidFill>
+        <a:latin typeface="+mn-lt"/>
+        <a:ea typeface="+mn-ea"/>
+        <a:cs typeface="+mn-cs"/>
+      </a:defRPr>
+    </a:lvl8pPr>
+    <a:lvl9pPr marL="3657600" algn="l" defTabSz="457200" rtl="0" eaLnBrk="1" latinLnBrk="0" hangingPunct="1">
+      <a:defRPr sz="1200" kern="1200">
+        <a:solidFill>
+          <a:schemeClr val="tx1"/>
+        </a:solidFill>
+        <a:latin typeface="+mn-lt"/>
+        <a:ea typeface="+mn-ea"/>
+        <a:cs typeface="+mn-cs"/>
+      </a:defRPr>
+    </a:lvl9pPr>
+  </p:notesStyle>
+</p:notesMaster>
+</file>
+
+<file path=ppt/notesSlides/notesSlide1.xml><?xml version="1.0" encoding="utf-8"?>
+<p:notes xmlns:a="http://schemas.openxmlformats.org/drawingml/2006/main" xmlns:r="http://schemas.openxmlformats.org/officeDocument/2006/relationships" xmlns:p="http://schemas.openxmlformats.org/presentationml/2006/main">
+  <p:cSld>
+    <p:spTree>
+      <p:nvGrpSpPr>
+        <p:cNvPr id="1" name=""/>
+        <p:cNvGrpSpPr/>
+        <p:nvPr/>
+      </p:nvGrpSpPr>
+      <p:grpSpPr>
+        <a:xfrm>
+          <a:off x="0" y="0"/>
+          <a:ext cx="0" cy="0"/>
+          <a:chOff x="0" y="0"/>
+          <a:chExt cx="0" cy="0"/>
+        </a:xfrm>
+      </p:grpSpPr>
+      <p:sp>
+        <p:nvSpPr>
+          <p:cNvPr id="2" name="Slide Image Placeholder 1"/>
+          <p:cNvSpPr>
+            <a:spLocks noGrp="1" noRot="1" noChangeAspect="1"/>
+          </p:cNvSpPr>
+          <p:nvPr>
+            <p:ph type="sldImg"/>
+          </p:nvPr>
+        </p:nvSpPr>
+        <p:spPr/>
+      </p:sp>
+      <p:sp>
+        <p:nvSpPr>
+          <p:cNvPr id="3" name="Notes Placeholder 2"/>
+          <p:cNvSpPr>
+            <a:spLocks noGrp="1"/>
+          </p:cNvSpPr>
+          <p:nvPr>
+            <p:ph type="body" idx="1"/>
+          </p:nvPr>
+        </p:nvSpPr>
+        <p:spPr/>
+        <p:txBody>
+          <a:bodyPr/>
+          <a:lstStyle/>
+          <a:p>
+            <a:r>
+              <a:rPr lang="en-US" dirty="0" smtClean="0"/>
+              <a:t>To consider:</a:t>
+            </a:r>
+          </a:p>
+          <a:p>
+            <a:r>
+              <a:rPr lang="en-US" dirty="0" smtClean="0"/>
+              <a:t>Need to cross reference the language / categories between this Figure</a:t>
+            </a:r>
+            <a:r>
+              <a:rPr lang="en-US" baseline="0" dirty="0" smtClean="0"/>
+              <a:t> and </a:t>
+            </a:r>
+            <a:r>
+              <a:rPr lang="en-US" dirty="0" smtClean="0"/>
+              <a:t>Table 1</a:t>
+            </a:r>
+            <a:r>
+              <a:rPr lang="en-US" baseline="0" dirty="0" smtClean="0"/>
+              <a:t> (Lessons, Units, Data, Workshops, Courses, Programs).  </a:t>
+            </a:r>
+          </a:p>
+          <a:p>
+            <a:r>
+              <a:rPr lang="en-US" baseline="0" dirty="0" smtClean="0"/>
+              <a:t>Are the shapes inferring some classification?</a:t>
+            </a:r>
+          </a:p>
+          <a:p>
+            <a:r>
+              <a:rPr lang="en-US" baseline="0" dirty="0" smtClean="0"/>
+              <a:t>Do we want to group by online/in person?</a:t>
+            </a:r>
+            <a:endParaRPr lang="en-US" dirty="0"/>
+          </a:p>
+        </p:txBody>
+      </p:sp>
+      <p:sp>
+        <p:nvSpPr>
+          <p:cNvPr id="4" name="Slide Number Placeholder 3"/>
+          <p:cNvSpPr>
+            <a:spLocks noGrp="1"/>
+          </p:cNvSpPr>
+          <p:nvPr>
+            <p:ph type="sldNum" sz="quarter" idx="10"/>
+          </p:nvPr>
+        </p:nvSpPr>
+        <p:spPr/>
+        <p:txBody>
+          <a:bodyPr/>
+          <a:lstStyle/>
+          <a:p>
+            <a:fld id="{CE09061E-DCC8-1640-B238-B51D9C972A55}" type="slidenum">
+              <a:rPr lang="en-US" smtClean="0"/>
+              <a:t>2</a:t>
+            </a:fld>
+            <a:endParaRPr lang="en-US"/>
+          </a:p>
+        </p:txBody>
+      </p:sp>
+    </p:spTree>
+    <p:extLst>
+      <p:ext uri="{BB962C8B-B14F-4D97-AF65-F5344CB8AC3E}">
+        <p14:creationId xmlns:p14="http://schemas.microsoft.com/office/powerpoint/2010/main" val="2525294544"/>
+      </p:ext>
+    </p:extLst>
+  </p:cSld>
+  <p:clrMapOvr>
+    <a:masterClrMapping/>
+  </p:clrMapOvr>
+</p:notes>
+</file>
+
+<file path=ppt/notesSlides/notesSlide2.xml><?xml version="1.0" encoding="utf-8"?>
+<p:notes xmlns:a="http://schemas.openxmlformats.org/drawingml/2006/main" xmlns:r="http://schemas.openxmlformats.org/officeDocument/2006/relationships" xmlns:p="http://schemas.openxmlformats.org/presentationml/2006/main">
+  <p:cSld>
+    <p:spTree>
+      <p:nvGrpSpPr>
+        <p:cNvPr id="1" name=""/>
+        <p:cNvGrpSpPr/>
+        <p:nvPr/>
+      </p:nvGrpSpPr>
+      <p:grpSpPr>
+        <a:xfrm>
+          <a:off x="0" y="0"/>
+          <a:ext cx="0" cy="0"/>
+          <a:chOff x="0" y="0"/>
+          <a:chExt cx="0" cy="0"/>
+        </a:xfrm>
+      </p:grpSpPr>
+      <p:sp>
+        <p:nvSpPr>
+          <p:cNvPr id="2" name="Slide Image Placeholder 1"/>
+          <p:cNvSpPr>
+            <a:spLocks noGrp="1" noRot="1" noChangeAspect="1"/>
+          </p:cNvSpPr>
+          <p:nvPr>
+            <p:ph type="sldImg"/>
+          </p:nvPr>
+        </p:nvSpPr>
+        <p:spPr/>
+      </p:sp>
+      <p:sp>
+        <p:nvSpPr>
+          <p:cNvPr id="3" name="Notes Placeholder 2"/>
+          <p:cNvSpPr>
+            <a:spLocks noGrp="1"/>
+          </p:cNvSpPr>
+          <p:nvPr>
+            <p:ph type="body" idx="1"/>
+          </p:nvPr>
+        </p:nvSpPr>
+        <p:spPr/>
+        <p:txBody>
+          <a:bodyPr/>
+          <a:lstStyle/>
+          <a:p>
+            <a:r>
+              <a:rPr lang="en-US" dirty="0" smtClean="0"/>
+              <a:t>Alternate representation where materials feed into formal and informal learning pedagogies</a:t>
+            </a:r>
+            <a:endParaRPr lang="en-US" dirty="0"/>
+          </a:p>
+        </p:txBody>
+      </p:sp>
+      <p:sp>
+        <p:nvSpPr>
+          <p:cNvPr id="4" name="Slide Number Placeholder 3"/>
+          <p:cNvSpPr>
+            <a:spLocks noGrp="1"/>
+          </p:cNvSpPr>
+          <p:nvPr>
+            <p:ph type="sldNum" sz="quarter" idx="10"/>
+          </p:nvPr>
+        </p:nvSpPr>
+        <p:spPr/>
+        <p:txBody>
+          <a:bodyPr/>
+          <a:lstStyle/>
+          <a:p>
+            <a:fld id="{CE09061E-DCC8-1640-B238-B51D9C972A55}" type="slidenum">
+              <a:rPr lang="en-US" smtClean="0"/>
+              <a:t>3</a:t>
+            </a:fld>
+            <a:endParaRPr lang="en-US"/>
+          </a:p>
+        </p:txBody>
+      </p:sp>
+    </p:spTree>
+    <p:extLst>
+      <p:ext uri="{BB962C8B-B14F-4D97-AF65-F5344CB8AC3E}">
+        <p14:creationId xmlns:p14="http://schemas.microsoft.com/office/powerpoint/2010/main" val="2525294544"/>
+      </p:ext>
+    </p:extLst>
+  </p:cSld>
+  <p:clrMapOvr>
+    <a:masterClrMapping/>
+  </p:clrMapOvr>
+</p:notes>
 </file>
 
 <file path=ppt/slideLayouts/slideLayout1.xml><?xml version="1.0" encoding="utf-8"?>
@@ -4195,6 +4756,2454 @@
   <p:clrMapOvr>
     <a:masterClrMapping/>
   </p:clrMapOvr>
+  <p:timing>
+    <p:tnLst>
+      <p:par>
+        <p:cTn xmlns:p14="http://schemas.microsoft.com/office/powerpoint/2010/main" id="1" dur="indefinite" restart="never" nodeType="tmRoot"/>
+      </p:par>
+    </p:tnLst>
+  </p:timing>
+</p:sld>
+</file>
+
+<file path=ppt/slides/slide2.xml><?xml version="1.0" encoding="utf-8"?>
+<p:sld xmlns:a="http://schemas.openxmlformats.org/drawingml/2006/main" xmlns:r="http://schemas.openxmlformats.org/officeDocument/2006/relationships" xmlns:p="http://schemas.openxmlformats.org/presentationml/2006/main">
+  <p:cSld>
+    <p:spTree>
+      <p:nvGrpSpPr>
+        <p:cNvPr id="1" name=""/>
+        <p:cNvGrpSpPr/>
+        <p:nvPr/>
+      </p:nvGrpSpPr>
+      <p:grpSpPr>
+        <a:xfrm>
+          <a:off x="0" y="0"/>
+          <a:ext cx="0" cy="0"/>
+          <a:chOff x="0" y="0"/>
+          <a:chExt cx="0" cy="0"/>
+        </a:xfrm>
+      </p:grpSpPr>
+      <p:sp>
+        <p:nvSpPr>
+          <p:cNvPr id="2" name="Title 1"/>
+          <p:cNvSpPr>
+            <a:spLocks noGrp="1"/>
+          </p:cNvSpPr>
+          <p:nvPr>
+            <p:ph type="ctrTitle"/>
+          </p:nvPr>
+        </p:nvSpPr>
+        <p:spPr>
+          <a:xfrm>
+            <a:off x="542715" y="-48801"/>
+            <a:ext cx="7772400" cy="1470025"/>
+          </a:xfrm>
+        </p:spPr>
+        <p:txBody>
+          <a:bodyPr>
+            <a:normAutofit/>
+          </a:bodyPr>
+          <a:lstStyle/>
+          <a:p>
+            <a:r>
+              <a:rPr lang="en-US" sz="2800" dirty="0" smtClean="0"/>
+              <a:t>The space of data-intensive education for environmental science</a:t>
+            </a:r>
+            <a:endParaRPr lang="en-US" sz="2800" dirty="0"/>
+          </a:p>
+        </p:txBody>
+      </p:sp>
+      <p:sp>
+        <p:nvSpPr>
+          <p:cNvPr id="3" name="Rounded Rectangle 2"/>
+          <p:cNvSpPr/>
+          <p:nvPr/>
+        </p:nvSpPr>
+        <p:spPr>
+          <a:xfrm>
+            <a:off x="3252788" y="1421224"/>
+            <a:ext cx="2651125" cy="5166901"/>
+          </a:xfrm>
+          <a:prstGeom prst="roundRect">
+            <a:avLst>
+              <a:gd name="adj" fmla="val 4048"/>
+            </a:avLst>
+          </a:prstGeom>
+          <a:solidFill>
+            <a:schemeClr val="accent5">
+              <a:lumMod val="20000"/>
+              <a:lumOff val="80000"/>
+            </a:schemeClr>
+          </a:solidFill>
+          <a:ln>
+            <a:solidFill>
+              <a:schemeClr val="accent5">
+                <a:lumMod val="50000"/>
+              </a:schemeClr>
+            </a:solidFill>
+          </a:ln>
+        </p:spPr>
+        <p:style>
+          <a:lnRef idx="1">
+            <a:schemeClr val="accent1"/>
+          </a:lnRef>
+          <a:fillRef idx="3">
+            <a:schemeClr val="accent1"/>
+          </a:fillRef>
+          <a:effectRef idx="2">
+            <a:schemeClr val="accent1"/>
+          </a:effectRef>
+          <a:fontRef idx="minor">
+            <a:schemeClr val="lt1"/>
+          </a:fontRef>
+        </p:style>
+        <p:txBody>
+          <a:bodyPr rtlCol="0" anchor="t"/>
+          <a:lstStyle/>
+          <a:p>
+            <a:pPr algn="ctr"/>
+            <a:r>
+              <a:rPr lang="en-US" sz="2600" b="1" dirty="0" smtClean="0">
+                <a:solidFill>
+                  <a:schemeClr val="tx1">
+                    <a:lumMod val="85000"/>
+                    <a:lumOff val="15000"/>
+                  </a:schemeClr>
+                </a:solidFill>
+              </a:rPr>
+              <a:t>Curricula</a:t>
+            </a:r>
+            <a:endParaRPr lang="en-US" sz="2600" b="1" dirty="0">
+              <a:solidFill>
+                <a:schemeClr val="tx1">
+                  <a:lumMod val="85000"/>
+                  <a:lumOff val="15000"/>
+                </a:schemeClr>
+              </a:solidFill>
+            </a:endParaRPr>
+          </a:p>
+        </p:txBody>
+      </p:sp>
+      <p:sp>
+        <p:nvSpPr>
+          <p:cNvPr id="42" name="Rounded Rectangle 41"/>
+          <p:cNvSpPr/>
+          <p:nvPr/>
+        </p:nvSpPr>
+        <p:spPr>
+          <a:xfrm>
+            <a:off x="3321050" y="2020299"/>
+            <a:ext cx="2514600" cy="944151"/>
+          </a:xfrm>
+          <a:prstGeom prst="roundRect">
+            <a:avLst>
+              <a:gd name="adj" fmla="val 9921"/>
+            </a:avLst>
+          </a:prstGeom>
+          <a:solidFill>
+            <a:schemeClr val="accent4">
+              <a:lumMod val="20000"/>
+              <a:lumOff val="80000"/>
+              <a:alpha val="96000"/>
+            </a:schemeClr>
+          </a:solidFill>
+          <a:ln>
+            <a:solidFill>
+              <a:schemeClr val="accent4">
+                <a:lumMod val="75000"/>
+              </a:schemeClr>
+            </a:solidFill>
+          </a:ln>
+        </p:spPr>
+        <p:style>
+          <a:lnRef idx="1">
+            <a:schemeClr val="accent1"/>
+          </a:lnRef>
+          <a:fillRef idx="3">
+            <a:schemeClr val="accent1"/>
+          </a:fillRef>
+          <a:effectRef idx="2">
+            <a:schemeClr val="accent1"/>
+          </a:effectRef>
+          <a:fontRef idx="minor">
+            <a:schemeClr val="lt1"/>
+          </a:fontRef>
+        </p:style>
+        <p:txBody>
+          <a:bodyPr rtlCol="0" anchor="ctr"/>
+          <a:lstStyle/>
+          <a:p>
+            <a:pPr algn="ctr"/>
+            <a:r>
+              <a:rPr lang="en-US" dirty="0" smtClean="0">
+                <a:solidFill>
+                  <a:schemeClr val="tx1">
+                    <a:lumMod val="85000"/>
+                    <a:lumOff val="15000"/>
+                  </a:schemeClr>
+                </a:solidFill>
+              </a:rPr>
+              <a:t>Quantitative</a:t>
+            </a:r>
+            <a:br>
+              <a:rPr lang="en-US" dirty="0" smtClean="0">
+                <a:solidFill>
+                  <a:schemeClr val="tx1">
+                    <a:lumMod val="85000"/>
+                    <a:lumOff val="15000"/>
+                  </a:schemeClr>
+                </a:solidFill>
+              </a:rPr>
+            </a:br>
+            <a:r>
+              <a:rPr lang="en-US" dirty="0" smtClean="0">
+                <a:solidFill>
+                  <a:schemeClr val="tx1">
+                    <a:lumMod val="85000"/>
+                    <a:lumOff val="15000"/>
+                  </a:schemeClr>
+                </a:solidFill>
+              </a:rPr>
+              <a:t>Courses</a:t>
+            </a:r>
+            <a:endParaRPr lang="en-US" dirty="0">
+              <a:solidFill>
+                <a:schemeClr val="tx1">
+                  <a:lumMod val="85000"/>
+                  <a:lumOff val="15000"/>
+                </a:schemeClr>
+              </a:solidFill>
+            </a:endParaRPr>
+          </a:p>
+        </p:txBody>
+      </p:sp>
+      <p:sp>
+        <p:nvSpPr>
+          <p:cNvPr id="48" name="Rounded Rectangle 47"/>
+          <p:cNvSpPr/>
+          <p:nvPr/>
+        </p:nvSpPr>
+        <p:spPr>
+          <a:xfrm>
+            <a:off x="3321050" y="5554074"/>
+            <a:ext cx="2514600" cy="944151"/>
+          </a:xfrm>
+          <a:prstGeom prst="roundRect">
+            <a:avLst>
+              <a:gd name="adj" fmla="val 9921"/>
+            </a:avLst>
+          </a:prstGeom>
+          <a:solidFill>
+            <a:schemeClr val="accent4">
+              <a:lumMod val="20000"/>
+              <a:lumOff val="80000"/>
+              <a:alpha val="96000"/>
+            </a:schemeClr>
+          </a:solidFill>
+          <a:ln>
+            <a:solidFill>
+              <a:schemeClr val="accent4">
+                <a:lumMod val="75000"/>
+              </a:schemeClr>
+            </a:solidFill>
+          </a:ln>
+        </p:spPr>
+        <p:style>
+          <a:lnRef idx="1">
+            <a:schemeClr val="accent1"/>
+          </a:lnRef>
+          <a:fillRef idx="3">
+            <a:schemeClr val="accent1"/>
+          </a:fillRef>
+          <a:effectRef idx="2">
+            <a:schemeClr val="accent1"/>
+          </a:effectRef>
+          <a:fontRef idx="minor">
+            <a:schemeClr val="lt1"/>
+          </a:fontRef>
+        </p:style>
+        <p:txBody>
+          <a:bodyPr rtlCol="0" anchor="ctr"/>
+          <a:lstStyle/>
+          <a:p>
+            <a:pPr algn="ctr"/>
+            <a:r>
+              <a:rPr lang="en-US" dirty="0" smtClean="0">
+                <a:solidFill>
+                  <a:schemeClr val="tx1">
+                    <a:lumMod val="85000"/>
+                    <a:lumOff val="15000"/>
+                  </a:schemeClr>
+                </a:solidFill>
+              </a:rPr>
+              <a:t>Upper-Level</a:t>
+            </a:r>
+            <a:br>
+              <a:rPr lang="en-US" dirty="0" smtClean="0">
+                <a:solidFill>
+                  <a:schemeClr val="tx1">
+                    <a:lumMod val="85000"/>
+                    <a:lumOff val="15000"/>
+                  </a:schemeClr>
+                </a:solidFill>
+              </a:rPr>
+            </a:br>
+            <a:r>
+              <a:rPr lang="en-US" dirty="0" smtClean="0">
+                <a:solidFill>
+                  <a:schemeClr val="tx1">
+                    <a:lumMod val="85000"/>
+                    <a:lumOff val="15000"/>
+                  </a:schemeClr>
+                </a:solidFill>
+              </a:rPr>
+              <a:t>Biology</a:t>
+            </a:r>
+            <a:endParaRPr lang="en-US" dirty="0">
+              <a:solidFill>
+                <a:schemeClr val="tx1">
+                  <a:lumMod val="85000"/>
+                  <a:lumOff val="15000"/>
+                </a:schemeClr>
+              </a:solidFill>
+            </a:endParaRPr>
+          </a:p>
+        </p:txBody>
+      </p:sp>
+      <p:sp>
+        <p:nvSpPr>
+          <p:cNvPr id="49" name="Rounded Rectangle 48"/>
+          <p:cNvSpPr/>
+          <p:nvPr/>
+        </p:nvSpPr>
+        <p:spPr>
+          <a:xfrm>
+            <a:off x="3321050" y="3039562"/>
+            <a:ext cx="2514600" cy="2439400"/>
+          </a:xfrm>
+          <a:prstGeom prst="roundRect">
+            <a:avLst>
+              <a:gd name="adj" fmla="val 4064"/>
+            </a:avLst>
+          </a:prstGeom>
+          <a:solidFill>
+            <a:schemeClr val="accent4">
+              <a:lumMod val="20000"/>
+              <a:lumOff val="80000"/>
+              <a:alpha val="96000"/>
+            </a:schemeClr>
+          </a:solidFill>
+          <a:ln>
+            <a:solidFill>
+              <a:schemeClr val="accent4">
+                <a:lumMod val="75000"/>
+              </a:schemeClr>
+            </a:solidFill>
+          </a:ln>
+        </p:spPr>
+        <p:style>
+          <a:lnRef idx="1">
+            <a:schemeClr val="accent1"/>
+          </a:lnRef>
+          <a:fillRef idx="3">
+            <a:schemeClr val="accent1"/>
+          </a:fillRef>
+          <a:effectRef idx="2">
+            <a:schemeClr val="accent1"/>
+          </a:effectRef>
+          <a:fontRef idx="minor">
+            <a:schemeClr val="lt1"/>
+          </a:fontRef>
+        </p:style>
+        <p:txBody>
+          <a:bodyPr rtlCol="0" anchor="t"/>
+          <a:lstStyle/>
+          <a:p>
+            <a:pPr algn="ctr"/>
+            <a:r>
+              <a:rPr lang="en-US" dirty="0" smtClean="0">
+                <a:solidFill>
+                  <a:schemeClr val="tx1">
+                    <a:lumMod val="85000"/>
+                    <a:lumOff val="15000"/>
+                  </a:schemeClr>
+                </a:solidFill>
+              </a:rPr>
+              <a:t>Biology</a:t>
+            </a:r>
+            <a:br>
+              <a:rPr lang="en-US" dirty="0" smtClean="0">
+                <a:solidFill>
+                  <a:schemeClr val="tx1">
+                    <a:lumMod val="85000"/>
+                    <a:lumOff val="15000"/>
+                  </a:schemeClr>
+                </a:solidFill>
+              </a:rPr>
+            </a:br>
+            <a:r>
+              <a:rPr lang="en-US" dirty="0" smtClean="0">
+                <a:solidFill>
+                  <a:schemeClr val="tx1">
+                    <a:lumMod val="85000"/>
+                    <a:lumOff val="15000"/>
+                  </a:schemeClr>
+                </a:solidFill>
+              </a:rPr>
+              <a:t>Core</a:t>
+            </a:r>
+            <a:endParaRPr lang="en-US" dirty="0">
+              <a:solidFill>
+                <a:schemeClr val="tx1">
+                  <a:lumMod val="85000"/>
+                  <a:lumOff val="15000"/>
+                </a:schemeClr>
+              </a:solidFill>
+            </a:endParaRPr>
+          </a:p>
+        </p:txBody>
+      </p:sp>
+      <p:sp>
+        <p:nvSpPr>
+          <p:cNvPr id="50" name="Rounded Rectangle 49"/>
+          <p:cNvSpPr/>
+          <p:nvPr/>
+        </p:nvSpPr>
+        <p:spPr>
+          <a:xfrm>
+            <a:off x="3562350" y="3780249"/>
+            <a:ext cx="2089150" cy="633002"/>
+          </a:xfrm>
+          <a:prstGeom prst="roundRect">
+            <a:avLst>
+              <a:gd name="adj" fmla="val 9921"/>
+            </a:avLst>
+          </a:prstGeom>
+          <a:solidFill>
+            <a:schemeClr val="accent2">
+              <a:lumMod val="40000"/>
+              <a:lumOff val="60000"/>
+              <a:alpha val="96000"/>
+            </a:schemeClr>
+          </a:solidFill>
+          <a:ln>
+            <a:solidFill>
+              <a:schemeClr val="accent2">
+                <a:lumMod val="50000"/>
+              </a:schemeClr>
+            </a:solidFill>
+          </a:ln>
+        </p:spPr>
+        <p:style>
+          <a:lnRef idx="1">
+            <a:schemeClr val="accent1"/>
+          </a:lnRef>
+          <a:fillRef idx="3">
+            <a:schemeClr val="accent1"/>
+          </a:fillRef>
+          <a:effectRef idx="2">
+            <a:schemeClr val="accent1"/>
+          </a:effectRef>
+          <a:fontRef idx="minor">
+            <a:schemeClr val="lt1"/>
+          </a:fontRef>
+        </p:style>
+        <p:txBody>
+          <a:bodyPr rtlCol="0" anchor="ctr"/>
+          <a:lstStyle/>
+          <a:p>
+            <a:pPr algn="ctr"/>
+            <a:r>
+              <a:rPr lang="en-US" dirty="0" smtClean="0">
+                <a:solidFill>
+                  <a:schemeClr val="tx1">
+                    <a:lumMod val="85000"/>
+                    <a:lumOff val="15000"/>
+                  </a:schemeClr>
+                </a:solidFill>
+              </a:rPr>
+              <a:t>Labs</a:t>
+            </a:r>
+            <a:endParaRPr lang="en-US" dirty="0">
+              <a:solidFill>
+                <a:schemeClr val="tx1">
+                  <a:lumMod val="85000"/>
+                  <a:lumOff val="15000"/>
+                </a:schemeClr>
+              </a:solidFill>
+            </a:endParaRPr>
+          </a:p>
+        </p:txBody>
+      </p:sp>
+      <p:sp>
+        <p:nvSpPr>
+          <p:cNvPr id="51" name="Rounded Rectangle 50"/>
+          <p:cNvSpPr/>
+          <p:nvPr/>
+        </p:nvSpPr>
+        <p:spPr>
+          <a:xfrm>
+            <a:off x="3562350" y="4631149"/>
+            <a:ext cx="2089150" cy="633002"/>
+          </a:xfrm>
+          <a:prstGeom prst="roundRect">
+            <a:avLst>
+              <a:gd name="adj" fmla="val 9921"/>
+            </a:avLst>
+          </a:prstGeom>
+          <a:solidFill>
+            <a:srgbClr val="E6B9B8">
+              <a:alpha val="96000"/>
+            </a:srgbClr>
+          </a:solidFill>
+          <a:ln>
+            <a:solidFill>
+              <a:srgbClr val="632523"/>
+            </a:solidFill>
+          </a:ln>
+        </p:spPr>
+        <p:style>
+          <a:lnRef idx="1">
+            <a:schemeClr val="accent1"/>
+          </a:lnRef>
+          <a:fillRef idx="3">
+            <a:schemeClr val="accent1"/>
+          </a:fillRef>
+          <a:effectRef idx="2">
+            <a:schemeClr val="accent1"/>
+          </a:effectRef>
+          <a:fontRef idx="minor">
+            <a:schemeClr val="lt1"/>
+          </a:fontRef>
+        </p:style>
+        <p:txBody>
+          <a:bodyPr rtlCol="0" anchor="ctr"/>
+          <a:lstStyle/>
+          <a:p>
+            <a:pPr algn="ctr"/>
+            <a:r>
+              <a:rPr lang="en-US" dirty="0" smtClean="0">
+                <a:solidFill>
+                  <a:schemeClr val="tx1">
+                    <a:lumMod val="85000"/>
+                    <a:lumOff val="15000"/>
+                  </a:schemeClr>
+                </a:solidFill>
+              </a:rPr>
+              <a:t>Lecture</a:t>
+            </a:r>
+            <a:endParaRPr lang="en-US" dirty="0">
+              <a:solidFill>
+                <a:schemeClr val="tx1">
+                  <a:lumMod val="85000"/>
+                  <a:lumOff val="15000"/>
+                </a:schemeClr>
+              </a:solidFill>
+            </a:endParaRPr>
+          </a:p>
+        </p:txBody>
+      </p:sp>
+      <p:sp>
+        <p:nvSpPr>
+          <p:cNvPr id="20" name="Diamond 19"/>
+          <p:cNvSpPr/>
+          <p:nvPr/>
+        </p:nvSpPr>
+        <p:spPr>
+          <a:xfrm>
+            <a:off x="6537115" y="3984625"/>
+            <a:ext cx="2222500" cy="1381125"/>
+          </a:xfrm>
+          <a:prstGeom prst="diamond">
+            <a:avLst/>
+          </a:prstGeom>
+          <a:solidFill>
+            <a:schemeClr val="accent3">
+              <a:lumMod val="40000"/>
+              <a:lumOff val="60000"/>
+            </a:schemeClr>
+          </a:solidFill>
+          <a:ln>
+            <a:solidFill>
+              <a:schemeClr val="accent3">
+                <a:lumMod val="50000"/>
+              </a:schemeClr>
+            </a:solidFill>
+          </a:ln>
+        </p:spPr>
+        <p:style>
+          <a:lnRef idx="1">
+            <a:schemeClr val="accent1"/>
+          </a:lnRef>
+          <a:fillRef idx="3">
+            <a:schemeClr val="accent1"/>
+          </a:fillRef>
+          <a:effectRef idx="2">
+            <a:schemeClr val="accent1"/>
+          </a:effectRef>
+          <a:fontRef idx="minor">
+            <a:schemeClr val="lt1"/>
+          </a:fontRef>
+        </p:style>
+        <p:txBody>
+          <a:bodyPr rtlCol="0" anchor="ctr"/>
+          <a:lstStyle/>
+          <a:p>
+            <a:pPr algn="ctr"/>
+            <a:r>
+              <a:rPr lang="en-US" dirty="0" smtClean="0">
+                <a:solidFill>
+                  <a:schemeClr val="tx1">
+                    <a:lumMod val="85000"/>
+                    <a:lumOff val="15000"/>
+                  </a:schemeClr>
+                </a:solidFill>
+              </a:rPr>
+              <a:t>Lessons</a:t>
+            </a:r>
+            <a:endParaRPr lang="en-US" dirty="0">
+              <a:solidFill>
+                <a:schemeClr val="tx1">
+                  <a:lumMod val="85000"/>
+                  <a:lumOff val="15000"/>
+                </a:schemeClr>
+              </a:solidFill>
+            </a:endParaRPr>
+          </a:p>
+        </p:txBody>
+      </p:sp>
+      <p:sp>
+        <p:nvSpPr>
+          <p:cNvPr id="52" name="Diamond 51"/>
+          <p:cNvSpPr/>
+          <p:nvPr/>
+        </p:nvSpPr>
+        <p:spPr>
+          <a:xfrm>
+            <a:off x="6537115" y="2458449"/>
+            <a:ext cx="2222500" cy="1381125"/>
+          </a:xfrm>
+          <a:prstGeom prst="diamond">
+            <a:avLst/>
+          </a:prstGeom>
+          <a:solidFill>
+            <a:schemeClr val="accent3">
+              <a:lumMod val="40000"/>
+              <a:lumOff val="60000"/>
+            </a:schemeClr>
+          </a:solidFill>
+          <a:ln>
+            <a:solidFill>
+              <a:schemeClr val="accent3">
+                <a:lumMod val="50000"/>
+              </a:schemeClr>
+            </a:solidFill>
+          </a:ln>
+        </p:spPr>
+        <p:style>
+          <a:lnRef idx="1">
+            <a:schemeClr val="accent1"/>
+          </a:lnRef>
+          <a:fillRef idx="3">
+            <a:schemeClr val="accent1"/>
+          </a:fillRef>
+          <a:effectRef idx="2">
+            <a:schemeClr val="accent1"/>
+          </a:effectRef>
+          <a:fontRef idx="minor">
+            <a:schemeClr val="lt1"/>
+          </a:fontRef>
+        </p:style>
+        <p:txBody>
+          <a:bodyPr rtlCol="0" anchor="ctr"/>
+          <a:lstStyle/>
+          <a:p>
+            <a:pPr algn="ctr"/>
+            <a:r>
+              <a:rPr lang="en-US" dirty="0" smtClean="0">
+                <a:solidFill>
+                  <a:schemeClr val="tx1">
+                    <a:lumMod val="85000"/>
+                    <a:lumOff val="15000"/>
+                  </a:schemeClr>
+                </a:solidFill>
+              </a:rPr>
+              <a:t>Modules</a:t>
+            </a:r>
+            <a:endParaRPr lang="en-US" dirty="0">
+              <a:solidFill>
+                <a:schemeClr val="tx1">
+                  <a:lumMod val="85000"/>
+                  <a:lumOff val="15000"/>
+                </a:schemeClr>
+              </a:solidFill>
+            </a:endParaRPr>
+          </a:p>
+        </p:txBody>
+      </p:sp>
+      <p:cxnSp>
+        <p:nvCxnSpPr>
+          <p:cNvPr id="54" name="Elbow Connector 53"/>
+          <p:cNvCxnSpPr>
+            <a:stCxn id="20" idx="1"/>
+            <a:endCxn id="49" idx="3"/>
+          </p:cNvCxnSpPr>
+          <p:nvPr/>
+        </p:nvCxnSpPr>
+        <p:spPr>
+          <a:xfrm rot="10800000">
+            <a:off x="5835651" y="4259262"/>
+            <a:ext cx="701465" cy="415926"/>
+          </a:xfrm>
+          <a:prstGeom prst="bentConnector3">
+            <a:avLst/>
+          </a:prstGeom>
+          <a:ln>
+            <a:solidFill>
+              <a:schemeClr val="tx1">
+                <a:lumMod val="85000"/>
+                <a:lumOff val="15000"/>
+              </a:schemeClr>
+            </a:solidFill>
+            <a:tailEnd type="arrow"/>
+          </a:ln>
+        </p:spPr>
+        <p:style>
+          <a:lnRef idx="2">
+            <a:schemeClr val="accent1"/>
+          </a:lnRef>
+          <a:fillRef idx="0">
+            <a:schemeClr val="accent1"/>
+          </a:fillRef>
+          <a:effectRef idx="1">
+            <a:schemeClr val="accent1"/>
+          </a:effectRef>
+          <a:fontRef idx="minor">
+            <a:schemeClr val="tx1"/>
+          </a:fontRef>
+        </p:style>
+      </p:cxnSp>
+      <p:cxnSp>
+        <p:nvCxnSpPr>
+          <p:cNvPr id="57" name="Elbow Connector 56"/>
+          <p:cNvCxnSpPr>
+            <a:stCxn id="20" idx="1"/>
+            <a:endCxn id="48" idx="3"/>
+          </p:cNvCxnSpPr>
+          <p:nvPr/>
+        </p:nvCxnSpPr>
+        <p:spPr>
+          <a:xfrm rot="10800000" flipV="1">
+            <a:off x="5835651" y="4675188"/>
+            <a:ext cx="701465" cy="1350962"/>
+          </a:xfrm>
+          <a:prstGeom prst="bentConnector3">
+            <a:avLst/>
+          </a:prstGeom>
+          <a:ln>
+            <a:solidFill>
+              <a:schemeClr val="tx1">
+                <a:lumMod val="85000"/>
+                <a:lumOff val="15000"/>
+              </a:schemeClr>
+            </a:solidFill>
+            <a:tailEnd type="arrow"/>
+          </a:ln>
+        </p:spPr>
+        <p:style>
+          <a:lnRef idx="2">
+            <a:schemeClr val="accent1"/>
+          </a:lnRef>
+          <a:fillRef idx="0">
+            <a:schemeClr val="accent1"/>
+          </a:fillRef>
+          <a:effectRef idx="1">
+            <a:schemeClr val="accent1"/>
+          </a:effectRef>
+          <a:fontRef idx="minor">
+            <a:schemeClr val="tx1"/>
+          </a:fontRef>
+        </p:style>
+      </p:cxnSp>
+      <p:cxnSp>
+        <p:nvCxnSpPr>
+          <p:cNvPr id="59" name="Elbow Connector 58"/>
+          <p:cNvCxnSpPr>
+            <a:stCxn id="52" idx="1"/>
+            <a:endCxn id="42" idx="3"/>
+          </p:cNvCxnSpPr>
+          <p:nvPr/>
+        </p:nvCxnSpPr>
+        <p:spPr>
+          <a:xfrm rot="10800000">
+            <a:off x="5835651" y="2492376"/>
+            <a:ext cx="701465" cy="656637"/>
+          </a:xfrm>
+          <a:prstGeom prst="bentConnector3">
+            <a:avLst/>
+          </a:prstGeom>
+          <a:ln>
+            <a:solidFill>
+              <a:schemeClr val="tx1">
+                <a:lumMod val="85000"/>
+                <a:lumOff val="15000"/>
+              </a:schemeClr>
+            </a:solidFill>
+            <a:tailEnd type="arrow"/>
+          </a:ln>
+        </p:spPr>
+        <p:style>
+          <a:lnRef idx="2">
+            <a:schemeClr val="accent1"/>
+          </a:lnRef>
+          <a:fillRef idx="0">
+            <a:schemeClr val="accent1"/>
+          </a:fillRef>
+          <a:effectRef idx="1">
+            <a:schemeClr val="accent1"/>
+          </a:effectRef>
+          <a:fontRef idx="minor">
+            <a:schemeClr val="tx1"/>
+          </a:fontRef>
+        </p:style>
+      </p:cxnSp>
+      <p:cxnSp>
+        <p:nvCxnSpPr>
+          <p:cNvPr id="62" name="Elbow Connector 61"/>
+          <p:cNvCxnSpPr>
+            <a:stCxn id="52" idx="1"/>
+            <a:endCxn id="49" idx="3"/>
+          </p:cNvCxnSpPr>
+          <p:nvPr/>
+        </p:nvCxnSpPr>
+        <p:spPr>
+          <a:xfrm rot="10800000" flipV="1">
+            <a:off x="5835651" y="3149012"/>
+            <a:ext cx="701465" cy="1110250"/>
+          </a:xfrm>
+          <a:prstGeom prst="bentConnector3">
+            <a:avLst>
+              <a:gd name="adj1" fmla="val 50000"/>
+            </a:avLst>
+          </a:prstGeom>
+          <a:ln>
+            <a:solidFill>
+              <a:schemeClr val="tx1">
+                <a:lumMod val="85000"/>
+                <a:lumOff val="15000"/>
+              </a:schemeClr>
+            </a:solidFill>
+            <a:tailEnd type="arrow"/>
+          </a:ln>
+        </p:spPr>
+        <p:style>
+          <a:lnRef idx="2">
+            <a:schemeClr val="accent1"/>
+          </a:lnRef>
+          <a:fillRef idx="0">
+            <a:schemeClr val="accent1"/>
+          </a:fillRef>
+          <a:effectRef idx="1">
+            <a:schemeClr val="accent1"/>
+          </a:effectRef>
+          <a:fontRef idx="minor">
+            <a:schemeClr val="tx1"/>
+          </a:fontRef>
+        </p:style>
+      </p:cxnSp>
+      <p:sp>
+        <p:nvSpPr>
+          <p:cNvPr id="65" name="Oval 64"/>
+          <p:cNvSpPr/>
+          <p:nvPr/>
+        </p:nvSpPr>
+        <p:spPr>
+          <a:xfrm>
+            <a:off x="449262" y="2847191"/>
+            <a:ext cx="2089570" cy="1079500"/>
+          </a:xfrm>
+          <a:prstGeom prst="ellipse">
+            <a:avLst/>
+          </a:prstGeom>
+          <a:solidFill>
+            <a:schemeClr val="accent6">
+              <a:lumMod val="60000"/>
+              <a:lumOff val="40000"/>
+            </a:schemeClr>
+          </a:solidFill>
+          <a:ln>
+            <a:solidFill>
+              <a:schemeClr val="accent6">
+                <a:lumMod val="50000"/>
+              </a:schemeClr>
+            </a:solidFill>
+          </a:ln>
+        </p:spPr>
+        <p:style>
+          <a:lnRef idx="1">
+            <a:schemeClr val="accent1"/>
+          </a:lnRef>
+          <a:fillRef idx="3">
+            <a:schemeClr val="accent1"/>
+          </a:fillRef>
+          <a:effectRef idx="2">
+            <a:schemeClr val="accent1"/>
+          </a:effectRef>
+          <a:fontRef idx="minor">
+            <a:schemeClr val="lt1"/>
+          </a:fontRef>
+        </p:style>
+        <p:txBody>
+          <a:bodyPr rtlCol="0" anchor="ctr"/>
+          <a:lstStyle/>
+          <a:p>
+            <a:pPr algn="ctr"/>
+            <a:r>
+              <a:rPr lang="en-US" dirty="0" smtClean="0">
+                <a:solidFill>
+                  <a:schemeClr val="tx1">
+                    <a:lumMod val="85000"/>
+                    <a:lumOff val="15000"/>
+                  </a:schemeClr>
+                </a:solidFill>
+              </a:rPr>
+              <a:t>Online Courses</a:t>
+            </a:r>
+            <a:endParaRPr lang="en-US" dirty="0">
+              <a:solidFill>
+                <a:schemeClr val="tx1">
+                  <a:lumMod val="85000"/>
+                  <a:lumOff val="15000"/>
+                </a:schemeClr>
+              </a:solidFill>
+            </a:endParaRPr>
+          </a:p>
+        </p:txBody>
+      </p:sp>
+      <p:sp>
+        <p:nvSpPr>
+          <p:cNvPr id="66" name="Oval 65"/>
+          <p:cNvSpPr/>
+          <p:nvPr/>
+        </p:nvSpPr>
+        <p:spPr>
+          <a:xfrm>
+            <a:off x="450430" y="4082658"/>
+            <a:ext cx="2089570" cy="1079500"/>
+          </a:xfrm>
+          <a:prstGeom prst="ellipse">
+            <a:avLst/>
+          </a:prstGeom>
+          <a:solidFill>
+            <a:schemeClr val="accent6">
+              <a:lumMod val="60000"/>
+              <a:lumOff val="40000"/>
+            </a:schemeClr>
+          </a:solidFill>
+          <a:ln>
+            <a:solidFill>
+              <a:schemeClr val="accent6">
+                <a:lumMod val="50000"/>
+              </a:schemeClr>
+            </a:solidFill>
+          </a:ln>
+        </p:spPr>
+        <p:style>
+          <a:lnRef idx="1">
+            <a:schemeClr val="accent1"/>
+          </a:lnRef>
+          <a:fillRef idx="3">
+            <a:schemeClr val="accent1"/>
+          </a:fillRef>
+          <a:effectRef idx="2">
+            <a:schemeClr val="accent1"/>
+          </a:effectRef>
+          <a:fontRef idx="minor">
+            <a:schemeClr val="lt1"/>
+          </a:fontRef>
+        </p:style>
+        <p:txBody>
+          <a:bodyPr rtlCol="0" anchor="ctr"/>
+          <a:lstStyle/>
+          <a:p>
+            <a:pPr algn="ctr"/>
+            <a:r>
+              <a:rPr lang="en-US" dirty="0" smtClean="0">
+                <a:solidFill>
+                  <a:schemeClr val="tx1">
+                    <a:lumMod val="85000"/>
+                    <a:lumOff val="15000"/>
+                  </a:schemeClr>
+                </a:solidFill>
+              </a:rPr>
+              <a:t>Online Collaborative Activities</a:t>
+            </a:r>
+            <a:endParaRPr lang="en-US" dirty="0">
+              <a:solidFill>
+                <a:schemeClr val="tx1">
+                  <a:lumMod val="85000"/>
+                  <a:lumOff val="15000"/>
+                </a:schemeClr>
+              </a:solidFill>
+            </a:endParaRPr>
+          </a:p>
+        </p:txBody>
+      </p:sp>
+      <p:sp>
+        <p:nvSpPr>
+          <p:cNvPr id="67" name="Oval 66"/>
+          <p:cNvSpPr/>
+          <p:nvPr/>
+        </p:nvSpPr>
+        <p:spPr>
+          <a:xfrm>
+            <a:off x="449262" y="5318125"/>
+            <a:ext cx="2089570" cy="1079500"/>
+          </a:xfrm>
+          <a:prstGeom prst="ellipse">
+            <a:avLst/>
+          </a:prstGeom>
+          <a:solidFill>
+            <a:schemeClr val="accent6">
+              <a:lumMod val="60000"/>
+              <a:lumOff val="40000"/>
+            </a:schemeClr>
+          </a:solidFill>
+          <a:ln>
+            <a:solidFill>
+              <a:schemeClr val="accent6">
+                <a:lumMod val="50000"/>
+              </a:schemeClr>
+            </a:solidFill>
+          </a:ln>
+        </p:spPr>
+        <p:style>
+          <a:lnRef idx="1">
+            <a:schemeClr val="accent1"/>
+          </a:lnRef>
+          <a:fillRef idx="3">
+            <a:schemeClr val="accent1"/>
+          </a:fillRef>
+          <a:effectRef idx="2">
+            <a:schemeClr val="accent1"/>
+          </a:effectRef>
+          <a:fontRef idx="minor">
+            <a:schemeClr val="lt1"/>
+          </a:fontRef>
+        </p:style>
+        <p:txBody>
+          <a:bodyPr rtlCol="0" anchor="ctr"/>
+          <a:lstStyle/>
+          <a:p>
+            <a:pPr algn="ctr"/>
+            <a:r>
+              <a:rPr lang="en-US" dirty="0" smtClean="0">
+                <a:solidFill>
+                  <a:schemeClr val="tx1">
+                    <a:lumMod val="85000"/>
+                    <a:lumOff val="15000"/>
+                  </a:schemeClr>
+                </a:solidFill>
+              </a:rPr>
+              <a:t>Workshops</a:t>
+            </a:r>
+            <a:endParaRPr lang="en-US" dirty="0">
+              <a:solidFill>
+                <a:schemeClr val="tx1">
+                  <a:lumMod val="85000"/>
+                  <a:lumOff val="15000"/>
+                </a:schemeClr>
+              </a:solidFill>
+            </a:endParaRPr>
+          </a:p>
+        </p:txBody>
+      </p:sp>
+      <p:sp>
+        <p:nvSpPr>
+          <p:cNvPr id="68" name="Oval 67"/>
+          <p:cNvSpPr/>
+          <p:nvPr/>
+        </p:nvSpPr>
+        <p:spPr>
+          <a:xfrm>
+            <a:off x="449262" y="1611724"/>
+            <a:ext cx="2089570" cy="1079500"/>
+          </a:xfrm>
+          <a:prstGeom prst="ellipse">
+            <a:avLst/>
+          </a:prstGeom>
+          <a:solidFill>
+            <a:schemeClr val="accent6">
+              <a:lumMod val="60000"/>
+              <a:lumOff val="40000"/>
+            </a:schemeClr>
+          </a:solidFill>
+          <a:ln>
+            <a:solidFill>
+              <a:schemeClr val="accent6">
+                <a:lumMod val="50000"/>
+              </a:schemeClr>
+            </a:solidFill>
+          </a:ln>
+        </p:spPr>
+        <p:style>
+          <a:lnRef idx="1">
+            <a:schemeClr val="accent1"/>
+          </a:lnRef>
+          <a:fillRef idx="3">
+            <a:schemeClr val="accent1"/>
+          </a:fillRef>
+          <a:effectRef idx="2">
+            <a:schemeClr val="accent1"/>
+          </a:effectRef>
+          <a:fontRef idx="minor">
+            <a:schemeClr val="lt1"/>
+          </a:fontRef>
+        </p:style>
+        <p:txBody>
+          <a:bodyPr rtlCol="0" anchor="ctr"/>
+          <a:lstStyle/>
+          <a:p>
+            <a:pPr algn="ctr"/>
+            <a:r>
+              <a:rPr lang="en-US" dirty="0" smtClean="0">
+                <a:solidFill>
+                  <a:schemeClr val="tx1">
+                    <a:lumMod val="85000"/>
+                    <a:lumOff val="15000"/>
+                  </a:schemeClr>
+                </a:solidFill>
+              </a:rPr>
+              <a:t>Short Courses</a:t>
+            </a:r>
+            <a:endParaRPr lang="en-US" dirty="0">
+              <a:solidFill>
+                <a:schemeClr val="tx1">
+                  <a:lumMod val="85000"/>
+                  <a:lumOff val="15000"/>
+                </a:schemeClr>
+              </a:solidFill>
+            </a:endParaRPr>
+          </a:p>
+        </p:txBody>
+      </p:sp>
+    </p:spTree>
+    <p:extLst>
+      <p:ext uri="{BB962C8B-B14F-4D97-AF65-F5344CB8AC3E}">
+        <p14:creationId xmlns:p14="http://schemas.microsoft.com/office/powerpoint/2010/main" val="2722885221"/>
+      </p:ext>
+    </p:extLst>
+  </p:cSld>
+  <p:clrMapOvr>
+    <a:masterClrMapping/>
+  </p:clrMapOvr>
+  <p:timing>
+    <p:tnLst>
+      <p:par>
+        <p:cTn xmlns:p14="http://schemas.microsoft.com/office/powerpoint/2010/main" id="1" dur="indefinite" restart="never" nodeType="tmRoot"/>
+      </p:par>
+    </p:tnLst>
+  </p:timing>
+</p:sld>
+</file>
+
+<file path=ppt/slides/slide3.xml><?xml version="1.0" encoding="utf-8"?>
+<p:sld xmlns:a="http://schemas.openxmlformats.org/drawingml/2006/main" xmlns:r="http://schemas.openxmlformats.org/officeDocument/2006/relationships" xmlns:p="http://schemas.openxmlformats.org/presentationml/2006/main">
+  <p:cSld>
+    <p:spTree>
+      <p:nvGrpSpPr>
+        <p:cNvPr id="1" name=""/>
+        <p:cNvGrpSpPr/>
+        <p:nvPr/>
+      </p:nvGrpSpPr>
+      <p:grpSpPr>
+        <a:xfrm>
+          <a:off x="0" y="0"/>
+          <a:ext cx="0" cy="0"/>
+          <a:chOff x="0" y="0"/>
+          <a:chExt cx="0" cy="0"/>
+        </a:xfrm>
+      </p:grpSpPr>
+      <p:sp>
+        <p:nvSpPr>
+          <p:cNvPr id="19" name="Rounded Rectangle 18"/>
+          <p:cNvSpPr/>
+          <p:nvPr/>
+        </p:nvSpPr>
+        <p:spPr>
+          <a:xfrm>
+            <a:off x="6167438" y="1462499"/>
+            <a:ext cx="2651125" cy="5166901"/>
+          </a:xfrm>
+          <a:prstGeom prst="roundRect">
+            <a:avLst>
+              <a:gd name="adj" fmla="val 4048"/>
+            </a:avLst>
+          </a:prstGeom>
+          <a:solidFill>
+            <a:schemeClr val="accent5">
+              <a:lumMod val="20000"/>
+              <a:lumOff val="80000"/>
+            </a:schemeClr>
+          </a:solidFill>
+          <a:ln>
+            <a:solidFill>
+              <a:schemeClr val="accent5">
+                <a:lumMod val="50000"/>
+              </a:schemeClr>
+            </a:solidFill>
+          </a:ln>
+        </p:spPr>
+        <p:style>
+          <a:lnRef idx="1">
+            <a:schemeClr val="accent1"/>
+          </a:lnRef>
+          <a:fillRef idx="3">
+            <a:schemeClr val="accent1"/>
+          </a:fillRef>
+          <a:effectRef idx="2">
+            <a:schemeClr val="accent1"/>
+          </a:effectRef>
+          <a:fontRef idx="minor">
+            <a:schemeClr val="lt1"/>
+          </a:fontRef>
+        </p:style>
+        <p:txBody>
+          <a:bodyPr rtlCol="0" anchor="t"/>
+          <a:lstStyle/>
+          <a:p>
+            <a:pPr algn="ctr"/>
+            <a:r>
+              <a:rPr lang="en-US" sz="2600" b="1" dirty="0" smtClean="0">
+                <a:solidFill>
+                  <a:schemeClr val="tx1">
+                    <a:lumMod val="85000"/>
+                    <a:lumOff val="15000"/>
+                  </a:schemeClr>
+                </a:solidFill>
+              </a:rPr>
+              <a:t>Non-Curricula</a:t>
+            </a:r>
+            <a:endParaRPr lang="en-US" sz="2600" b="1" dirty="0">
+              <a:solidFill>
+                <a:schemeClr val="tx1">
+                  <a:lumMod val="85000"/>
+                  <a:lumOff val="15000"/>
+                </a:schemeClr>
+              </a:solidFill>
+            </a:endParaRPr>
+          </a:p>
+        </p:txBody>
+      </p:sp>
+      <p:sp>
+        <p:nvSpPr>
+          <p:cNvPr id="65" name="Oval 64"/>
+          <p:cNvSpPr/>
+          <p:nvPr/>
+        </p:nvSpPr>
+        <p:spPr>
+          <a:xfrm>
+            <a:off x="6481762" y="3299216"/>
+            <a:ext cx="2089570" cy="929099"/>
+          </a:xfrm>
+          <a:prstGeom prst="ellipse">
+            <a:avLst/>
+          </a:prstGeom>
+          <a:solidFill>
+            <a:schemeClr val="accent6">
+              <a:lumMod val="60000"/>
+              <a:lumOff val="40000"/>
+            </a:schemeClr>
+          </a:solidFill>
+          <a:ln>
+            <a:solidFill>
+              <a:schemeClr val="accent6">
+                <a:lumMod val="50000"/>
+              </a:schemeClr>
+            </a:solidFill>
+          </a:ln>
+        </p:spPr>
+        <p:style>
+          <a:lnRef idx="1">
+            <a:schemeClr val="accent1"/>
+          </a:lnRef>
+          <a:fillRef idx="3">
+            <a:schemeClr val="accent1"/>
+          </a:fillRef>
+          <a:effectRef idx="2">
+            <a:schemeClr val="accent1"/>
+          </a:effectRef>
+          <a:fontRef idx="minor">
+            <a:schemeClr val="lt1"/>
+          </a:fontRef>
+        </p:style>
+        <p:txBody>
+          <a:bodyPr rtlCol="0" anchor="ctr"/>
+          <a:lstStyle/>
+          <a:p>
+            <a:pPr algn="ctr"/>
+            <a:r>
+              <a:rPr lang="en-US" dirty="0" smtClean="0">
+                <a:solidFill>
+                  <a:schemeClr val="tx1">
+                    <a:lumMod val="85000"/>
+                    <a:lumOff val="15000"/>
+                  </a:schemeClr>
+                </a:solidFill>
+              </a:rPr>
+              <a:t>Online Courses</a:t>
+            </a:r>
+            <a:endParaRPr lang="en-US" dirty="0">
+              <a:solidFill>
+                <a:schemeClr val="tx1">
+                  <a:lumMod val="85000"/>
+                  <a:lumOff val="15000"/>
+                </a:schemeClr>
+              </a:solidFill>
+            </a:endParaRPr>
+          </a:p>
+        </p:txBody>
+      </p:sp>
+      <p:sp>
+        <p:nvSpPr>
+          <p:cNvPr id="66" name="Oval 65"/>
+          <p:cNvSpPr/>
+          <p:nvPr/>
+        </p:nvSpPr>
+        <p:spPr>
+          <a:xfrm>
+            <a:off x="6482930" y="4423558"/>
+            <a:ext cx="2089570" cy="929099"/>
+          </a:xfrm>
+          <a:prstGeom prst="ellipse">
+            <a:avLst/>
+          </a:prstGeom>
+          <a:solidFill>
+            <a:schemeClr val="accent6">
+              <a:lumMod val="60000"/>
+              <a:lumOff val="40000"/>
+            </a:schemeClr>
+          </a:solidFill>
+          <a:ln>
+            <a:solidFill>
+              <a:schemeClr val="accent6">
+                <a:lumMod val="50000"/>
+              </a:schemeClr>
+            </a:solidFill>
+          </a:ln>
+        </p:spPr>
+        <p:style>
+          <a:lnRef idx="1">
+            <a:schemeClr val="accent1"/>
+          </a:lnRef>
+          <a:fillRef idx="3">
+            <a:schemeClr val="accent1"/>
+          </a:fillRef>
+          <a:effectRef idx="2">
+            <a:schemeClr val="accent1"/>
+          </a:effectRef>
+          <a:fontRef idx="minor">
+            <a:schemeClr val="lt1"/>
+          </a:fontRef>
+        </p:style>
+        <p:txBody>
+          <a:bodyPr rtlCol="0" anchor="ctr"/>
+          <a:lstStyle/>
+          <a:p>
+            <a:pPr algn="ctr"/>
+            <a:r>
+              <a:rPr lang="en-US" dirty="0" smtClean="0">
+                <a:solidFill>
+                  <a:schemeClr val="tx1">
+                    <a:lumMod val="85000"/>
+                    <a:lumOff val="15000"/>
+                  </a:schemeClr>
+                </a:solidFill>
+              </a:rPr>
+              <a:t>Online Collaborative Activities</a:t>
+            </a:r>
+            <a:endParaRPr lang="en-US" dirty="0">
+              <a:solidFill>
+                <a:schemeClr val="tx1">
+                  <a:lumMod val="85000"/>
+                  <a:lumOff val="15000"/>
+                </a:schemeClr>
+              </a:solidFill>
+            </a:endParaRPr>
+          </a:p>
+        </p:txBody>
+      </p:sp>
+      <p:sp>
+        <p:nvSpPr>
+          <p:cNvPr id="67" name="Oval 66"/>
+          <p:cNvSpPr/>
+          <p:nvPr/>
+        </p:nvSpPr>
+        <p:spPr>
+          <a:xfrm>
+            <a:off x="6481762" y="5547900"/>
+            <a:ext cx="2089570" cy="929099"/>
+          </a:xfrm>
+          <a:prstGeom prst="ellipse">
+            <a:avLst/>
+          </a:prstGeom>
+          <a:solidFill>
+            <a:schemeClr val="accent6">
+              <a:lumMod val="60000"/>
+              <a:lumOff val="40000"/>
+            </a:schemeClr>
+          </a:solidFill>
+          <a:ln>
+            <a:solidFill>
+              <a:schemeClr val="accent6">
+                <a:lumMod val="50000"/>
+              </a:schemeClr>
+            </a:solidFill>
+          </a:ln>
+        </p:spPr>
+        <p:style>
+          <a:lnRef idx="1">
+            <a:schemeClr val="accent1"/>
+          </a:lnRef>
+          <a:fillRef idx="3">
+            <a:schemeClr val="accent1"/>
+          </a:fillRef>
+          <a:effectRef idx="2">
+            <a:schemeClr val="accent1"/>
+          </a:effectRef>
+          <a:fontRef idx="minor">
+            <a:schemeClr val="lt1"/>
+          </a:fontRef>
+        </p:style>
+        <p:txBody>
+          <a:bodyPr rtlCol="0" anchor="ctr"/>
+          <a:lstStyle/>
+          <a:p>
+            <a:pPr algn="ctr"/>
+            <a:r>
+              <a:rPr lang="en-US" dirty="0" smtClean="0">
+                <a:solidFill>
+                  <a:schemeClr val="tx1">
+                    <a:lumMod val="85000"/>
+                    <a:lumOff val="15000"/>
+                  </a:schemeClr>
+                </a:solidFill>
+              </a:rPr>
+              <a:t>Workshops</a:t>
+            </a:r>
+            <a:endParaRPr lang="en-US" dirty="0">
+              <a:solidFill>
+                <a:schemeClr val="tx1">
+                  <a:lumMod val="85000"/>
+                  <a:lumOff val="15000"/>
+                </a:schemeClr>
+              </a:solidFill>
+            </a:endParaRPr>
+          </a:p>
+        </p:txBody>
+      </p:sp>
+      <p:sp>
+        <p:nvSpPr>
+          <p:cNvPr id="68" name="Oval 67"/>
+          <p:cNvSpPr/>
+          <p:nvPr/>
+        </p:nvSpPr>
+        <p:spPr>
+          <a:xfrm>
+            <a:off x="6481762" y="2174874"/>
+            <a:ext cx="2089570" cy="929099"/>
+          </a:xfrm>
+          <a:prstGeom prst="ellipse">
+            <a:avLst/>
+          </a:prstGeom>
+          <a:solidFill>
+            <a:schemeClr val="accent6">
+              <a:lumMod val="60000"/>
+              <a:lumOff val="40000"/>
+            </a:schemeClr>
+          </a:solidFill>
+          <a:ln>
+            <a:solidFill>
+              <a:schemeClr val="accent6">
+                <a:lumMod val="50000"/>
+              </a:schemeClr>
+            </a:solidFill>
+          </a:ln>
+        </p:spPr>
+        <p:style>
+          <a:lnRef idx="1">
+            <a:schemeClr val="accent1"/>
+          </a:lnRef>
+          <a:fillRef idx="3">
+            <a:schemeClr val="accent1"/>
+          </a:fillRef>
+          <a:effectRef idx="2">
+            <a:schemeClr val="accent1"/>
+          </a:effectRef>
+          <a:fontRef idx="minor">
+            <a:schemeClr val="lt1"/>
+          </a:fontRef>
+        </p:style>
+        <p:txBody>
+          <a:bodyPr rtlCol="0" anchor="ctr"/>
+          <a:lstStyle/>
+          <a:p>
+            <a:pPr algn="ctr"/>
+            <a:r>
+              <a:rPr lang="en-US" dirty="0" smtClean="0">
+                <a:solidFill>
+                  <a:schemeClr val="tx1">
+                    <a:lumMod val="85000"/>
+                    <a:lumOff val="15000"/>
+                  </a:schemeClr>
+                </a:solidFill>
+              </a:rPr>
+              <a:t>Short Courses</a:t>
+            </a:r>
+            <a:endParaRPr lang="en-US" dirty="0">
+              <a:solidFill>
+                <a:schemeClr val="tx1">
+                  <a:lumMod val="85000"/>
+                  <a:lumOff val="15000"/>
+                </a:schemeClr>
+              </a:solidFill>
+            </a:endParaRPr>
+          </a:p>
+        </p:txBody>
+      </p:sp>
+      <p:sp>
+        <p:nvSpPr>
+          <p:cNvPr id="2" name="Title 1"/>
+          <p:cNvSpPr>
+            <a:spLocks noGrp="1"/>
+          </p:cNvSpPr>
+          <p:nvPr>
+            <p:ph type="ctrTitle"/>
+          </p:nvPr>
+        </p:nvSpPr>
+        <p:spPr>
+          <a:xfrm>
+            <a:off x="542715" y="-48801"/>
+            <a:ext cx="7772400" cy="1470025"/>
+          </a:xfrm>
+        </p:spPr>
+        <p:txBody>
+          <a:bodyPr>
+            <a:normAutofit/>
+          </a:bodyPr>
+          <a:lstStyle/>
+          <a:p>
+            <a:r>
+              <a:rPr lang="en-US" sz="2800" dirty="0" smtClean="0"/>
+              <a:t>The space of data-intensive education for environmental science</a:t>
+            </a:r>
+            <a:endParaRPr lang="en-US" sz="2800" dirty="0"/>
+          </a:p>
+        </p:txBody>
+      </p:sp>
+      <p:sp>
+        <p:nvSpPr>
+          <p:cNvPr id="3" name="Rounded Rectangle 2"/>
+          <p:cNvSpPr/>
+          <p:nvPr/>
+        </p:nvSpPr>
+        <p:spPr>
+          <a:xfrm>
+            <a:off x="363538" y="1421224"/>
+            <a:ext cx="2651125" cy="5166901"/>
+          </a:xfrm>
+          <a:prstGeom prst="roundRect">
+            <a:avLst>
+              <a:gd name="adj" fmla="val 4048"/>
+            </a:avLst>
+          </a:prstGeom>
+          <a:solidFill>
+            <a:schemeClr val="accent5">
+              <a:lumMod val="20000"/>
+              <a:lumOff val="80000"/>
+            </a:schemeClr>
+          </a:solidFill>
+          <a:ln>
+            <a:solidFill>
+              <a:schemeClr val="accent5">
+                <a:lumMod val="50000"/>
+              </a:schemeClr>
+            </a:solidFill>
+          </a:ln>
+        </p:spPr>
+        <p:style>
+          <a:lnRef idx="1">
+            <a:schemeClr val="accent1"/>
+          </a:lnRef>
+          <a:fillRef idx="3">
+            <a:schemeClr val="accent1"/>
+          </a:fillRef>
+          <a:effectRef idx="2">
+            <a:schemeClr val="accent1"/>
+          </a:effectRef>
+          <a:fontRef idx="minor">
+            <a:schemeClr val="lt1"/>
+          </a:fontRef>
+        </p:style>
+        <p:txBody>
+          <a:bodyPr rtlCol="0" anchor="t"/>
+          <a:lstStyle/>
+          <a:p>
+            <a:pPr algn="ctr"/>
+            <a:r>
+              <a:rPr lang="en-US" sz="2600" b="1" dirty="0" smtClean="0">
+                <a:solidFill>
+                  <a:schemeClr val="tx1">
+                    <a:lumMod val="85000"/>
+                    <a:lumOff val="15000"/>
+                  </a:schemeClr>
+                </a:solidFill>
+              </a:rPr>
+              <a:t>Curricula</a:t>
+            </a:r>
+            <a:endParaRPr lang="en-US" sz="2600" b="1" dirty="0">
+              <a:solidFill>
+                <a:schemeClr val="tx1">
+                  <a:lumMod val="85000"/>
+                  <a:lumOff val="15000"/>
+                </a:schemeClr>
+              </a:solidFill>
+            </a:endParaRPr>
+          </a:p>
+        </p:txBody>
+      </p:sp>
+      <p:sp>
+        <p:nvSpPr>
+          <p:cNvPr id="42" name="Rounded Rectangle 41"/>
+          <p:cNvSpPr/>
+          <p:nvPr/>
+        </p:nvSpPr>
+        <p:spPr>
+          <a:xfrm>
+            <a:off x="431800" y="2020299"/>
+            <a:ext cx="2514600" cy="944151"/>
+          </a:xfrm>
+          <a:prstGeom prst="roundRect">
+            <a:avLst>
+              <a:gd name="adj" fmla="val 9921"/>
+            </a:avLst>
+          </a:prstGeom>
+          <a:solidFill>
+            <a:schemeClr val="accent4">
+              <a:lumMod val="20000"/>
+              <a:lumOff val="80000"/>
+              <a:alpha val="96000"/>
+            </a:schemeClr>
+          </a:solidFill>
+          <a:ln>
+            <a:solidFill>
+              <a:schemeClr val="accent4">
+                <a:lumMod val="75000"/>
+              </a:schemeClr>
+            </a:solidFill>
+          </a:ln>
+        </p:spPr>
+        <p:style>
+          <a:lnRef idx="1">
+            <a:schemeClr val="accent1"/>
+          </a:lnRef>
+          <a:fillRef idx="3">
+            <a:schemeClr val="accent1"/>
+          </a:fillRef>
+          <a:effectRef idx="2">
+            <a:schemeClr val="accent1"/>
+          </a:effectRef>
+          <a:fontRef idx="minor">
+            <a:schemeClr val="lt1"/>
+          </a:fontRef>
+        </p:style>
+        <p:txBody>
+          <a:bodyPr rtlCol="0" anchor="ctr"/>
+          <a:lstStyle/>
+          <a:p>
+            <a:pPr algn="ctr"/>
+            <a:r>
+              <a:rPr lang="en-US" dirty="0" smtClean="0">
+                <a:solidFill>
+                  <a:schemeClr val="tx1">
+                    <a:lumMod val="85000"/>
+                    <a:lumOff val="15000"/>
+                  </a:schemeClr>
+                </a:solidFill>
+              </a:rPr>
+              <a:t>Quantitative</a:t>
+            </a:r>
+            <a:br>
+              <a:rPr lang="en-US" dirty="0" smtClean="0">
+                <a:solidFill>
+                  <a:schemeClr val="tx1">
+                    <a:lumMod val="85000"/>
+                    <a:lumOff val="15000"/>
+                  </a:schemeClr>
+                </a:solidFill>
+              </a:rPr>
+            </a:br>
+            <a:r>
+              <a:rPr lang="en-US" dirty="0" smtClean="0">
+                <a:solidFill>
+                  <a:schemeClr val="tx1">
+                    <a:lumMod val="85000"/>
+                    <a:lumOff val="15000"/>
+                  </a:schemeClr>
+                </a:solidFill>
+              </a:rPr>
+              <a:t>Courses</a:t>
+            </a:r>
+            <a:endParaRPr lang="en-US" dirty="0">
+              <a:solidFill>
+                <a:schemeClr val="tx1">
+                  <a:lumMod val="85000"/>
+                  <a:lumOff val="15000"/>
+                </a:schemeClr>
+              </a:solidFill>
+            </a:endParaRPr>
+          </a:p>
+        </p:txBody>
+      </p:sp>
+      <p:sp>
+        <p:nvSpPr>
+          <p:cNvPr id="48" name="Rounded Rectangle 47"/>
+          <p:cNvSpPr/>
+          <p:nvPr/>
+        </p:nvSpPr>
+        <p:spPr>
+          <a:xfrm>
+            <a:off x="431800" y="5554074"/>
+            <a:ext cx="2514600" cy="944151"/>
+          </a:xfrm>
+          <a:prstGeom prst="roundRect">
+            <a:avLst>
+              <a:gd name="adj" fmla="val 9921"/>
+            </a:avLst>
+          </a:prstGeom>
+          <a:solidFill>
+            <a:schemeClr val="accent4">
+              <a:lumMod val="20000"/>
+              <a:lumOff val="80000"/>
+              <a:alpha val="96000"/>
+            </a:schemeClr>
+          </a:solidFill>
+          <a:ln>
+            <a:solidFill>
+              <a:schemeClr val="accent4">
+                <a:lumMod val="75000"/>
+              </a:schemeClr>
+            </a:solidFill>
+          </a:ln>
+        </p:spPr>
+        <p:style>
+          <a:lnRef idx="1">
+            <a:schemeClr val="accent1"/>
+          </a:lnRef>
+          <a:fillRef idx="3">
+            <a:schemeClr val="accent1"/>
+          </a:fillRef>
+          <a:effectRef idx="2">
+            <a:schemeClr val="accent1"/>
+          </a:effectRef>
+          <a:fontRef idx="minor">
+            <a:schemeClr val="lt1"/>
+          </a:fontRef>
+        </p:style>
+        <p:txBody>
+          <a:bodyPr rtlCol="0" anchor="ctr"/>
+          <a:lstStyle/>
+          <a:p>
+            <a:pPr algn="ctr"/>
+            <a:r>
+              <a:rPr lang="en-US" dirty="0" smtClean="0">
+                <a:solidFill>
+                  <a:schemeClr val="tx1">
+                    <a:lumMod val="85000"/>
+                    <a:lumOff val="15000"/>
+                  </a:schemeClr>
+                </a:solidFill>
+              </a:rPr>
+              <a:t>Upper-Level</a:t>
+            </a:r>
+            <a:br>
+              <a:rPr lang="en-US" dirty="0" smtClean="0">
+                <a:solidFill>
+                  <a:schemeClr val="tx1">
+                    <a:lumMod val="85000"/>
+                    <a:lumOff val="15000"/>
+                  </a:schemeClr>
+                </a:solidFill>
+              </a:rPr>
+            </a:br>
+            <a:r>
+              <a:rPr lang="en-US" dirty="0" smtClean="0">
+                <a:solidFill>
+                  <a:schemeClr val="tx1">
+                    <a:lumMod val="85000"/>
+                    <a:lumOff val="15000"/>
+                  </a:schemeClr>
+                </a:solidFill>
+              </a:rPr>
+              <a:t>Biology</a:t>
+            </a:r>
+            <a:endParaRPr lang="en-US" dirty="0">
+              <a:solidFill>
+                <a:schemeClr val="tx1">
+                  <a:lumMod val="85000"/>
+                  <a:lumOff val="15000"/>
+                </a:schemeClr>
+              </a:solidFill>
+            </a:endParaRPr>
+          </a:p>
+        </p:txBody>
+      </p:sp>
+      <p:sp>
+        <p:nvSpPr>
+          <p:cNvPr id="49" name="Rounded Rectangle 48"/>
+          <p:cNvSpPr/>
+          <p:nvPr/>
+        </p:nvSpPr>
+        <p:spPr>
+          <a:xfrm>
+            <a:off x="431800" y="3039562"/>
+            <a:ext cx="2514600" cy="2439400"/>
+          </a:xfrm>
+          <a:prstGeom prst="roundRect">
+            <a:avLst>
+              <a:gd name="adj" fmla="val 4064"/>
+            </a:avLst>
+          </a:prstGeom>
+          <a:solidFill>
+            <a:schemeClr val="accent4">
+              <a:lumMod val="20000"/>
+              <a:lumOff val="80000"/>
+              <a:alpha val="96000"/>
+            </a:schemeClr>
+          </a:solidFill>
+          <a:ln>
+            <a:solidFill>
+              <a:schemeClr val="accent4">
+                <a:lumMod val="75000"/>
+              </a:schemeClr>
+            </a:solidFill>
+          </a:ln>
+        </p:spPr>
+        <p:style>
+          <a:lnRef idx="1">
+            <a:schemeClr val="accent1"/>
+          </a:lnRef>
+          <a:fillRef idx="3">
+            <a:schemeClr val="accent1"/>
+          </a:fillRef>
+          <a:effectRef idx="2">
+            <a:schemeClr val="accent1"/>
+          </a:effectRef>
+          <a:fontRef idx="minor">
+            <a:schemeClr val="lt1"/>
+          </a:fontRef>
+        </p:style>
+        <p:txBody>
+          <a:bodyPr rtlCol="0" anchor="t"/>
+          <a:lstStyle/>
+          <a:p>
+            <a:pPr algn="ctr"/>
+            <a:r>
+              <a:rPr lang="en-US" dirty="0" smtClean="0">
+                <a:solidFill>
+                  <a:schemeClr val="tx1">
+                    <a:lumMod val="85000"/>
+                    <a:lumOff val="15000"/>
+                  </a:schemeClr>
+                </a:solidFill>
+              </a:rPr>
+              <a:t>Biology</a:t>
+            </a:r>
+            <a:br>
+              <a:rPr lang="en-US" dirty="0" smtClean="0">
+                <a:solidFill>
+                  <a:schemeClr val="tx1">
+                    <a:lumMod val="85000"/>
+                    <a:lumOff val="15000"/>
+                  </a:schemeClr>
+                </a:solidFill>
+              </a:rPr>
+            </a:br>
+            <a:r>
+              <a:rPr lang="en-US" dirty="0" smtClean="0">
+                <a:solidFill>
+                  <a:schemeClr val="tx1">
+                    <a:lumMod val="85000"/>
+                    <a:lumOff val="15000"/>
+                  </a:schemeClr>
+                </a:solidFill>
+              </a:rPr>
+              <a:t>Core</a:t>
+            </a:r>
+            <a:endParaRPr lang="en-US" dirty="0">
+              <a:solidFill>
+                <a:schemeClr val="tx1">
+                  <a:lumMod val="85000"/>
+                  <a:lumOff val="15000"/>
+                </a:schemeClr>
+              </a:solidFill>
+            </a:endParaRPr>
+          </a:p>
+        </p:txBody>
+      </p:sp>
+      <p:sp>
+        <p:nvSpPr>
+          <p:cNvPr id="50" name="Rounded Rectangle 49"/>
+          <p:cNvSpPr/>
+          <p:nvPr/>
+        </p:nvSpPr>
+        <p:spPr>
+          <a:xfrm>
+            <a:off x="673100" y="3780249"/>
+            <a:ext cx="2089150" cy="633002"/>
+          </a:xfrm>
+          <a:prstGeom prst="roundRect">
+            <a:avLst>
+              <a:gd name="adj" fmla="val 9921"/>
+            </a:avLst>
+          </a:prstGeom>
+          <a:solidFill>
+            <a:schemeClr val="accent2">
+              <a:lumMod val="40000"/>
+              <a:lumOff val="60000"/>
+              <a:alpha val="96000"/>
+            </a:schemeClr>
+          </a:solidFill>
+          <a:ln>
+            <a:solidFill>
+              <a:schemeClr val="accent2">
+                <a:lumMod val="50000"/>
+              </a:schemeClr>
+            </a:solidFill>
+          </a:ln>
+        </p:spPr>
+        <p:style>
+          <a:lnRef idx="1">
+            <a:schemeClr val="accent1"/>
+          </a:lnRef>
+          <a:fillRef idx="3">
+            <a:schemeClr val="accent1"/>
+          </a:fillRef>
+          <a:effectRef idx="2">
+            <a:schemeClr val="accent1"/>
+          </a:effectRef>
+          <a:fontRef idx="minor">
+            <a:schemeClr val="lt1"/>
+          </a:fontRef>
+        </p:style>
+        <p:txBody>
+          <a:bodyPr rtlCol="0" anchor="ctr"/>
+          <a:lstStyle/>
+          <a:p>
+            <a:pPr algn="ctr"/>
+            <a:r>
+              <a:rPr lang="en-US" dirty="0" smtClean="0">
+                <a:solidFill>
+                  <a:schemeClr val="tx1">
+                    <a:lumMod val="85000"/>
+                    <a:lumOff val="15000"/>
+                  </a:schemeClr>
+                </a:solidFill>
+              </a:rPr>
+              <a:t>Labs</a:t>
+            </a:r>
+            <a:endParaRPr lang="en-US" dirty="0">
+              <a:solidFill>
+                <a:schemeClr val="tx1">
+                  <a:lumMod val="85000"/>
+                  <a:lumOff val="15000"/>
+                </a:schemeClr>
+              </a:solidFill>
+            </a:endParaRPr>
+          </a:p>
+        </p:txBody>
+      </p:sp>
+      <p:sp>
+        <p:nvSpPr>
+          <p:cNvPr id="51" name="Rounded Rectangle 50"/>
+          <p:cNvSpPr/>
+          <p:nvPr/>
+        </p:nvSpPr>
+        <p:spPr>
+          <a:xfrm>
+            <a:off x="673100" y="4631149"/>
+            <a:ext cx="2089150" cy="633002"/>
+          </a:xfrm>
+          <a:prstGeom prst="roundRect">
+            <a:avLst>
+              <a:gd name="adj" fmla="val 9921"/>
+            </a:avLst>
+          </a:prstGeom>
+          <a:solidFill>
+            <a:srgbClr val="E6B9B8">
+              <a:alpha val="96000"/>
+            </a:srgbClr>
+          </a:solidFill>
+          <a:ln>
+            <a:solidFill>
+              <a:srgbClr val="632523"/>
+            </a:solidFill>
+          </a:ln>
+        </p:spPr>
+        <p:style>
+          <a:lnRef idx="1">
+            <a:schemeClr val="accent1"/>
+          </a:lnRef>
+          <a:fillRef idx="3">
+            <a:schemeClr val="accent1"/>
+          </a:fillRef>
+          <a:effectRef idx="2">
+            <a:schemeClr val="accent1"/>
+          </a:effectRef>
+          <a:fontRef idx="minor">
+            <a:schemeClr val="lt1"/>
+          </a:fontRef>
+        </p:style>
+        <p:txBody>
+          <a:bodyPr rtlCol="0" anchor="ctr"/>
+          <a:lstStyle/>
+          <a:p>
+            <a:pPr algn="ctr"/>
+            <a:r>
+              <a:rPr lang="en-US" dirty="0" smtClean="0">
+                <a:solidFill>
+                  <a:schemeClr val="tx1">
+                    <a:lumMod val="85000"/>
+                    <a:lumOff val="15000"/>
+                  </a:schemeClr>
+                </a:solidFill>
+              </a:rPr>
+              <a:t>Lecture</a:t>
+            </a:r>
+            <a:endParaRPr lang="en-US" dirty="0">
+              <a:solidFill>
+                <a:schemeClr val="tx1">
+                  <a:lumMod val="85000"/>
+                  <a:lumOff val="15000"/>
+                </a:schemeClr>
+              </a:solidFill>
+            </a:endParaRPr>
+          </a:p>
+        </p:txBody>
+      </p:sp>
+      <p:sp>
+        <p:nvSpPr>
+          <p:cNvPr id="20" name="Diamond 19"/>
+          <p:cNvSpPr/>
+          <p:nvPr/>
+        </p:nvSpPr>
+        <p:spPr>
+          <a:xfrm>
+            <a:off x="3457365" y="3984625"/>
+            <a:ext cx="2222500" cy="1381125"/>
+          </a:xfrm>
+          <a:prstGeom prst="diamond">
+            <a:avLst/>
+          </a:prstGeom>
+          <a:solidFill>
+            <a:schemeClr val="accent3">
+              <a:lumMod val="40000"/>
+              <a:lumOff val="60000"/>
+            </a:schemeClr>
+          </a:solidFill>
+          <a:ln>
+            <a:solidFill>
+              <a:schemeClr val="accent3">
+                <a:lumMod val="50000"/>
+              </a:schemeClr>
+            </a:solidFill>
+          </a:ln>
+        </p:spPr>
+        <p:style>
+          <a:lnRef idx="1">
+            <a:schemeClr val="accent1"/>
+          </a:lnRef>
+          <a:fillRef idx="3">
+            <a:schemeClr val="accent1"/>
+          </a:fillRef>
+          <a:effectRef idx="2">
+            <a:schemeClr val="accent1"/>
+          </a:effectRef>
+          <a:fontRef idx="minor">
+            <a:schemeClr val="lt1"/>
+          </a:fontRef>
+        </p:style>
+        <p:txBody>
+          <a:bodyPr rtlCol="0" anchor="ctr"/>
+          <a:lstStyle/>
+          <a:p>
+            <a:pPr algn="ctr"/>
+            <a:r>
+              <a:rPr lang="en-US" dirty="0" smtClean="0">
+                <a:solidFill>
+                  <a:schemeClr val="tx1">
+                    <a:lumMod val="85000"/>
+                    <a:lumOff val="15000"/>
+                  </a:schemeClr>
+                </a:solidFill>
+              </a:rPr>
+              <a:t>Lessons</a:t>
+            </a:r>
+            <a:endParaRPr lang="en-US" dirty="0">
+              <a:solidFill>
+                <a:schemeClr val="tx1">
+                  <a:lumMod val="85000"/>
+                  <a:lumOff val="15000"/>
+                </a:schemeClr>
+              </a:solidFill>
+            </a:endParaRPr>
+          </a:p>
+        </p:txBody>
+      </p:sp>
+      <p:sp>
+        <p:nvSpPr>
+          <p:cNvPr id="52" name="Diamond 51"/>
+          <p:cNvSpPr/>
+          <p:nvPr/>
+        </p:nvSpPr>
+        <p:spPr>
+          <a:xfrm>
+            <a:off x="3457365" y="2458449"/>
+            <a:ext cx="2222500" cy="1381125"/>
+          </a:xfrm>
+          <a:prstGeom prst="diamond">
+            <a:avLst/>
+          </a:prstGeom>
+          <a:solidFill>
+            <a:schemeClr val="accent3">
+              <a:lumMod val="40000"/>
+              <a:lumOff val="60000"/>
+            </a:schemeClr>
+          </a:solidFill>
+          <a:ln>
+            <a:solidFill>
+              <a:schemeClr val="accent3">
+                <a:lumMod val="50000"/>
+              </a:schemeClr>
+            </a:solidFill>
+          </a:ln>
+        </p:spPr>
+        <p:style>
+          <a:lnRef idx="1">
+            <a:schemeClr val="accent1"/>
+          </a:lnRef>
+          <a:fillRef idx="3">
+            <a:schemeClr val="accent1"/>
+          </a:fillRef>
+          <a:effectRef idx="2">
+            <a:schemeClr val="accent1"/>
+          </a:effectRef>
+          <a:fontRef idx="minor">
+            <a:schemeClr val="lt1"/>
+          </a:fontRef>
+        </p:style>
+        <p:txBody>
+          <a:bodyPr rtlCol="0" anchor="ctr"/>
+          <a:lstStyle/>
+          <a:p>
+            <a:pPr algn="ctr"/>
+            <a:r>
+              <a:rPr lang="en-US" dirty="0" smtClean="0">
+                <a:solidFill>
+                  <a:schemeClr val="tx1">
+                    <a:lumMod val="85000"/>
+                    <a:lumOff val="15000"/>
+                  </a:schemeClr>
+                </a:solidFill>
+              </a:rPr>
+              <a:t>Modules</a:t>
+            </a:r>
+            <a:endParaRPr lang="en-US" dirty="0">
+              <a:solidFill>
+                <a:schemeClr val="tx1">
+                  <a:lumMod val="85000"/>
+                  <a:lumOff val="15000"/>
+                </a:schemeClr>
+              </a:solidFill>
+            </a:endParaRPr>
+          </a:p>
+        </p:txBody>
+      </p:sp>
+      <p:cxnSp>
+        <p:nvCxnSpPr>
+          <p:cNvPr id="54" name="Elbow Connector 53"/>
+          <p:cNvCxnSpPr>
+            <a:stCxn id="20" idx="1"/>
+            <a:endCxn id="49" idx="3"/>
+          </p:cNvCxnSpPr>
+          <p:nvPr/>
+        </p:nvCxnSpPr>
+        <p:spPr>
+          <a:xfrm rot="10800000">
+            <a:off x="2946401" y="4259262"/>
+            <a:ext cx="510965" cy="415926"/>
+          </a:xfrm>
+          <a:prstGeom prst="bentConnector3">
+            <a:avLst/>
+          </a:prstGeom>
+          <a:ln>
+            <a:solidFill>
+              <a:schemeClr val="tx1">
+                <a:lumMod val="85000"/>
+                <a:lumOff val="15000"/>
+              </a:schemeClr>
+            </a:solidFill>
+            <a:tailEnd type="arrow"/>
+          </a:ln>
+        </p:spPr>
+        <p:style>
+          <a:lnRef idx="2">
+            <a:schemeClr val="accent1"/>
+          </a:lnRef>
+          <a:fillRef idx="0">
+            <a:schemeClr val="accent1"/>
+          </a:fillRef>
+          <a:effectRef idx="1">
+            <a:schemeClr val="accent1"/>
+          </a:effectRef>
+          <a:fontRef idx="minor">
+            <a:schemeClr val="tx1"/>
+          </a:fontRef>
+        </p:style>
+      </p:cxnSp>
+      <p:cxnSp>
+        <p:nvCxnSpPr>
+          <p:cNvPr id="57" name="Elbow Connector 56"/>
+          <p:cNvCxnSpPr>
+            <a:stCxn id="20" idx="1"/>
+            <a:endCxn id="48" idx="3"/>
+          </p:cNvCxnSpPr>
+          <p:nvPr/>
+        </p:nvCxnSpPr>
+        <p:spPr>
+          <a:xfrm rot="10800000" flipV="1">
+            <a:off x="2946401" y="4675188"/>
+            <a:ext cx="510965" cy="1350962"/>
+          </a:xfrm>
+          <a:prstGeom prst="bentConnector3">
+            <a:avLst/>
+          </a:prstGeom>
+          <a:ln>
+            <a:solidFill>
+              <a:schemeClr val="tx1">
+                <a:lumMod val="85000"/>
+                <a:lumOff val="15000"/>
+              </a:schemeClr>
+            </a:solidFill>
+            <a:tailEnd type="arrow"/>
+          </a:ln>
+        </p:spPr>
+        <p:style>
+          <a:lnRef idx="2">
+            <a:schemeClr val="accent1"/>
+          </a:lnRef>
+          <a:fillRef idx="0">
+            <a:schemeClr val="accent1"/>
+          </a:fillRef>
+          <a:effectRef idx="1">
+            <a:schemeClr val="accent1"/>
+          </a:effectRef>
+          <a:fontRef idx="minor">
+            <a:schemeClr val="tx1"/>
+          </a:fontRef>
+        </p:style>
+      </p:cxnSp>
+      <p:cxnSp>
+        <p:nvCxnSpPr>
+          <p:cNvPr id="59" name="Elbow Connector 58"/>
+          <p:cNvCxnSpPr>
+            <a:stCxn id="52" idx="1"/>
+            <a:endCxn id="42" idx="3"/>
+          </p:cNvCxnSpPr>
+          <p:nvPr/>
+        </p:nvCxnSpPr>
+        <p:spPr>
+          <a:xfrm rot="10800000">
+            <a:off x="2946401" y="2492376"/>
+            <a:ext cx="510965" cy="656637"/>
+          </a:xfrm>
+          <a:prstGeom prst="bentConnector3">
+            <a:avLst/>
+          </a:prstGeom>
+          <a:ln>
+            <a:solidFill>
+              <a:schemeClr val="tx1">
+                <a:lumMod val="85000"/>
+                <a:lumOff val="15000"/>
+              </a:schemeClr>
+            </a:solidFill>
+            <a:tailEnd type="arrow"/>
+          </a:ln>
+        </p:spPr>
+        <p:style>
+          <a:lnRef idx="2">
+            <a:schemeClr val="accent1"/>
+          </a:lnRef>
+          <a:fillRef idx="0">
+            <a:schemeClr val="accent1"/>
+          </a:fillRef>
+          <a:effectRef idx="1">
+            <a:schemeClr val="accent1"/>
+          </a:effectRef>
+          <a:fontRef idx="minor">
+            <a:schemeClr val="tx1"/>
+          </a:fontRef>
+        </p:style>
+      </p:cxnSp>
+      <p:cxnSp>
+        <p:nvCxnSpPr>
+          <p:cNvPr id="62" name="Elbow Connector 61"/>
+          <p:cNvCxnSpPr>
+            <a:stCxn id="52" idx="1"/>
+            <a:endCxn id="49" idx="3"/>
+          </p:cNvCxnSpPr>
+          <p:nvPr/>
+        </p:nvCxnSpPr>
+        <p:spPr>
+          <a:xfrm rot="10800000" flipV="1">
+            <a:off x="2946401" y="3149012"/>
+            <a:ext cx="510965" cy="1110250"/>
+          </a:xfrm>
+          <a:prstGeom prst="bentConnector3">
+            <a:avLst>
+              <a:gd name="adj1" fmla="val 50000"/>
+            </a:avLst>
+          </a:prstGeom>
+          <a:ln>
+            <a:solidFill>
+              <a:schemeClr val="tx1">
+                <a:lumMod val="85000"/>
+                <a:lumOff val="15000"/>
+              </a:schemeClr>
+            </a:solidFill>
+            <a:tailEnd type="arrow"/>
+          </a:ln>
+        </p:spPr>
+        <p:style>
+          <a:lnRef idx="2">
+            <a:schemeClr val="accent1"/>
+          </a:lnRef>
+          <a:fillRef idx="0">
+            <a:schemeClr val="accent1"/>
+          </a:fillRef>
+          <a:effectRef idx="1">
+            <a:schemeClr val="accent1"/>
+          </a:effectRef>
+          <a:fontRef idx="minor">
+            <a:schemeClr val="tx1"/>
+          </a:fontRef>
+        </p:style>
+      </p:cxnSp>
+      <p:cxnSp>
+        <p:nvCxnSpPr>
+          <p:cNvPr id="21" name="Elbow Connector 20"/>
+          <p:cNvCxnSpPr>
+            <a:stCxn id="20" idx="3"/>
+            <a:endCxn id="19" idx="1"/>
+          </p:cNvCxnSpPr>
+          <p:nvPr/>
+        </p:nvCxnSpPr>
+        <p:spPr>
+          <a:xfrm flipV="1">
+            <a:off x="5679865" y="4045950"/>
+            <a:ext cx="487573" cy="629238"/>
+          </a:xfrm>
+          <a:prstGeom prst="bentConnector3">
+            <a:avLst>
+              <a:gd name="adj1" fmla="val 50000"/>
+            </a:avLst>
+          </a:prstGeom>
+          <a:ln>
+            <a:solidFill>
+              <a:schemeClr val="tx1">
+                <a:lumMod val="85000"/>
+                <a:lumOff val="15000"/>
+              </a:schemeClr>
+            </a:solidFill>
+            <a:tailEnd type="arrow"/>
+          </a:ln>
+        </p:spPr>
+        <p:style>
+          <a:lnRef idx="2">
+            <a:schemeClr val="accent1"/>
+          </a:lnRef>
+          <a:fillRef idx="0">
+            <a:schemeClr val="accent1"/>
+          </a:fillRef>
+          <a:effectRef idx="1">
+            <a:schemeClr val="accent1"/>
+          </a:effectRef>
+          <a:fontRef idx="minor">
+            <a:schemeClr val="tx1"/>
+          </a:fontRef>
+        </p:style>
+      </p:cxnSp>
+      <p:cxnSp>
+        <p:nvCxnSpPr>
+          <p:cNvPr id="23" name="Elbow Connector 22"/>
+          <p:cNvCxnSpPr>
+            <a:stCxn id="52" idx="3"/>
+            <a:endCxn id="19" idx="1"/>
+          </p:cNvCxnSpPr>
+          <p:nvPr/>
+        </p:nvCxnSpPr>
+        <p:spPr>
+          <a:xfrm>
+            <a:off x="5679865" y="3149012"/>
+            <a:ext cx="487573" cy="896938"/>
+          </a:xfrm>
+          <a:prstGeom prst="bentConnector3">
+            <a:avLst>
+              <a:gd name="adj1" fmla="val 50000"/>
+            </a:avLst>
+          </a:prstGeom>
+          <a:ln>
+            <a:solidFill>
+              <a:schemeClr val="tx1">
+                <a:lumMod val="85000"/>
+                <a:lumOff val="15000"/>
+              </a:schemeClr>
+            </a:solidFill>
+            <a:tailEnd type="arrow"/>
+          </a:ln>
+        </p:spPr>
+        <p:style>
+          <a:lnRef idx="2">
+            <a:schemeClr val="accent1"/>
+          </a:lnRef>
+          <a:fillRef idx="0">
+            <a:schemeClr val="accent1"/>
+          </a:fillRef>
+          <a:effectRef idx="1">
+            <a:schemeClr val="accent1"/>
+          </a:effectRef>
+          <a:fontRef idx="minor">
+            <a:schemeClr val="tx1"/>
+          </a:fontRef>
+        </p:style>
+      </p:cxnSp>
+    </p:spTree>
+    <p:extLst>
+      <p:ext uri="{BB962C8B-B14F-4D97-AF65-F5344CB8AC3E}">
+        <p14:creationId xmlns:p14="http://schemas.microsoft.com/office/powerpoint/2010/main" val="3244953779"/>
+      </p:ext>
+    </p:extLst>
+  </p:cSld>
+  <p:clrMapOvr>
+    <a:masterClrMapping/>
+  </p:clrMapOvr>
+  <p:timing>
+    <p:tnLst>
+      <p:par>
+        <p:cTn xmlns:p14="http://schemas.microsoft.com/office/powerpoint/2010/main" id="1" dur="indefinite" restart="never" nodeType="tmRoot"/>
+      </p:par>
+    </p:tnLst>
+  </p:timing>
 </p:sld>
 </file>
 
@@ -4516,4 +7525,324 @@
   </a:objectDefaults>
   <a:extraClrSchemeLst/>
 </a:theme>
+</file>
+
+<file path=ppt/theme/theme2.xml><?xml version="1.0" encoding="utf-8"?>
+<a:theme xmlns:a="http://schemas.openxmlformats.org/drawingml/2006/main" name="Office Theme">
+  <a:themeElements>
+    <a:clrScheme name="Office">
+      <a:dk1>
+        <a:sysClr val="windowText" lastClr="000000"/>
+      </a:dk1>
+      <a:lt1>
+        <a:sysClr val="window" lastClr="FFFFFF"/>
+      </a:lt1>
+      <a:dk2>
+        <a:srgbClr val="1F497D"/>
+      </a:dk2>
+      <a:lt2>
+        <a:srgbClr val="EEECE1"/>
+      </a:lt2>
+      <a:accent1>
+        <a:srgbClr val="4F81BD"/>
+      </a:accent1>
+      <a:accent2>
+        <a:srgbClr val="C0504D"/>
+      </a:accent2>
+      <a:accent3>
+        <a:srgbClr val="9BBB59"/>
+      </a:accent3>
+      <a:accent4>
+        <a:srgbClr val="8064A2"/>
+      </a:accent4>
+      <a:accent5>
+        <a:srgbClr val="4BACC6"/>
+      </a:accent5>
+      <a:accent6>
+        <a:srgbClr val="F79646"/>
+      </a:accent6>
+      <a:hlink>
+        <a:srgbClr val="0000FF"/>
+      </a:hlink>
+      <a:folHlink>
+        <a:srgbClr val="800080"/>
+      </a:folHlink>
+    </a:clrScheme>
+    <a:fontScheme name="Office">
+      <a:majorFont>
+        <a:latin typeface="Calibri"/>
+        <a:ea typeface=""/>
+        <a:cs typeface=""/>
+        <a:font script="Jpan" typeface="ＭＳ Ｐゴシック"/>
+        <a:font script="Hang" typeface="맑은 고딕"/>
+        <a:font script="Hans" typeface="宋体"/>
+        <a:font script="Hant" typeface="新細明體"/>
+        <a:font script="Arab" typeface="Times New Roman"/>
+        <a:font script="Hebr" typeface="Times New Roman"/>
+        <a:font script="Thai" typeface="Angsana New"/>
+        <a:font script="Ethi" typeface="Nyala"/>
+        <a:font script="Beng" typeface="Vrinda"/>
+        <a:font script="Gujr" typeface="Shruti"/>
+        <a:font script="Khmr" typeface="MoolBoran"/>
+        <a:font script="Knda" typeface="Tunga"/>
+        <a:font script="Guru" typeface="Raavi"/>
+        <a:font script="Cans" typeface="Euphemia"/>
+        <a:font script="Cher" typeface="Plantagenet Cherokee"/>
+        <a:font script="Yiii" typeface="Microsoft Yi Baiti"/>
+        <a:font script="Tibt" typeface="Microsoft Himalaya"/>
+        <a:font script="Thaa" typeface="MV Boli"/>
+        <a:font script="Deva" typeface="Mangal"/>
+        <a:font script="Telu" typeface="Gautami"/>
+        <a:font script="Taml" typeface="Latha"/>
+        <a:font script="Syrc" typeface="Estrangelo Edessa"/>
+        <a:font script="Orya" typeface="Kalinga"/>
+        <a:font script="Mlym" typeface="Kartika"/>
+        <a:font script="Laoo" typeface="DokChampa"/>
+        <a:font script="Sinh" typeface="Iskoola Pota"/>
+        <a:font script="Mong" typeface="Mongolian Baiti"/>
+        <a:font script="Viet" typeface="Times New Roman"/>
+        <a:font script="Uigh" typeface="Microsoft Uighur"/>
+        <a:font script="Geor" typeface="Sylfaen"/>
+      </a:majorFont>
+      <a:minorFont>
+        <a:latin typeface="Calibri"/>
+        <a:ea typeface=""/>
+        <a:cs typeface=""/>
+        <a:font script="Jpan" typeface="ＭＳ Ｐゴシック"/>
+        <a:font script="Hang" typeface="맑은 고딕"/>
+        <a:font script="Hans" typeface="宋体"/>
+        <a:font script="Hant" typeface="新細明體"/>
+        <a:font script="Arab" typeface="Arial"/>
+        <a:font script="Hebr" typeface="Arial"/>
+        <a:font script="Thai" typeface="Cordia New"/>
+        <a:font script="Ethi" typeface="Nyala"/>
+        <a:font script="Beng" typeface="Vrinda"/>
+        <a:font script="Gujr" typeface="Shruti"/>
+        <a:font script="Khmr" typeface="DaunPenh"/>
+        <a:font script="Knda" typeface="Tunga"/>
+        <a:font script="Guru" typeface="Raavi"/>
+        <a:font script="Cans" typeface="Euphemia"/>
+        <a:font script="Cher" typeface="Plantagenet Cherokee"/>
+        <a:font script="Yiii" typeface="Microsoft Yi Baiti"/>
+        <a:font script="Tibt" typeface="Microsoft Himalaya"/>
+        <a:font script="Thaa" typeface="MV Boli"/>
+        <a:font script="Deva" typeface="Mangal"/>
+        <a:font script="Telu" typeface="Gautami"/>
+        <a:font script="Taml" typeface="Latha"/>
+        <a:font script="Syrc" typeface="Estrangelo Edessa"/>
+        <a:font script="Orya" typeface="Kalinga"/>
+        <a:font script="Mlym" typeface="Kartika"/>
+        <a:font script="Laoo" typeface="DokChampa"/>
+        <a:font script="Sinh" typeface="Iskoola Pota"/>
+        <a:font script="Mong" typeface="Mongolian Baiti"/>
+        <a:font script="Viet" typeface="Arial"/>
+        <a:font script="Uigh" typeface="Microsoft Uighur"/>
+        <a:font script="Geor" typeface="Sylfaen"/>
+      </a:minorFont>
+    </a:fontScheme>
+    <a:fmtScheme name="Office">
+      <a:fillStyleLst>
+        <a:solidFill>
+          <a:schemeClr val="phClr"/>
+        </a:solidFill>
+        <a:gradFill rotWithShape="1">
+          <a:gsLst>
+            <a:gs pos="0">
+              <a:schemeClr val="phClr">
+                <a:tint val="50000"/>
+                <a:satMod val="300000"/>
+              </a:schemeClr>
+            </a:gs>
+            <a:gs pos="35000">
+              <a:schemeClr val="phClr">
+                <a:tint val="37000"/>
+                <a:satMod val="300000"/>
+              </a:schemeClr>
+            </a:gs>
+            <a:gs pos="100000">
+              <a:schemeClr val="phClr">
+                <a:tint val="15000"/>
+                <a:satMod val="350000"/>
+              </a:schemeClr>
+            </a:gs>
+          </a:gsLst>
+          <a:lin ang="16200000" scaled="1"/>
+        </a:gradFill>
+        <a:gradFill rotWithShape="1">
+          <a:gsLst>
+            <a:gs pos="0">
+              <a:schemeClr val="phClr">
+                <a:tint val="100000"/>
+                <a:shade val="100000"/>
+                <a:satMod val="130000"/>
+              </a:schemeClr>
+            </a:gs>
+            <a:gs pos="100000">
+              <a:schemeClr val="phClr">
+                <a:tint val="50000"/>
+                <a:shade val="100000"/>
+                <a:satMod val="350000"/>
+              </a:schemeClr>
+            </a:gs>
+          </a:gsLst>
+          <a:lin ang="16200000" scaled="0"/>
+        </a:gradFill>
+      </a:fillStyleLst>
+      <a:lnStyleLst>
+        <a:ln w="9525" cap="flat" cmpd="sng" algn="ctr">
+          <a:solidFill>
+            <a:schemeClr val="phClr">
+              <a:shade val="95000"/>
+              <a:satMod val="105000"/>
+            </a:schemeClr>
+          </a:solidFill>
+          <a:prstDash val="solid"/>
+        </a:ln>
+        <a:ln w="25400" cap="flat" cmpd="sng" algn="ctr">
+          <a:solidFill>
+            <a:schemeClr val="phClr"/>
+          </a:solidFill>
+          <a:prstDash val="solid"/>
+        </a:ln>
+        <a:ln w="38100" cap="flat" cmpd="sng" algn="ctr">
+          <a:solidFill>
+            <a:schemeClr val="phClr"/>
+          </a:solidFill>
+          <a:prstDash val="solid"/>
+        </a:ln>
+      </a:lnStyleLst>
+      <a:effectStyleLst>
+        <a:effectStyle>
+          <a:effectLst>
+            <a:outerShdw blurRad="40000" dist="20000" dir="5400000" rotWithShape="0">
+              <a:srgbClr val="000000">
+                <a:alpha val="38000"/>
+              </a:srgbClr>
+            </a:outerShdw>
+          </a:effectLst>
+        </a:effectStyle>
+        <a:effectStyle>
+          <a:effectLst>
+            <a:outerShdw blurRad="40000" dist="23000" dir="5400000" rotWithShape="0">
+              <a:srgbClr val="000000">
+                <a:alpha val="35000"/>
+              </a:srgbClr>
+            </a:outerShdw>
+          </a:effectLst>
+        </a:effectStyle>
+        <a:effectStyle>
+          <a:effectLst>
+            <a:outerShdw blurRad="40000" dist="23000" dir="5400000" rotWithShape="0">
+              <a:srgbClr val="000000">
+                <a:alpha val="35000"/>
+              </a:srgbClr>
+            </a:outerShdw>
+          </a:effectLst>
+          <a:scene3d>
+            <a:camera prst="orthographicFront">
+              <a:rot lat="0" lon="0" rev="0"/>
+            </a:camera>
+            <a:lightRig rig="threePt" dir="t">
+              <a:rot lat="0" lon="0" rev="1200000"/>
+            </a:lightRig>
+          </a:scene3d>
+          <a:sp3d>
+            <a:bevelT w="63500" h="25400"/>
+          </a:sp3d>
+        </a:effectStyle>
+      </a:effectStyleLst>
+      <a:bgFillStyleLst>
+        <a:solidFill>
+          <a:schemeClr val="phClr"/>
+        </a:solidFill>
+        <a:gradFill rotWithShape="1">
+          <a:gsLst>
+            <a:gs pos="0">
+              <a:schemeClr val="phClr">
+                <a:tint val="40000"/>
+                <a:satMod val="350000"/>
+              </a:schemeClr>
+            </a:gs>
+            <a:gs pos="40000">
+              <a:schemeClr val="phClr">
+                <a:tint val="45000"/>
+                <a:shade val="99000"/>
+                <a:satMod val="350000"/>
+              </a:schemeClr>
+            </a:gs>
+            <a:gs pos="100000">
+              <a:schemeClr val="phClr">
+                <a:shade val="20000"/>
+                <a:satMod val="255000"/>
+              </a:schemeClr>
+            </a:gs>
+          </a:gsLst>
+          <a:path path="circle">
+            <a:fillToRect l="50000" t="-80000" r="50000" b="180000"/>
+          </a:path>
+        </a:gradFill>
+        <a:gradFill rotWithShape="1">
+          <a:gsLst>
+            <a:gs pos="0">
+              <a:schemeClr val="phClr">
+                <a:tint val="80000"/>
+                <a:satMod val="300000"/>
+              </a:schemeClr>
+            </a:gs>
+            <a:gs pos="100000">
+              <a:schemeClr val="phClr">
+                <a:shade val="30000"/>
+                <a:satMod val="200000"/>
+              </a:schemeClr>
+            </a:gs>
+          </a:gsLst>
+          <a:path path="circle">
+            <a:fillToRect l="50000" t="50000" r="50000" b="50000"/>
+          </a:path>
+        </a:gradFill>
+      </a:bgFillStyleLst>
+    </a:fmtScheme>
+  </a:themeElements>
+  <a:objectDefaults>
+    <a:spDef>
+      <a:spPr/>
+      <a:bodyPr/>
+      <a:lstStyle/>
+      <a:style>
+        <a:lnRef idx="1">
+          <a:schemeClr val="accent1"/>
+        </a:lnRef>
+        <a:fillRef idx="3">
+          <a:schemeClr val="accent1"/>
+        </a:fillRef>
+        <a:effectRef idx="2">
+          <a:schemeClr val="accent1"/>
+        </a:effectRef>
+        <a:fontRef idx="minor">
+          <a:schemeClr val="lt1"/>
+        </a:fontRef>
+      </a:style>
+    </a:spDef>
+    <a:lnDef>
+      <a:spPr/>
+      <a:bodyPr/>
+      <a:lstStyle/>
+      <a:style>
+        <a:lnRef idx="2">
+          <a:schemeClr val="accent1"/>
+        </a:lnRef>
+        <a:fillRef idx="0">
+          <a:schemeClr val="accent1"/>
+        </a:fillRef>
+        <a:effectRef idx="1">
+          <a:schemeClr val="accent1"/>
+        </a:effectRef>
+        <a:fontRef idx="minor">
+          <a:schemeClr val="tx1"/>
+        </a:fontRef>
+      </a:style>
+    </a:lnDef>
+  </a:objectDefaults>
+  <a:extraClrSchemeLst/>
+</a:theme>
 </file>
--- a/data-intensive-skills-overview/FigureSpaceDataEducation.pptx
+++ b/data-intensive-skills-overview/FigureSpaceDataEducation.pptx
@@ -5,12 +5,15 @@
     <p:sldMasterId id="2147483648" r:id="rId1"/>
   </p:sldMasterIdLst>
   <p:notesMasterIdLst>
-    <p:notesMasterId r:id="rId5"/>
+    <p:notesMasterId r:id="rId8"/>
   </p:notesMasterIdLst>
   <p:sldIdLst>
     <p:sldId id="256" r:id="rId2"/>
     <p:sldId id="257" r:id="rId3"/>
     <p:sldId id="258" r:id="rId4"/>
+    <p:sldId id="259" r:id="rId5"/>
+    <p:sldId id="260" r:id="rId6"/>
+    <p:sldId id="261" r:id="rId7"/>
   </p:sldIdLst>
   <p:sldSz cx="9144000" cy="6858000" type="screen4x3"/>
   <p:notesSz cx="6858000" cy="9144000"/>
@@ -112,6 +115,39 @@
 </p:presentation>
 </file>
 
+<file path=ppt/commentAuthors.xml><?xml version="1.0" encoding="utf-8"?>
+<p:cmAuthorLst xmlns:a="http://schemas.openxmlformats.org/drawingml/2006/main" xmlns:r="http://schemas.openxmlformats.org/officeDocument/2006/relationships" xmlns:p="http://schemas.openxmlformats.org/presentationml/2006/main">
+  <p:cmAuthor id="0" name="Matthew Jones" initials="MJ" lastIdx="3" clrIdx="0"/>
+</p:cmAuthorLst>
+</file>
+
+<file path=ppt/comments/comment1.xml><?xml version="1.0" encoding="utf-8"?>
+<p:cmLst xmlns:a="http://schemas.openxmlformats.org/drawingml/2006/main" xmlns:r="http://schemas.openxmlformats.org/officeDocument/2006/relationships" xmlns:p="http://schemas.openxmlformats.org/presentationml/2006/main">
+  <p:cm authorId="0" dt="2015-09-11T15:01:37.727" idx="1">
+    <p:pos x="354" y="2866"/>
+    <p:text>Clarify that these are examples, not comprehensive list of activities.</p:text>
+  </p:cm>
+</p:cmLst>
+</file>
+
+<file path=ppt/comments/comment2.xml><?xml version="1.0" encoding="utf-8"?>
+<p:cmLst xmlns:a="http://schemas.openxmlformats.org/drawingml/2006/main" xmlns:r="http://schemas.openxmlformats.org/officeDocument/2006/relationships" xmlns:p="http://schemas.openxmlformats.org/presentationml/2006/main">
+  <p:cm authorId="0" dt="2015-09-11T15:01:37.727" idx="2">
+    <p:pos x="354" y="2866"/>
+    <p:text>Clarify that these are examples, not comprehensive list of activities.</p:text>
+  </p:cm>
+</p:cmLst>
+</file>
+
+<file path=ppt/comments/comment3.xml><?xml version="1.0" encoding="utf-8"?>
+<p:cmLst xmlns:a="http://schemas.openxmlformats.org/drawingml/2006/main" xmlns:r="http://schemas.openxmlformats.org/officeDocument/2006/relationships" xmlns:p="http://schemas.openxmlformats.org/presentationml/2006/main">
+  <p:cm authorId="0" dt="2015-09-11T15:01:37.727" idx="3">
+    <p:pos x="354" y="2866"/>
+    <p:text>Clarify that these are examples, not comprehensive list of activities.</p:text>
+  </p:cm>
+</p:cmLst>
+</file>
+
 <file path=ppt/notesMasters/notesMaster1.xml><?xml version="1.0" encoding="utf-8"?>
 <p:notesMaster xmlns:a="http://schemas.openxmlformats.org/drawingml/2006/main" xmlns:r="http://schemas.openxmlformats.org/officeDocument/2006/relationships" xmlns:p="http://schemas.openxmlformats.org/presentationml/2006/main">
   <p:cSld>
@@ -194,7 +230,7 @@
           <a:p>
             <a:fld id="{7CA89149-D21F-1841-8EB0-67F7BC7F7E21}" type="datetimeFigureOut">
               <a:rPr lang="en-US" smtClean="0"/>
-              <a:t>9/10/15</a:t>
+              <a:t>9/11/15</a:t>
             </a:fld>
             <a:endParaRPr lang="en-US"/>
           </a:p>
@@ -668,6 +704,492 @@
 </p:notes>
 </file>
 
+<file path=ppt/notesSlides/notesSlide3.xml><?xml version="1.0" encoding="utf-8"?>
+<p:notes xmlns:a="http://schemas.openxmlformats.org/drawingml/2006/main" xmlns:r="http://schemas.openxmlformats.org/officeDocument/2006/relationships" xmlns:p="http://schemas.openxmlformats.org/presentationml/2006/main">
+  <p:cSld>
+    <p:spTree>
+      <p:nvGrpSpPr>
+        <p:cNvPr id="1" name=""/>
+        <p:cNvGrpSpPr/>
+        <p:nvPr/>
+      </p:nvGrpSpPr>
+      <p:grpSpPr>
+        <a:xfrm>
+          <a:off x="0" y="0"/>
+          <a:ext cx="0" cy="0"/>
+          <a:chOff x="0" y="0"/>
+          <a:chExt cx="0" cy="0"/>
+        </a:xfrm>
+      </p:grpSpPr>
+      <p:sp>
+        <p:nvSpPr>
+          <p:cNvPr id="2" name="Slide Image Placeholder 1"/>
+          <p:cNvSpPr>
+            <a:spLocks noGrp="1" noRot="1" noChangeAspect="1"/>
+          </p:cNvSpPr>
+          <p:nvPr>
+            <p:ph type="sldImg"/>
+          </p:nvPr>
+        </p:nvSpPr>
+        <p:spPr/>
+      </p:sp>
+      <p:sp>
+        <p:nvSpPr>
+          <p:cNvPr id="3" name="Notes Placeholder 2"/>
+          <p:cNvSpPr>
+            <a:spLocks noGrp="1"/>
+          </p:cNvSpPr>
+          <p:nvPr>
+            <p:ph type="body" idx="1"/>
+          </p:nvPr>
+        </p:nvSpPr>
+        <p:spPr/>
+        <p:txBody>
+          <a:bodyPr/>
+          <a:lstStyle/>
+          <a:p>
+            <a:r>
+              <a:rPr lang="en-US" sz="3200" dirty="0" smtClean="0"/>
+              <a:t>Alternate representation where materials feed into formal and informal learning </a:t>
+            </a:r>
+            <a:r>
+              <a:rPr lang="en-US" sz="3200" dirty="0" smtClean="0"/>
+              <a:t>pedagogies</a:t>
+            </a:r>
+          </a:p>
+          <a:p>
+            <a:endParaRPr lang="en-US" sz="3200" dirty="0" smtClean="0"/>
+          </a:p>
+          <a:p>
+            <a:r>
+              <a:rPr lang="en-US" sz="3200" baseline="0" dirty="0" smtClean="0"/>
+              <a:t>Resources: Lesson, Unit, Data</a:t>
+            </a:r>
+          </a:p>
+          <a:p>
+            <a:endParaRPr lang="en-US" sz="3200" baseline="0" dirty="0" smtClean="0"/>
+          </a:p>
+          <a:p>
+            <a:pPr marL="0" marR="0" indent="0" algn="l" defTabSz="457200" rtl="0" eaLnBrk="1" fontAlgn="auto" latinLnBrk="0" hangingPunct="1">
+              <a:lnSpc>
+                <a:spcPct val="100000"/>
+              </a:lnSpc>
+              <a:spcBef>
+                <a:spcPts val="0"/>
+              </a:spcBef>
+              <a:spcAft>
+                <a:spcPts val="0"/>
+              </a:spcAft>
+              <a:buClrTx/>
+              <a:buSzTx/>
+              <a:buFontTx/>
+              <a:buNone/>
+              <a:tabLst/>
+              <a:defRPr/>
+            </a:pPr>
+            <a:r>
+              <a:rPr lang="en-US" sz="3200" baseline="0" dirty="0" smtClean="0"/>
+              <a:t>Resource-format: slides, handouts, blog posts, videos, text documents, code, </a:t>
+            </a:r>
+            <a:r>
+              <a:rPr lang="en-US" sz="3200" baseline="0" dirty="0" err="1" smtClean="0"/>
+              <a:t>csv</a:t>
+            </a:r>
+            <a:r>
+              <a:rPr lang="en-US" sz="3200" baseline="0" dirty="0" smtClean="0"/>
+              <a:t> files </a:t>
+            </a:r>
+          </a:p>
+          <a:p>
+            <a:endParaRPr lang="en-US" sz="3200" baseline="0" dirty="0" smtClean="0"/>
+          </a:p>
+          <a:p>
+            <a:r>
+              <a:rPr lang="en-US" sz="3200" baseline="0" dirty="0" smtClean="0"/>
+              <a:t>Seminar, Workshop, Course, Program</a:t>
+            </a:r>
+          </a:p>
+          <a:p>
+            <a:endParaRPr lang="en-US" sz="3200" baseline="0" dirty="0" smtClean="0"/>
+          </a:p>
+          <a:p>
+            <a:r>
+              <a:rPr lang="en-US" sz="3200" baseline="0" dirty="0" smtClean="0"/>
+              <a:t>Activity type: Lecture, Lab, Hands-on Activity, Individual Project, Group Project, Discussion</a:t>
+            </a:r>
+          </a:p>
+          <a:p>
+            <a:endParaRPr lang="en-US" sz="3200" baseline="0" dirty="0" smtClean="0"/>
+          </a:p>
+          <a:p>
+            <a:r>
+              <a:rPr lang="en-US" sz="3200" baseline="0" dirty="0" smtClean="0"/>
+              <a:t>Delivery-mode: online, in person, self-paced</a:t>
+            </a:r>
+            <a:endParaRPr lang="en-US" sz="3200" dirty="0"/>
+          </a:p>
+        </p:txBody>
+      </p:sp>
+      <p:sp>
+        <p:nvSpPr>
+          <p:cNvPr id="4" name="Slide Number Placeholder 3"/>
+          <p:cNvSpPr>
+            <a:spLocks noGrp="1"/>
+          </p:cNvSpPr>
+          <p:nvPr>
+            <p:ph type="sldNum" sz="quarter" idx="10"/>
+          </p:nvPr>
+        </p:nvSpPr>
+        <p:spPr/>
+        <p:txBody>
+          <a:bodyPr/>
+          <a:lstStyle/>
+          <a:p>
+            <a:fld id="{CE09061E-DCC8-1640-B238-B51D9C972A55}" type="slidenum">
+              <a:rPr lang="en-US" smtClean="0"/>
+              <a:t>4</a:t>
+            </a:fld>
+            <a:endParaRPr lang="en-US"/>
+          </a:p>
+        </p:txBody>
+      </p:sp>
+    </p:spTree>
+    <p:extLst>
+      <p:ext uri="{BB962C8B-B14F-4D97-AF65-F5344CB8AC3E}">
+        <p14:creationId xmlns:p14="http://schemas.microsoft.com/office/powerpoint/2010/main" val="2525294544"/>
+      </p:ext>
+    </p:extLst>
+  </p:cSld>
+  <p:clrMapOvr>
+    <a:masterClrMapping/>
+  </p:clrMapOvr>
+</p:notes>
+</file>
+
+<file path=ppt/notesSlides/notesSlide4.xml><?xml version="1.0" encoding="utf-8"?>
+<p:notes xmlns:a="http://schemas.openxmlformats.org/drawingml/2006/main" xmlns:r="http://schemas.openxmlformats.org/officeDocument/2006/relationships" xmlns:p="http://schemas.openxmlformats.org/presentationml/2006/main">
+  <p:cSld>
+    <p:spTree>
+      <p:nvGrpSpPr>
+        <p:cNvPr id="1" name=""/>
+        <p:cNvGrpSpPr/>
+        <p:nvPr/>
+      </p:nvGrpSpPr>
+      <p:grpSpPr>
+        <a:xfrm>
+          <a:off x="0" y="0"/>
+          <a:ext cx="0" cy="0"/>
+          <a:chOff x="0" y="0"/>
+          <a:chExt cx="0" cy="0"/>
+        </a:xfrm>
+      </p:grpSpPr>
+      <p:sp>
+        <p:nvSpPr>
+          <p:cNvPr id="2" name="Slide Image Placeholder 1"/>
+          <p:cNvSpPr>
+            <a:spLocks noGrp="1" noRot="1" noChangeAspect="1"/>
+          </p:cNvSpPr>
+          <p:nvPr>
+            <p:ph type="sldImg"/>
+          </p:nvPr>
+        </p:nvSpPr>
+        <p:spPr/>
+      </p:sp>
+      <p:sp>
+        <p:nvSpPr>
+          <p:cNvPr id="3" name="Notes Placeholder 2"/>
+          <p:cNvSpPr>
+            <a:spLocks noGrp="1"/>
+          </p:cNvSpPr>
+          <p:nvPr>
+            <p:ph type="body" idx="1"/>
+          </p:nvPr>
+        </p:nvSpPr>
+        <p:spPr/>
+        <p:txBody>
+          <a:bodyPr/>
+          <a:lstStyle/>
+          <a:p>
+            <a:r>
+              <a:rPr lang="en-US" sz="3200" dirty="0" smtClean="0"/>
+              <a:t>Alternate representation where materials feed into formal and informal learning </a:t>
+            </a:r>
+            <a:r>
+              <a:rPr lang="en-US" sz="3200" dirty="0" smtClean="0"/>
+              <a:t>pedagogies</a:t>
+            </a:r>
+          </a:p>
+          <a:p>
+            <a:endParaRPr lang="en-US" sz="3200" dirty="0" smtClean="0"/>
+          </a:p>
+          <a:p>
+            <a:r>
+              <a:rPr lang="en-US" sz="3200" baseline="0" dirty="0" smtClean="0"/>
+              <a:t>Resources: Lesson, Unit, Data</a:t>
+            </a:r>
+          </a:p>
+          <a:p>
+            <a:endParaRPr lang="en-US" sz="3200" baseline="0" dirty="0" smtClean="0"/>
+          </a:p>
+          <a:p>
+            <a:pPr marL="0" marR="0" indent="0" algn="l" defTabSz="457200" rtl="0" eaLnBrk="1" fontAlgn="auto" latinLnBrk="0" hangingPunct="1">
+              <a:lnSpc>
+                <a:spcPct val="100000"/>
+              </a:lnSpc>
+              <a:spcBef>
+                <a:spcPts val="0"/>
+              </a:spcBef>
+              <a:spcAft>
+                <a:spcPts val="0"/>
+              </a:spcAft>
+              <a:buClrTx/>
+              <a:buSzTx/>
+              <a:buFontTx/>
+              <a:buNone/>
+              <a:tabLst/>
+              <a:defRPr/>
+            </a:pPr>
+            <a:r>
+              <a:rPr lang="en-US" sz="3200" baseline="0" dirty="0" smtClean="0"/>
+              <a:t>Resource-format: slides, handouts, blog posts, videos, text documents, code, </a:t>
+            </a:r>
+            <a:r>
+              <a:rPr lang="en-US" sz="3200" baseline="0" dirty="0" err="1" smtClean="0"/>
+              <a:t>csv</a:t>
+            </a:r>
+            <a:r>
+              <a:rPr lang="en-US" sz="3200" baseline="0" dirty="0" smtClean="0"/>
+              <a:t> files </a:t>
+            </a:r>
+          </a:p>
+          <a:p>
+            <a:endParaRPr lang="en-US" sz="3200" baseline="0" dirty="0" smtClean="0"/>
+          </a:p>
+          <a:p>
+            <a:r>
+              <a:rPr lang="en-US" sz="3200" baseline="0" dirty="0" smtClean="0"/>
+              <a:t>Seminar, Workshop, Course, Program</a:t>
+            </a:r>
+          </a:p>
+          <a:p>
+            <a:endParaRPr lang="en-US" sz="3200" baseline="0" dirty="0" smtClean="0"/>
+          </a:p>
+          <a:p>
+            <a:r>
+              <a:rPr lang="en-US" sz="3200" baseline="0" dirty="0" smtClean="0"/>
+              <a:t>Activity type: Lecture, Lab, Hands-on Activity, Individual Project, Group Project, Discussion</a:t>
+            </a:r>
+          </a:p>
+          <a:p>
+            <a:endParaRPr lang="en-US" sz="3200" baseline="0" dirty="0" smtClean="0"/>
+          </a:p>
+          <a:p>
+            <a:r>
+              <a:rPr lang="en-US" sz="3200" baseline="0" dirty="0" smtClean="0"/>
+              <a:t>Delivery-mode: online, in person, self-paced</a:t>
+            </a:r>
+            <a:endParaRPr lang="en-US" sz="3200" dirty="0"/>
+          </a:p>
+        </p:txBody>
+      </p:sp>
+      <p:sp>
+        <p:nvSpPr>
+          <p:cNvPr id="4" name="Slide Number Placeholder 3"/>
+          <p:cNvSpPr>
+            <a:spLocks noGrp="1"/>
+          </p:cNvSpPr>
+          <p:nvPr>
+            <p:ph type="sldNum" sz="quarter" idx="10"/>
+          </p:nvPr>
+        </p:nvSpPr>
+        <p:spPr/>
+        <p:txBody>
+          <a:bodyPr/>
+          <a:lstStyle/>
+          <a:p>
+            <a:fld id="{CE09061E-DCC8-1640-B238-B51D9C972A55}" type="slidenum">
+              <a:rPr lang="en-US" smtClean="0"/>
+              <a:t>5</a:t>
+            </a:fld>
+            <a:endParaRPr lang="en-US"/>
+          </a:p>
+        </p:txBody>
+      </p:sp>
+    </p:spTree>
+    <p:extLst>
+      <p:ext uri="{BB962C8B-B14F-4D97-AF65-F5344CB8AC3E}">
+        <p14:creationId xmlns:p14="http://schemas.microsoft.com/office/powerpoint/2010/main" val="2525294544"/>
+      </p:ext>
+    </p:extLst>
+  </p:cSld>
+  <p:clrMapOvr>
+    <a:masterClrMapping/>
+  </p:clrMapOvr>
+</p:notes>
+</file>
+
+<file path=ppt/notesSlides/notesSlide5.xml><?xml version="1.0" encoding="utf-8"?>
+<p:notes xmlns:a="http://schemas.openxmlformats.org/drawingml/2006/main" xmlns:r="http://schemas.openxmlformats.org/officeDocument/2006/relationships" xmlns:p="http://schemas.openxmlformats.org/presentationml/2006/main">
+  <p:cSld>
+    <p:spTree>
+      <p:nvGrpSpPr>
+        <p:cNvPr id="1" name=""/>
+        <p:cNvGrpSpPr/>
+        <p:nvPr/>
+      </p:nvGrpSpPr>
+      <p:grpSpPr>
+        <a:xfrm>
+          <a:off x="0" y="0"/>
+          <a:ext cx="0" cy="0"/>
+          <a:chOff x="0" y="0"/>
+          <a:chExt cx="0" cy="0"/>
+        </a:xfrm>
+      </p:grpSpPr>
+      <p:sp>
+        <p:nvSpPr>
+          <p:cNvPr id="2" name="Slide Image Placeholder 1"/>
+          <p:cNvSpPr>
+            <a:spLocks noGrp="1" noRot="1" noChangeAspect="1"/>
+          </p:cNvSpPr>
+          <p:nvPr>
+            <p:ph type="sldImg"/>
+          </p:nvPr>
+        </p:nvSpPr>
+        <p:spPr/>
+      </p:sp>
+      <p:sp>
+        <p:nvSpPr>
+          <p:cNvPr id="3" name="Notes Placeholder 2"/>
+          <p:cNvSpPr>
+            <a:spLocks noGrp="1"/>
+          </p:cNvSpPr>
+          <p:nvPr>
+            <p:ph type="body" idx="1"/>
+          </p:nvPr>
+        </p:nvSpPr>
+        <p:spPr/>
+        <p:txBody>
+          <a:bodyPr/>
+          <a:lstStyle/>
+          <a:p>
+            <a:r>
+              <a:rPr lang="en-US" sz="3200" dirty="0" smtClean="0"/>
+              <a:t>Alternate representation where materials feed into formal and informal learning </a:t>
+            </a:r>
+            <a:r>
+              <a:rPr lang="en-US" sz="3200" dirty="0" smtClean="0"/>
+              <a:t>pedagogies</a:t>
+            </a:r>
+          </a:p>
+          <a:p>
+            <a:endParaRPr lang="en-US" sz="3200" dirty="0" smtClean="0"/>
+          </a:p>
+          <a:p>
+            <a:r>
+              <a:rPr lang="en-US" sz="3200" baseline="0" dirty="0" smtClean="0"/>
+              <a:t>Resources: Lesson, Unit, Data</a:t>
+            </a:r>
+          </a:p>
+          <a:p>
+            <a:endParaRPr lang="en-US" sz="3200" baseline="0" dirty="0" smtClean="0"/>
+          </a:p>
+          <a:p>
+            <a:pPr marL="0" marR="0" indent="0" algn="l" defTabSz="457200" rtl="0" eaLnBrk="1" fontAlgn="auto" latinLnBrk="0" hangingPunct="1">
+              <a:lnSpc>
+                <a:spcPct val="100000"/>
+              </a:lnSpc>
+              <a:spcBef>
+                <a:spcPts val="0"/>
+              </a:spcBef>
+              <a:spcAft>
+                <a:spcPts val="0"/>
+              </a:spcAft>
+              <a:buClrTx/>
+              <a:buSzTx/>
+              <a:buFontTx/>
+              <a:buNone/>
+              <a:tabLst/>
+              <a:defRPr/>
+            </a:pPr>
+            <a:r>
+              <a:rPr lang="en-US" sz="3200" baseline="0" dirty="0" smtClean="0"/>
+              <a:t>Resource-format: slides, handouts, blog posts, videos, text documents, code, </a:t>
+            </a:r>
+            <a:r>
+              <a:rPr lang="en-US" sz="3200" baseline="0" dirty="0" err="1" smtClean="0"/>
+              <a:t>csv</a:t>
+            </a:r>
+            <a:r>
+              <a:rPr lang="en-US" sz="3200" baseline="0" dirty="0" smtClean="0"/>
+              <a:t> files </a:t>
+            </a:r>
+          </a:p>
+          <a:p>
+            <a:endParaRPr lang="en-US" sz="3200" baseline="0" dirty="0" smtClean="0"/>
+          </a:p>
+          <a:p>
+            <a:r>
+              <a:rPr lang="en-US" sz="3200" baseline="0" dirty="0" smtClean="0"/>
+              <a:t>Seminar, Workshop, Course, Program</a:t>
+            </a:r>
+          </a:p>
+          <a:p>
+            <a:endParaRPr lang="en-US" sz="3200" baseline="0" dirty="0" smtClean="0"/>
+          </a:p>
+          <a:p>
+            <a:r>
+              <a:rPr lang="en-US" sz="3200" baseline="0" dirty="0" smtClean="0"/>
+              <a:t>Activity type: Lecture, Lab, Hands-on Activity, Individual Project, Group Project, Discussion</a:t>
+            </a:r>
+          </a:p>
+          <a:p>
+            <a:endParaRPr lang="en-US" sz="3200" baseline="0" dirty="0" smtClean="0"/>
+          </a:p>
+          <a:p>
+            <a:r>
+              <a:rPr lang="en-US" sz="3200" baseline="0" dirty="0" smtClean="0"/>
+              <a:t>Delivery-mode: online, in person, self-paced</a:t>
+            </a:r>
+            <a:endParaRPr lang="en-US" sz="3200" dirty="0"/>
+          </a:p>
+        </p:txBody>
+      </p:sp>
+      <p:sp>
+        <p:nvSpPr>
+          <p:cNvPr id="4" name="Slide Number Placeholder 3"/>
+          <p:cNvSpPr>
+            <a:spLocks noGrp="1"/>
+          </p:cNvSpPr>
+          <p:nvPr>
+            <p:ph type="sldNum" sz="quarter" idx="10"/>
+          </p:nvPr>
+        </p:nvSpPr>
+        <p:spPr/>
+        <p:txBody>
+          <a:bodyPr/>
+          <a:lstStyle/>
+          <a:p>
+            <a:fld id="{CE09061E-DCC8-1640-B238-B51D9C972A55}" type="slidenum">
+              <a:rPr lang="en-US" smtClean="0"/>
+              <a:t>6</a:t>
+            </a:fld>
+            <a:endParaRPr lang="en-US"/>
+          </a:p>
+        </p:txBody>
+      </p:sp>
+    </p:spTree>
+    <p:extLst>
+      <p:ext uri="{BB962C8B-B14F-4D97-AF65-F5344CB8AC3E}">
+        <p14:creationId xmlns:p14="http://schemas.microsoft.com/office/powerpoint/2010/main" val="2525294544"/>
+      </p:ext>
+    </p:extLst>
+  </p:cSld>
+  <p:clrMapOvr>
+    <a:masterClrMapping/>
+  </p:clrMapOvr>
+</p:notes>
+</file>
+
 <file path=ppt/slideLayouts/slideLayout1.xml><?xml version="1.0" encoding="utf-8"?>
 <p:sldLayout xmlns:a="http://schemas.openxmlformats.org/drawingml/2006/main" xmlns:r="http://schemas.openxmlformats.org/officeDocument/2006/relationships" xmlns:p="http://schemas.openxmlformats.org/presentationml/2006/main" type="title" preserve="1">
   <p:cSld name="Title Slide">
@@ -849,7 +1371,7 @@
           <a:p>
             <a:fld id="{03BFE068-5F14-F44F-AF9C-C119BEA90396}" type="datetimeFigureOut">
               <a:rPr lang="en-US" smtClean="0"/>
-              <a:t>9/10/15</a:t>
+              <a:t>9/11/15</a:t>
             </a:fld>
             <a:endParaRPr lang="en-US"/>
           </a:p>
@@ -1019,7 +1541,7 @@
           <a:p>
             <a:fld id="{03BFE068-5F14-F44F-AF9C-C119BEA90396}" type="datetimeFigureOut">
               <a:rPr lang="en-US" smtClean="0"/>
-              <a:t>9/10/15</a:t>
+              <a:t>9/11/15</a:t>
             </a:fld>
             <a:endParaRPr lang="en-US"/>
           </a:p>
@@ -1199,7 +1721,7 @@
           <a:p>
             <a:fld id="{03BFE068-5F14-F44F-AF9C-C119BEA90396}" type="datetimeFigureOut">
               <a:rPr lang="en-US" smtClean="0"/>
-              <a:t>9/10/15</a:t>
+              <a:t>9/11/15</a:t>
             </a:fld>
             <a:endParaRPr lang="en-US"/>
           </a:p>
@@ -1369,7 +1891,7 @@
           <a:p>
             <a:fld id="{03BFE068-5F14-F44F-AF9C-C119BEA90396}" type="datetimeFigureOut">
               <a:rPr lang="en-US" smtClean="0"/>
-              <a:t>9/10/15</a:t>
+              <a:t>9/11/15</a:t>
             </a:fld>
             <a:endParaRPr lang="en-US"/>
           </a:p>
@@ -1615,7 +2137,7 @@
           <a:p>
             <a:fld id="{03BFE068-5F14-F44F-AF9C-C119BEA90396}" type="datetimeFigureOut">
               <a:rPr lang="en-US" smtClean="0"/>
-              <a:t>9/10/15</a:t>
+              <a:t>9/11/15</a:t>
             </a:fld>
             <a:endParaRPr lang="en-US"/>
           </a:p>
@@ -1903,7 +2425,7 @@
           <a:p>
             <a:fld id="{03BFE068-5F14-F44F-AF9C-C119BEA90396}" type="datetimeFigureOut">
               <a:rPr lang="en-US" smtClean="0"/>
-              <a:t>9/10/15</a:t>
+              <a:t>9/11/15</a:t>
             </a:fld>
             <a:endParaRPr lang="en-US"/>
           </a:p>
@@ -2325,7 +2847,7 @@
           <a:p>
             <a:fld id="{03BFE068-5F14-F44F-AF9C-C119BEA90396}" type="datetimeFigureOut">
               <a:rPr lang="en-US" smtClean="0"/>
-              <a:t>9/10/15</a:t>
+              <a:t>9/11/15</a:t>
             </a:fld>
             <a:endParaRPr lang="en-US"/>
           </a:p>
@@ -2443,7 +2965,7 @@
           <a:p>
             <a:fld id="{03BFE068-5F14-F44F-AF9C-C119BEA90396}" type="datetimeFigureOut">
               <a:rPr lang="en-US" smtClean="0"/>
-              <a:t>9/10/15</a:t>
+              <a:t>9/11/15</a:t>
             </a:fld>
             <a:endParaRPr lang="en-US"/>
           </a:p>
@@ -2538,7 +3060,7 @@
           <a:p>
             <a:fld id="{03BFE068-5F14-F44F-AF9C-C119BEA90396}" type="datetimeFigureOut">
               <a:rPr lang="en-US" smtClean="0"/>
-              <a:t>9/10/15</a:t>
+              <a:t>9/11/15</a:t>
             </a:fld>
             <a:endParaRPr lang="en-US"/>
           </a:p>
@@ -2815,7 +3337,7 @@
           <a:p>
             <a:fld id="{03BFE068-5F14-F44F-AF9C-C119BEA90396}" type="datetimeFigureOut">
               <a:rPr lang="en-US" smtClean="0"/>
-              <a:t>9/10/15</a:t>
+              <a:t>9/11/15</a:t>
             </a:fld>
             <a:endParaRPr lang="en-US"/>
           </a:p>
@@ -3068,7 +3590,7 @@
           <a:p>
             <a:fld id="{03BFE068-5F14-F44F-AF9C-C119BEA90396}" type="datetimeFigureOut">
               <a:rPr lang="en-US" smtClean="0"/>
-              <a:t>9/10/15</a:t>
+              <a:t>9/11/15</a:t>
             </a:fld>
             <a:endParaRPr lang="en-US"/>
           </a:p>
@@ -3281,7 +3803,7 @@
           <a:p>
             <a:fld id="{03BFE068-5F14-F44F-AF9C-C119BEA90396}" type="datetimeFigureOut">
               <a:rPr lang="en-US" smtClean="0"/>
-              <a:t>9/10/15</a:t>
+              <a:t>9/11/15</a:t>
             </a:fld>
             <a:endParaRPr lang="en-US"/>
           </a:p>
@@ -7191,6 +7713,3955 @@
     <p:extLst>
       <p:ext uri="{BB962C8B-B14F-4D97-AF65-F5344CB8AC3E}">
         <p14:creationId xmlns:p14="http://schemas.microsoft.com/office/powerpoint/2010/main" val="3244953779"/>
+      </p:ext>
+    </p:extLst>
+  </p:cSld>
+  <p:clrMapOvr>
+    <a:masterClrMapping/>
+  </p:clrMapOvr>
+  <p:timing>
+    <p:tnLst>
+      <p:par>
+        <p:cTn xmlns:p14="http://schemas.microsoft.com/office/powerpoint/2010/main" id="1" dur="indefinite" restart="never" nodeType="tmRoot"/>
+      </p:par>
+    </p:tnLst>
+  </p:timing>
+</p:sld>
+</file>
+
+<file path=ppt/slides/slide4.xml><?xml version="1.0" encoding="utf-8"?>
+<p:sld xmlns:a="http://schemas.openxmlformats.org/drawingml/2006/main" xmlns:r="http://schemas.openxmlformats.org/officeDocument/2006/relationships" xmlns:p="http://schemas.openxmlformats.org/presentationml/2006/main">
+  <p:cSld>
+    <p:spTree>
+      <p:nvGrpSpPr>
+        <p:cNvPr id="1" name=""/>
+        <p:cNvGrpSpPr/>
+        <p:nvPr/>
+      </p:nvGrpSpPr>
+      <p:grpSpPr>
+        <a:xfrm>
+          <a:off x="0" y="0"/>
+          <a:ext cx="0" cy="0"/>
+          <a:chOff x="0" y="0"/>
+          <a:chExt cx="0" cy="0"/>
+        </a:xfrm>
+      </p:grpSpPr>
+      <p:sp>
+        <p:nvSpPr>
+          <p:cNvPr id="19" name="Rounded Rectangle 18"/>
+          <p:cNvSpPr/>
+          <p:nvPr/>
+        </p:nvSpPr>
+        <p:spPr>
+          <a:xfrm>
+            <a:off x="296333" y="1499915"/>
+            <a:ext cx="2651125" cy="5166901"/>
+          </a:xfrm>
+          <a:prstGeom prst="roundRect">
+            <a:avLst>
+              <a:gd name="adj" fmla="val 4048"/>
+            </a:avLst>
+          </a:prstGeom>
+          <a:solidFill>
+            <a:schemeClr val="accent5">
+              <a:lumMod val="20000"/>
+              <a:lumOff val="80000"/>
+            </a:schemeClr>
+          </a:solidFill>
+          <a:ln>
+            <a:solidFill>
+              <a:schemeClr val="accent5">
+                <a:lumMod val="50000"/>
+              </a:schemeClr>
+            </a:solidFill>
+          </a:ln>
+        </p:spPr>
+        <p:style>
+          <a:lnRef idx="1">
+            <a:schemeClr val="accent1"/>
+          </a:lnRef>
+          <a:fillRef idx="3">
+            <a:schemeClr val="accent1"/>
+          </a:fillRef>
+          <a:effectRef idx="2">
+            <a:schemeClr val="accent1"/>
+          </a:effectRef>
+          <a:fontRef idx="minor">
+            <a:schemeClr val="lt1"/>
+          </a:fontRef>
+        </p:style>
+        <p:txBody>
+          <a:bodyPr rtlCol="0" anchor="t"/>
+          <a:lstStyle/>
+          <a:p>
+            <a:pPr algn="ctr"/>
+            <a:r>
+              <a:rPr lang="en-US" sz="2600" b="1" dirty="0" smtClean="0">
+                <a:solidFill>
+                  <a:schemeClr val="tx1">
+                    <a:lumMod val="85000"/>
+                    <a:lumOff val="15000"/>
+                  </a:schemeClr>
+                </a:solidFill>
+              </a:rPr>
+              <a:t>Open Ed</a:t>
+            </a:r>
+            <a:endParaRPr lang="en-US" sz="2600" b="1" dirty="0">
+              <a:solidFill>
+                <a:schemeClr val="tx1">
+                  <a:lumMod val="85000"/>
+                  <a:lumOff val="15000"/>
+                </a:schemeClr>
+              </a:solidFill>
+            </a:endParaRPr>
+          </a:p>
+        </p:txBody>
+      </p:sp>
+      <p:sp>
+        <p:nvSpPr>
+          <p:cNvPr id="2" name="Title 1"/>
+          <p:cNvSpPr>
+            <a:spLocks noGrp="1"/>
+          </p:cNvSpPr>
+          <p:nvPr>
+            <p:ph type="ctrTitle"/>
+          </p:nvPr>
+        </p:nvSpPr>
+        <p:spPr>
+          <a:xfrm>
+            <a:off x="542715" y="-48801"/>
+            <a:ext cx="7772400" cy="1470025"/>
+          </a:xfrm>
+        </p:spPr>
+        <p:txBody>
+          <a:bodyPr>
+            <a:normAutofit/>
+          </a:bodyPr>
+          <a:lstStyle/>
+          <a:p>
+            <a:r>
+              <a:rPr lang="en-US" sz="2800" dirty="0" smtClean="0"/>
+              <a:t>The space of data-intensive education for environmental science</a:t>
+            </a:r>
+            <a:endParaRPr lang="en-US" sz="2800" dirty="0"/>
+          </a:p>
+        </p:txBody>
+      </p:sp>
+      <p:sp>
+        <p:nvSpPr>
+          <p:cNvPr id="3" name="Rounded Rectangle 2"/>
+          <p:cNvSpPr/>
+          <p:nvPr/>
+        </p:nvSpPr>
+        <p:spPr>
+          <a:xfrm>
+            <a:off x="6275916" y="1401174"/>
+            <a:ext cx="2651125" cy="5166901"/>
+          </a:xfrm>
+          <a:prstGeom prst="roundRect">
+            <a:avLst>
+              <a:gd name="adj" fmla="val 4048"/>
+            </a:avLst>
+          </a:prstGeom>
+          <a:solidFill>
+            <a:schemeClr val="accent5">
+              <a:lumMod val="20000"/>
+              <a:lumOff val="80000"/>
+            </a:schemeClr>
+          </a:solidFill>
+          <a:ln>
+            <a:solidFill>
+              <a:schemeClr val="accent5">
+                <a:lumMod val="50000"/>
+              </a:schemeClr>
+            </a:solidFill>
+          </a:ln>
+        </p:spPr>
+        <p:style>
+          <a:lnRef idx="1">
+            <a:schemeClr val="accent1"/>
+          </a:lnRef>
+          <a:fillRef idx="3">
+            <a:schemeClr val="accent1"/>
+          </a:fillRef>
+          <a:effectRef idx="2">
+            <a:schemeClr val="accent1"/>
+          </a:effectRef>
+          <a:fontRef idx="minor">
+            <a:schemeClr val="lt1"/>
+          </a:fontRef>
+        </p:style>
+        <p:txBody>
+          <a:bodyPr rtlCol="0" anchor="t"/>
+          <a:lstStyle/>
+          <a:p>
+            <a:pPr algn="ctr"/>
+            <a:r>
+              <a:rPr lang="en-US" sz="2600" b="1" dirty="0" smtClean="0">
+                <a:solidFill>
+                  <a:schemeClr val="tx1">
+                    <a:lumMod val="85000"/>
+                    <a:lumOff val="15000"/>
+                  </a:schemeClr>
+                </a:solidFill>
+              </a:rPr>
+              <a:t>Traditional Ed</a:t>
+            </a:r>
+            <a:endParaRPr lang="en-US" sz="2600" b="1" dirty="0">
+              <a:solidFill>
+                <a:schemeClr val="tx1">
+                  <a:lumMod val="85000"/>
+                  <a:lumOff val="15000"/>
+                </a:schemeClr>
+              </a:solidFill>
+            </a:endParaRPr>
+          </a:p>
+        </p:txBody>
+      </p:sp>
+      <p:sp>
+        <p:nvSpPr>
+          <p:cNvPr id="42" name="Rounded Rectangle 41"/>
+          <p:cNvSpPr/>
+          <p:nvPr/>
+        </p:nvSpPr>
+        <p:spPr>
+          <a:xfrm>
+            <a:off x="6344178" y="2000249"/>
+            <a:ext cx="2514600" cy="4212168"/>
+          </a:xfrm>
+          <a:prstGeom prst="roundRect">
+            <a:avLst>
+              <a:gd name="adj" fmla="val 9921"/>
+            </a:avLst>
+          </a:prstGeom>
+          <a:solidFill>
+            <a:schemeClr val="accent4">
+              <a:lumMod val="20000"/>
+              <a:lumOff val="80000"/>
+              <a:alpha val="96000"/>
+            </a:schemeClr>
+          </a:solidFill>
+          <a:ln>
+            <a:solidFill>
+              <a:schemeClr val="accent4">
+                <a:lumMod val="75000"/>
+              </a:schemeClr>
+            </a:solidFill>
+          </a:ln>
+        </p:spPr>
+        <p:style>
+          <a:lnRef idx="1">
+            <a:schemeClr val="accent1"/>
+          </a:lnRef>
+          <a:fillRef idx="3">
+            <a:schemeClr val="accent1"/>
+          </a:fillRef>
+          <a:effectRef idx="2">
+            <a:schemeClr val="accent1"/>
+          </a:effectRef>
+          <a:fontRef idx="minor">
+            <a:schemeClr val="lt1"/>
+          </a:fontRef>
+        </p:style>
+        <p:txBody>
+          <a:bodyPr rtlCol="0" anchor="ctr"/>
+          <a:lstStyle/>
+          <a:p>
+            <a:pPr algn="ctr"/>
+            <a:r>
+              <a:rPr lang="en-US" dirty="0" smtClean="0">
+                <a:solidFill>
+                  <a:schemeClr val="tx1">
+                    <a:lumMod val="85000"/>
+                    <a:lumOff val="15000"/>
+                  </a:schemeClr>
+                </a:solidFill>
+              </a:rPr>
+              <a:t>Quantitative</a:t>
+            </a:r>
+            <a:br>
+              <a:rPr lang="en-US" dirty="0" smtClean="0">
+                <a:solidFill>
+                  <a:schemeClr val="tx1">
+                    <a:lumMod val="85000"/>
+                    <a:lumOff val="15000"/>
+                  </a:schemeClr>
+                </a:solidFill>
+              </a:rPr>
+            </a:br>
+            <a:r>
+              <a:rPr lang="en-US" dirty="0" smtClean="0">
+                <a:solidFill>
+                  <a:schemeClr val="tx1">
+                    <a:lumMod val="85000"/>
+                    <a:lumOff val="15000"/>
+                  </a:schemeClr>
+                </a:solidFill>
+              </a:rPr>
+              <a:t>Courses</a:t>
+            </a:r>
+            <a:endParaRPr lang="en-US" dirty="0">
+              <a:solidFill>
+                <a:schemeClr val="tx1">
+                  <a:lumMod val="85000"/>
+                  <a:lumOff val="15000"/>
+                </a:schemeClr>
+              </a:solidFill>
+            </a:endParaRPr>
+          </a:p>
+        </p:txBody>
+      </p:sp>
+      <p:sp>
+        <p:nvSpPr>
+          <p:cNvPr id="49" name="Rounded Rectangle 48"/>
+          <p:cNvSpPr/>
+          <p:nvPr/>
+        </p:nvSpPr>
+        <p:spPr>
+          <a:xfrm>
+            <a:off x="6441544" y="3019512"/>
+            <a:ext cx="2338917" cy="2917738"/>
+          </a:xfrm>
+          <a:prstGeom prst="roundRect">
+            <a:avLst>
+              <a:gd name="adj" fmla="val 4064"/>
+            </a:avLst>
+          </a:prstGeom>
+          <a:solidFill>
+            <a:schemeClr val="accent4">
+              <a:lumMod val="20000"/>
+              <a:lumOff val="80000"/>
+              <a:alpha val="96000"/>
+            </a:schemeClr>
+          </a:solidFill>
+          <a:ln>
+            <a:solidFill>
+              <a:schemeClr val="accent4">
+                <a:lumMod val="75000"/>
+              </a:schemeClr>
+            </a:solidFill>
+          </a:ln>
+        </p:spPr>
+        <p:style>
+          <a:lnRef idx="1">
+            <a:schemeClr val="accent1"/>
+          </a:lnRef>
+          <a:fillRef idx="3">
+            <a:schemeClr val="accent1"/>
+          </a:fillRef>
+          <a:effectRef idx="2">
+            <a:schemeClr val="accent1"/>
+          </a:effectRef>
+          <a:fontRef idx="minor">
+            <a:schemeClr val="lt1"/>
+          </a:fontRef>
+        </p:style>
+        <p:txBody>
+          <a:bodyPr rtlCol="0" anchor="t"/>
+          <a:lstStyle/>
+          <a:p>
+            <a:pPr algn="ctr"/>
+            <a:r>
+              <a:rPr lang="en-US" dirty="0" smtClean="0">
+                <a:solidFill>
+                  <a:schemeClr val="tx1">
+                    <a:lumMod val="85000"/>
+                    <a:lumOff val="15000"/>
+                  </a:schemeClr>
+                </a:solidFill>
+              </a:rPr>
+              <a:t>Course</a:t>
+            </a:r>
+            <a:endParaRPr lang="en-US" dirty="0">
+              <a:solidFill>
+                <a:schemeClr val="tx1">
+                  <a:lumMod val="85000"/>
+                  <a:lumOff val="15000"/>
+                </a:schemeClr>
+              </a:solidFill>
+            </a:endParaRPr>
+          </a:p>
+        </p:txBody>
+      </p:sp>
+      <p:sp>
+        <p:nvSpPr>
+          <p:cNvPr id="50" name="Rounded Rectangle 49"/>
+          <p:cNvSpPr/>
+          <p:nvPr/>
+        </p:nvSpPr>
+        <p:spPr>
+          <a:xfrm>
+            <a:off x="6585478" y="3760199"/>
+            <a:ext cx="2089150" cy="633002"/>
+          </a:xfrm>
+          <a:prstGeom prst="roundRect">
+            <a:avLst>
+              <a:gd name="adj" fmla="val 9921"/>
+            </a:avLst>
+          </a:prstGeom>
+          <a:solidFill>
+            <a:schemeClr val="accent2">
+              <a:lumMod val="40000"/>
+              <a:lumOff val="60000"/>
+              <a:alpha val="96000"/>
+            </a:schemeClr>
+          </a:solidFill>
+          <a:ln>
+            <a:solidFill>
+              <a:schemeClr val="accent2">
+                <a:lumMod val="50000"/>
+              </a:schemeClr>
+            </a:solidFill>
+          </a:ln>
+        </p:spPr>
+        <p:style>
+          <a:lnRef idx="1">
+            <a:schemeClr val="accent1"/>
+          </a:lnRef>
+          <a:fillRef idx="3">
+            <a:schemeClr val="accent1"/>
+          </a:fillRef>
+          <a:effectRef idx="2">
+            <a:schemeClr val="accent1"/>
+          </a:effectRef>
+          <a:fontRef idx="minor">
+            <a:schemeClr val="lt1"/>
+          </a:fontRef>
+        </p:style>
+        <p:txBody>
+          <a:bodyPr rtlCol="0" anchor="ctr"/>
+          <a:lstStyle/>
+          <a:p>
+            <a:pPr algn="ctr"/>
+            <a:r>
+              <a:rPr lang="en-US" dirty="0" smtClean="0">
+                <a:solidFill>
+                  <a:schemeClr val="tx1">
+                    <a:lumMod val="85000"/>
+                    <a:lumOff val="15000"/>
+                  </a:schemeClr>
+                </a:solidFill>
+              </a:rPr>
+              <a:t>Lab</a:t>
+            </a:r>
+            <a:endParaRPr lang="en-US" dirty="0">
+              <a:solidFill>
+                <a:schemeClr val="tx1">
+                  <a:lumMod val="85000"/>
+                  <a:lumOff val="15000"/>
+                </a:schemeClr>
+              </a:solidFill>
+            </a:endParaRPr>
+          </a:p>
+        </p:txBody>
+      </p:sp>
+      <p:sp>
+        <p:nvSpPr>
+          <p:cNvPr id="51" name="Rounded Rectangle 50"/>
+          <p:cNvSpPr/>
+          <p:nvPr/>
+        </p:nvSpPr>
+        <p:spPr>
+          <a:xfrm>
+            <a:off x="6585478" y="4488177"/>
+            <a:ext cx="2089150" cy="633002"/>
+          </a:xfrm>
+          <a:prstGeom prst="roundRect">
+            <a:avLst>
+              <a:gd name="adj" fmla="val 9921"/>
+            </a:avLst>
+          </a:prstGeom>
+          <a:solidFill>
+            <a:srgbClr val="E6B9B8">
+              <a:alpha val="96000"/>
+            </a:srgbClr>
+          </a:solidFill>
+          <a:ln>
+            <a:solidFill>
+              <a:srgbClr val="632523"/>
+            </a:solidFill>
+          </a:ln>
+        </p:spPr>
+        <p:style>
+          <a:lnRef idx="1">
+            <a:schemeClr val="accent1"/>
+          </a:lnRef>
+          <a:fillRef idx="3">
+            <a:schemeClr val="accent1"/>
+          </a:fillRef>
+          <a:effectRef idx="2">
+            <a:schemeClr val="accent1"/>
+          </a:effectRef>
+          <a:fontRef idx="minor">
+            <a:schemeClr val="lt1"/>
+          </a:fontRef>
+        </p:style>
+        <p:txBody>
+          <a:bodyPr rtlCol="0" anchor="ctr"/>
+          <a:lstStyle/>
+          <a:p>
+            <a:pPr algn="ctr"/>
+            <a:r>
+              <a:rPr lang="en-US" dirty="0" smtClean="0">
+                <a:solidFill>
+                  <a:schemeClr val="tx1">
+                    <a:lumMod val="85000"/>
+                    <a:lumOff val="15000"/>
+                  </a:schemeClr>
+                </a:solidFill>
+              </a:rPr>
+              <a:t>Lecture</a:t>
+            </a:r>
+            <a:endParaRPr lang="en-US" dirty="0">
+              <a:solidFill>
+                <a:schemeClr val="tx1">
+                  <a:lumMod val="85000"/>
+                  <a:lumOff val="15000"/>
+                </a:schemeClr>
+              </a:solidFill>
+            </a:endParaRPr>
+          </a:p>
+        </p:txBody>
+      </p:sp>
+      <p:sp>
+        <p:nvSpPr>
+          <p:cNvPr id="52" name="Diamond 51"/>
+          <p:cNvSpPr/>
+          <p:nvPr/>
+        </p:nvSpPr>
+        <p:spPr>
+          <a:xfrm>
+            <a:off x="3457365" y="1641533"/>
+            <a:ext cx="2222500" cy="1381125"/>
+          </a:xfrm>
+          <a:prstGeom prst="diamond">
+            <a:avLst/>
+          </a:prstGeom>
+          <a:solidFill>
+            <a:schemeClr val="accent3">
+              <a:lumMod val="40000"/>
+              <a:lumOff val="60000"/>
+            </a:schemeClr>
+          </a:solidFill>
+          <a:ln>
+            <a:solidFill>
+              <a:schemeClr val="accent3">
+                <a:lumMod val="50000"/>
+              </a:schemeClr>
+            </a:solidFill>
+          </a:ln>
+        </p:spPr>
+        <p:style>
+          <a:lnRef idx="1">
+            <a:schemeClr val="accent1"/>
+          </a:lnRef>
+          <a:fillRef idx="3">
+            <a:schemeClr val="accent1"/>
+          </a:fillRef>
+          <a:effectRef idx="2">
+            <a:schemeClr val="accent1"/>
+          </a:effectRef>
+          <a:fontRef idx="minor">
+            <a:schemeClr val="lt1"/>
+          </a:fontRef>
+        </p:style>
+        <p:txBody>
+          <a:bodyPr rtlCol="0" anchor="ctr"/>
+          <a:lstStyle/>
+          <a:p>
+            <a:pPr algn="ctr"/>
+            <a:r>
+              <a:rPr lang="en-US" dirty="0" smtClean="0">
+                <a:solidFill>
+                  <a:schemeClr val="tx1">
+                    <a:lumMod val="85000"/>
+                    <a:lumOff val="15000"/>
+                  </a:schemeClr>
+                </a:solidFill>
+              </a:rPr>
+              <a:t>Unit</a:t>
+            </a:r>
+            <a:endParaRPr lang="en-US" dirty="0">
+              <a:solidFill>
+                <a:schemeClr val="tx1">
+                  <a:lumMod val="85000"/>
+                  <a:lumOff val="15000"/>
+                </a:schemeClr>
+              </a:solidFill>
+            </a:endParaRPr>
+          </a:p>
+        </p:txBody>
+      </p:sp>
+      <p:sp>
+        <p:nvSpPr>
+          <p:cNvPr id="11" name="TextBox 10"/>
+          <p:cNvSpPr txBox="1"/>
+          <p:nvPr/>
+        </p:nvSpPr>
+        <p:spPr>
+          <a:xfrm>
+            <a:off x="7034211" y="2287084"/>
+            <a:ext cx="990212" cy="369332"/>
+          </a:xfrm>
+          <a:prstGeom prst="rect">
+            <a:avLst/>
+          </a:prstGeom>
+          <a:noFill/>
+        </p:spPr>
+        <p:txBody>
+          <a:bodyPr wrap="none" rtlCol="0">
+            <a:spAutoFit/>
+          </a:bodyPr>
+          <a:lstStyle/>
+          <a:p>
+            <a:r>
+              <a:rPr lang="en-US" dirty="0" smtClean="0"/>
+              <a:t>Program</a:t>
+            </a:r>
+            <a:endParaRPr lang="en-US" dirty="0"/>
+          </a:p>
+        </p:txBody>
+      </p:sp>
+      <p:sp>
+        <p:nvSpPr>
+          <p:cNvPr id="33" name="Rounded Rectangle 32"/>
+          <p:cNvSpPr/>
+          <p:nvPr/>
+        </p:nvSpPr>
+        <p:spPr>
+          <a:xfrm>
+            <a:off x="368190" y="2324499"/>
+            <a:ext cx="2514600" cy="1244233"/>
+          </a:xfrm>
+          <a:prstGeom prst="roundRect">
+            <a:avLst>
+              <a:gd name="adj" fmla="val 9921"/>
+            </a:avLst>
+          </a:prstGeom>
+          <a:solidFill>
+            <a:schemeClr val="accent4">
+              <a:lumMod val="20000"/>
+              <a:lumOff val="80000"/>
+              <a:alpha val="96000"/>
+            </a:schemeClr>
+          </a:solidFill>
+          <a:ln>
+            <a:solidFill>
+              <a:schemeClr val="accent4">
+                <a:lumMod val="75000"/>
+              </a:schemeClr>
+            </a:solidFill>
+          </a:ln>
+        </p:spPr>
+        <p:style>
+          <a:lnRef idx="1">
+            <a:schemeClr val="accent1"/>
+          </a:lnRef>
+          <a:fillRef idx="3">
+            <a:schemeClr val="accent1"/>
+          </a:fillRef>
+          <a:effectRef idx="2">
+            <a:schemeClr val="accent1"/>
+          </a:effectRef>
+          <a:fontRef idx="minor">
+            <a:schemeClr val="lt1"/>
+          </a:fontRef>
+        </p:style>
+        <p:txBody>
+          <a:bodyPr rtlCol="0" anchor="t"/>
+          <a:lstStyle/>
+          <a:p>
+            <a:pPr algn="ctr"/>
+            <a:r>
+              <a:rPr lang="en-US" dirty="0" smtClean="0">
+                <a:solidFill>
+                  <a:schemeClr val="tx1">
+                    <a:lumMod val="85000"/>
+                    <a:lumOff val="15000"/>
+                  </a:schemeClr>
+                </a:solidFill>
+              </a:rPr>
+              <a:t>(Short) Course</a:t>
+            </a:r>
+            <a:endParaRPr lang="en-US" dirty="0">
+              <a:solidFill>
+                <a:schemeClr val="tx1">
+                  <a:lumMod val="85000"/>
+                  <a:lumOff val="15000"/>
+                </a:schemeClr>
+              </a:solidFill>
+            </a:endParaRPr>
+          </a:p>
+        </p:txBody>
+      </p:sp>
+      <p:sp>
+        <p:nvSpPr>
+          <p:cNvPr id="34" name="Rounded Rectangle 33"/>
+          <p:cNvSpPr/>
+          <p:nvPr/>
+        </p:nvSpPr>
+        <p:spPr>
+          <a:xfrm>
+            <a:off x="368190" y="3855175"/>
+            <a:ext cx="2514600" cy="1487425"/>
+          </a:xfrm>
+          <a:prstGeom prst="roundRect">
+            <a:avLst>
+              <a:gd name="adj" fmla="val 9921"/>
+            </a:avLst>
+          </a:prstGeom>
+          <a:solidFill>
+            <a:schemeClr val="accent4">
+              <a:lumMod val="20000"/>
+              <a:lumOff val="80000"/>
+              <a:alpha val="96000"/>
+            </a:schemeClr>
+          </a:solidFill>
+          <a:ln>
+            <a:solidFill>
+              <a:schemeClr val="accent4">
+                <a:lumMod val="75000"/>
+              </a:schemeClr>
+            </a:solidFill>
+          </a:ln>
+        </p:spPr>
+        <p:style>
+          <a:lnRef idx="1">
+            <a:schemeClr val="accent1"/>
+          </a:lnRef>
+          <a:fillRef idx="3">
+            <a:schemeClr val="accent1"/>
+          </a:fillRef>
+          <a:effectRef idx="2">
+            <a:schemeClr val="accent1"/>
+          </a:effectRef>
+          <a:fontRef idx="minor">
+            <a:schemeClr val="lt1"/>
+          </a:fontRef>
+        </p:style>
+        <p:txBody>
+          <a:bodyPr rtlCol="0" anchor="t"/>
+          <a:lstStyle/>
+          <a:p>
+            <a:pPr algn="ctr"/>
+            <a:r>
+              <a:rPr lang="en-US" dirty="0" smtClean="0">
+                <a:solidFill>
+                  <a:schemeClr val="tx1">
+                    <a:lumMod val="85000"/>
+                    <a:lumOff val="15000"/>
+                  </a:schemeClr>
+                </a:solidFill>
+              </a:rPr>
+              <a:t>Workshop</a:t>
+            </a:r>
+            <a:endParaRPr lang="en-US" dirty="0">
+              <a:solidFill>
+                <a:schemeClr val="tx1">
+                  <a:lumMod val="85000"/>
+                  <a:lumOff val="15000"/>
+                </a:schemeClr>
+              </a:solidFill>
+            </a:endParaRPr>
+          </a:p>
+        </p:txBody>
+      </p:sp>
+      <p:sp>
+        <p:nvSpPr>
+          <p:cNvPr id="35" name="Rounded Rectangle 34"/>
+          <p:cNvSpPr/>
+          <p:nvPr/>
+        </p:nvSpPr>
+        <p:spPr>
+          <a:xfrm>
+            <a:off x="368190" y="5529791"/>
+            <a:ext cx="2514600" cy="814918"/>
+          </a:xfrm>
+          <a:prstGeom prst="roundRect">
+            <a:avLst>
+              <a:gd name="adj" fmla="val 9921"/>
+            </a:avLst>
+          </a:prstGeom>
+          <a:solidFill>
+            <a:schemeClr val="accent4">
+              <a:lumMod val="20000"/>
+              <a:lumOff val="80000"/>
+              <a:alpha val="96000"/>
+            </a:schemeClr>
+          </a:solidFill>
+          <a:ln>
+            <a:solidFill>
+              <a:schemeClr val="accent4">
+                <a:lumMod val="75000"/>
+              </a:schemeClr>
+            </a:solidFill>
+          </a:ln>
+        </p:spPr>
+        <p:style>
+          <a:lnRef idx="1">
+            <a:schemeClr val="accent1"/>
+          </a:lnRef>
+          <a:fillRef idx="3">
+            <a:schemeClr val="accent1"/>
+          </a:fillRef>
+          <a:effectRef idx="2">
+            <a:schemeClr val="accent1"/>
+          </a:effectRef>
+          <a:fontRef idx="minor">
+            <a:schemeClr val="lt1"/>
+          </a:fontRef>
+        </p:style>
+        <p:txBody>
+          <a:bodyPr rtlCol="0" anchor="ctr"/>
+          <a:lstStyle/>
+          <a:p>
+            <a:pPr algn="ctr"/>
+            <a:r>
+              <a:rPr lang="en-US" dirty="0" smtClean="0">
+                <a:solidFill>
+                  <a:schemeClr val="tx1">
+                    <a:lumMod val="85000"/>
+                    <a:lumOff val="15000"/>
+                  </a:schemeClr>
+                </a:solidFill>
+              </a:rPr>
+              <a:t>Seminar</a:t>
+            </a:r>
+            <a:endParaRPr lang="en-US" dirty="0">
+              <a:solidFill>
+                <a:schemeClr val="tx1">
+                  <a:lumMod val="85000"/>
+                  <a:lumOff val="15000"/>
+                </a:schemeClr>
+              </a:solidFill>
+            </a:endParaRPr>
+          </a:p>
+        </p:txBody>
+      </p:sp>
+      <p:sp>
+        <p:nvSpPr>
+          <p:cNvPr id="38" name="Rounded Rectangle 37"/>
+          <p:cNvSpPr/>
+          <p:nvPr/>
+        </p:nvSpPr>
+        <p:spPr>
+          <a:xfrm>
+            <a:off x="6585478" y="5207567"/>
+            <a:ext cx="2089150" cy="633002"/>
+          </a:xfrm>
+          <a:prstGeom prst="roundRect">
+            <a:avLst>
+              <a:gd name="adj" fmla="val 9921"/>
+            </a:avLst>
+          </a:prstGeom>
+          <a:solidFill>
+            <a:srgbClr val="E6B9B8">
+              <a:alpha val="96000"/>
+            </a:srgbClr>
+          </a:solidFill>
+          <a:ln>
+            <a:solidFill>
+              <a:srgbClr val="632523"/>
+            </a:solidFill>
+          </a:ln>
+        </p:spPr>
+        <p:style>
+          <a:lnRef idx="1">
+            <a:schemeClr val="accent1"/>
+          </a:lnRef>
+          <a:fillRef idx="3">
+            <a:schemeClr val="accent1"/>
+          </a:fillRef>
+          <a:effectRef idx="2">
+            <a:schemeClr val="accent1"/>
+          </a:effectRef>
+          <a:fontRef idx="minor">
+            <a:schemeClr val="lt1"/>
+          </a:fontRef>
+        </p:style>
+        <p:txBody>
+          <a:bodyPr rtlCol="0" anchor="ctr"/>
+          <a:lstStyle/>
+          <a:p>
+            <a:pPr algn="ctr"/>
+            <a:r>
+              <a:rPr lang="en-US" dirty="0" smtClean="0">
+                <a:solidFill>
+                  <a:schemeClr val="tx1">
+                    <a:lumMod val="85000"/>
+                    <a:lumOff val="15000"/>
+                  </a:schemeClr>
+                </a:solidFill>
+              </a:rPr>
+              <a:t>Discussion</a:t>
+            </a:r>
+            <a:endParaRPr lang="en-US" dirty="0">
+              <a:solidFill>
+                <a:schemeClr val="tx1">
+                  <a:lumMod val="85000"/>
+                  <a:lumOff val="15000"/>
+                </a:schemeClr>
+              </a:solidFill>
+            </a:endParaRPr>
+          </a:p>
+        </p:txBody>
+      </p:sp>
+      <p:sp>
+        <p:nvSpPr>
+          <p:cNvPr id="13" name="Oval 12"/>
+          <p:cNvSpPr/>
+          <p:nvPr/>
+        </p:nvSpPr>
+        <p:spPr>
+          <a:xfrm>
+            <a:off x="3393867" y="4621680"/>
+            <a:ext cx="1311485" cy="1034509"/>
+          </a:xfrm>
+          <a:prstGeom prst="ellipse">
+            <a:avLst/>
+          </a:prstGeom>
+        </p:spPr>
+        <p:style>
+          <a:lnRef idx="1">
+            <a:schemeClr val="accent1"/>
+          </a:lnRef>
+          <a:fillRef idx="3">
+            <a:schemeClr val="accent1"/>
+          </a:fillRef>
+          <a:effectRef idx="2">
+            <a:schemeClr val="accent1"/>
+          </a:effectRef>
+          <a:fontRef idx="minor">
+            <a:schemeClr val="lt1"/>
+          </a:fontRef>
+        </p:style>
+        <p:txBody>
+          <a:bodyPr rtlCol="0" anchor="ctr"/>
+          <a:lstStyle/>
+          <a:p>
+            <a:pPr algn="ctr"/>
+            <a:r>
+              <a:rPr lang="en-US" dirty="0" smtClean="0"/>
+              <a:t>Data</a:t>
+            </a:r>
+            <a:endParaRPr lang="en-US" dirty="0"/>
+          </a:p>
+        </p:txBody>
+      </p:sp>
+      <p:sp>
+        <p:nvSpPr>
+          <p:cNvPr id="40" name="Oval 39"/>
+          <p:cNvSpPr/>
+          <p:nvPr/>
+        </p:nvSpPr>
+        <p:spPr>
+          <a:xfrm>
+            <a:off x="4470412" y="4621681"/>
+            <a:ext cx="1305538" cy="1029818"/>
+          </a:xfrm>
+          <a:prstGeom prst="ellipse">
+            <a:avLst/>
+          </a:prstGeom>
+        </p:spPr>
+        <p:style>
+          <a:lnRef idx="1">
+            <a:schemeClr val="accent1"/>
+          </a:lnRef>
+          <a:fillRef idx="3">
+            <a:schemeClr val="accent1"/>
+          </a:fillRef>
+          <a:effectRef idx="2">
+            <a:schemeClr val="accent1"/>
+          </a:effectRef>
+          <a:fontRef idx="minor">
+            <a:schemeClr val="lt1"/>
+          </a:fontRef>
+        </p:style>
+        <p:txBody>
+          <a:bodyPr rtlCol="0" anchor="ctr"/>
+          <a:lstStyle/>
+          <a:p>
+            <a:pPr algn="ctr"/>
+            <a:r>
+              <a:rPr lang="en-US" dirty="0" smtClean="0"/>
+              <a:t>Code</a:t>
+            </a:r>
+            <a:endParaRPr lang="en-US" dirty="0"/>
+          </a:p>
+        </p:txBody>
+      </p:sp>
+      <p:sp>
+        <p:nvSpPr>
+          <p:cNvPr id="43" name="Rounded Rectangle 42"/>
+          <p:cNvSpPr/>
+          <p:nvPr/>
+        </p:nvSpPr>
+        <p:spPr>
+          <a:xfrm>
+            <a:off x="542715" y="4488177"/>
+            <a:ext cx="2089150" cy="633002"/>
+          </a:xfrm>
+          <a:prstGeom prst="roundRect">
+            <a:avLst>
+              <a:gd name="adj" fmla="val 9921"/>
+            </a:avLst>
+          </a:prstGeom>
+          <a:solidFill>
+            <a:srgbClr val="E6B9B8">
+              <a:alpha val="96000"/>
+            </a:srgbClr>
+          </a:solidFill>
+          <a:ln>
+            <a:solidFill>
+              <a:srgbClr val="632523"/>
+            </a:solidFill>
+          </a:ln>
+        </p:spPr>
+        <p:style>
+          <a:lnRef idx="1">
+            <a:schemeClr val="accent1"/>
+          </a:lnRef>
+          <a:fillRef idx="3">
+            <a:schemeClr val="accent1"/>
+          </a:fillRef>
+          <a:effectRef idx="2">
+            <a:schemeClr val="accent1"/>
+          </a:effectRef>
+          <a:fontRef idx="minor">
+            <a:schemeClr val="lt1"/>
+          </a:fontRef>
+        </p:style>
+        <p:txBody>
+          <a:bodyPr rtlCol="0" anchor="ctr"/>
+          <a:lstStyle/>
+          <a:p>
+            <a:pPr algn="ctr"/>
+            <a:r>
+              <a:rPr lang="en-US" dirty="0" smtClean="0">
+                <a:solidFill>
+                  <a:schemeClr val="tx1">
+                    <a:lumMod val="85000"/>
+                    <a:lumOff val="15000"/>
+                  </a:schemeClr>
+                </a:solidFill>
+              </a:rPr>
+              <a:t>Hands-on Activity</a:t>
+            </a:r>
+            <a:endParaRPr lang="en-US" dirty="0">
+              <a:solidFill>
+                <a:schemeClr val="tx1">
+                  <a:lumMod val="85000"/>
+                  <a:lumOff val="15000"/>
+                </a:schemeClr>
+              </a:solidFill>
+            </a:endParaRPr>
+          </a:p>
+        </p:txBody>
+      </p:sp>
+      <p:sp>
+        <p:nvSpPr>
+          <p:cNvPr id="44" name="Rounded Rectangle 43"/>
+          <p:cNvSpPr/>
+          <p:nvPr/>
+        </p:nvSpPr>
+        <p:spPr>
+          <a:xfrm>
+            <a:off x="542715" y="2757153"/>
+            <a:ext cx="2089150" cy="633002"/>
+          </a:xfrm>
+          <a:prstGeom prst="roundRect">
+            <a:avLst>
+              <a:gd name="adj" fmla="val 9921"/>
+            </a:avLst>
+          </a:prstGeom>
+          <a:solidFill>
+            <a:srgbClr val="E6B9B8">
+              <a:alpha val="96000"/>
+            </a:srgbClr>
+          </a:solidFill>
+          <a:ln>
+            <a:solidFill>
+              <a:srgbClr val="632523"/>
+            </a:solidFill>
+          </a:ln>
+        </p:spPr>
+        <p:style>
+          <a:lnRef idx="1">
+            <a:schemeClr val="accent1"/>
+          </a:lnRef>
+          <a:fillRef idx="3">
+            <a:schemeClr val="accent1"/>
+          </a:fillRef>
+          <a:effectRef idx="2">
+            <a:schemeClr val="accent1"/>
+          </a:effectRef>
+          <a:fontRef idx="minor">
+            <a:schemeClr val="lt1"/>
+          </a:fontRef>
+        </p:style>
+        <p:txBody>
+          <a:bodyPr rtlCol="0" anchor="ctr"/>
+          <a:lstStyle/>
+          <a:p>
+            <a:pPr algn="ctr"/>
+            <a:r>
+              <a:rPr lang="en-US" dirty="0" smtClean="0">
+                <a:solidFill>
+                  <a:schemeClr val="tx1">
+                    <a:lumMod val="85000"/>
+                    <a:lumOff val="15000"/>
+                  </a:schemeClr>
+                </a:solidFill>
+              </a:rPr>
+              <a:t>Group Project</a:t>
+            </a:r>
+            <a:endParaRPr lang="en-US" dirty="0">
+              <a:solidFill>
+                <a:schemeClr val="tx1">
+                  <a:lumMod val="85000"/>
+                  <a:lumOff val="15000"/>
+                </a:schemeClr>
+              </a:solidFill>
+            </a:endParaRPr>
+          </a:p>
+        </p:txBody>
+      </p:sp>
+      <p:sp>
+        <p:nvSpPr>
+          <p:cNvPr id="58" name="Diamond 57"/>
+          <p:cNvSpPr/>
+          <p:nvPr/>
+        </p:nvSpPr>
+        <p:spPr>
+          <a:xfrm>
+            <a:off x="3457365" y="3069636"/>
+            <a:ext cx="2222500" cy="1381125"/>
+          </a:xfrm>
+          <a:prstGeom prst="diamond">
+            <a:avLst/>
+          </a:prstGeom>
+          <a:solidFill>
+            <a:schemeClr val="accent3">
+              <a:lumMod val="40000"/>
+              <a:lumOff val="60000"/>
+            </a:schemeClr>
+          </a:solidFill>
+          <a:ln>
+            <a:solidFill>
+              <a:schemeClr val="accent3">
+                <a:lumMod val="50000"/>
+              </a:schemeClr>
+            </a:solidFill>
+          </a:ln>
+        </p:spPr>
+        <p:style>
+          <a:lnRef idx="1">
+            <a:schemeClr val="accent1"/>
+          </a:lnRef>
+          <a:fillRef idx="3">
+            <a:schemeClr val="accent1"/>
+          </a:fillRef>
+          <a:effectRef idx="2">
+            <a:schemeClr val="accent1"/>
+          </a:effectRef>
+          <a:fontRef idx="minor">
+            <a:schemeClr val="lt1"/>
+          </a:fontRef>
+        </p:style>
+        <p:txBody>
+          <a:bodyPr rtlCol="0" anchor="ctr"/>
+          <a:lstStyle/>
+          <a:p>
+            <a:pPr algn="ctr"/>
+            <a:r>
+              <a:rPr lang="en-US" dirty="0" smtClean="0">
+                <a:solidFill>
+                  <a:schemeClr val="tx1">
+                    <a:lumMod val="85000"/>
+                    <a:lumOff val="15000"/>
+                  </a:schemeClr>
+                </a:solidFill>
+              </a:rPr>
+              <a:t>Lesson</a:t>
+            </a:r>
+            <a:endParaRPr lang="en-US" dirty="0">
+              <a:solidFill>
+                <a:schemeClr val="tx1">
+                  <a:lumMod val="85000"/>
+                  <a:lumOff val="15000"/>
+                </a:schemeClr>
+              </a:solidFill>
+            </a:endParaRPr>
+          </a:p>
+        </p:txBody>
+      </p:sp>
+    </p:spTree>
+    <p:extLst>
+      <p:ext uri="{BB962C8B-B14F-4D97-AF65-F5344CB8AC3E}">
+        <p14:creationId xmlns:p14="http://schemas.microsoft.com/office/powerpoint/2010/main" val="1816265108"/>
+      </p:ext>
+    </p:extLst>
+  </p:cSld>
+  <p:clrMapOvr>
+    <a:masterClrMapping/>
+  </p:clrMapOvr>
+  <p:timing>
+    <p:tnLst>
+      <p:par>
+        <p:cTn xmlns:p14="http://schemas.microsoft.com/office/powerpoint/2010/main" id="1" dur="indefinite" restart="never" nodeType="tmRoot"/>
+      </p:par>
+    </p:tnLst>
+  </p:timing>
+</p:sld>
+</file>
+
+<file path=ppt/slides/slide5.xml><?xml version="1.0" encoding="utf-8"?>
+<p:sld xmlns:a="http://schemas.openxmlformats.org/drawingml/2006/main" xmlns:r="http://schemas.openxmlformats.org/officeDocument/2006/relationships" xmlns:p="http://schemas.openxmlformats.org/presentationml/2006/main">
+  <p:cSld>
+    <p:spTree>
+      <p:nvGrpSpPr>
+        <p:cNvPr id="1" name=""/>
+        <p:cNvGrpSpPr/>
+        <p:nvPr/>
+      </p:nvGrpSpPr>
+      <p:grpSpPr>
+        <a:xfrm>
+          <a:off x="0" y="0"/>
+          <a:ext cx="0" cy="0"/>
+          <a:chOff x="0" y="0"/>
+          <a:chExt cx="0" cy="0"/>
+        </a:xfrm>
+      </p:grpSpPr>
+      <p:sp>
+        <p:nvSpPr>
+          <p:cNvPr id="19" name="Rounded Rectangle 18"/>
+          <p:cNvSpPr/>
+          <p:nvPr/>
+        </p:nvSpPr>
+        <p:spPr>
+          <a:xfrm>
+            <a:off x="296333" y="1499915"/>
+            <a:ext cx="2651125" cy="5166901"/>
+          </a:xfrm>
+          <a:prstGeom prst="roundRect">
+            <a:avLst>
+              <a:gd name="adj" fmla="val 4048"/>
+            </a:avLst>
+          </a:prstGeom>
+          <a:solidFill>
+            <a:schemeClr val="accent5">
+              <a:lumMod val="20000"/>
+              <a:lumOff val="80000"/>
+            </a:schemeClr>
+          </a:solidFill>
+          <a:ln>
+            <a:solidFill>
+              <a:schemeClr val="accent5">
+                <a:lumMod val="50000"/>
+              </a:schemeClr>
+            </a:solidFill>
+          </a:ln>
+        </p:spPr>
+        <p:style>
+          <a:lnRef idx="1">
+            <a:schemeClr val="accent1"/>
+          </a:lnRef>
+          <a:fillRef idx="3">
+            <a:schemeClr val="accent1"/>
+          </a:fillRef>
+          <a:effectRef idx="2">
+            <a:schemeClr val="accent1"/>
+          </a:effectRef>
+          <a:fontRef idx="minor">
+            <a:schemeClr val="lt1"/>
+          </a:fontRef>
+        </p:style>
+        <p:txBody>
+          <a:bodyPr rtlCol="0" anchor="t"/>
+          <a:lstStyle/>
+          <a:p>
+            <a:pPr algn="ctr"/>
+            <a:r>
+              <a:rPr lang="en-US" sz="2600" b="1" dirty="0" smtClean="0">
+                <a:solidFill>
+                  <a:schemeClr val="tx1">
+                    <a:lumMod val="85000"/>
+                    <a:lumOff val="15000"/>
+                  </a:schemeClr>
+                </a:solidFill>
+              </a:rPr>
+              <a:t>Open Ed</a:t>
+            </a:r>
+            <a:endParaRPr lang="en-US" sz="2600" b="1" dirty="0">
+              <a:solidFill>
+                <a:schemeClr val="tx1">
+                  <a:lumMod val="85000"/>
+                  <a:lumOff val="15000"/>
+                </a:schemeClr>
+              </a:solidFill>
+            </a:endParaRPr>
+          </a:p>
+        </p:txBody>
+      </p:sp>
+      <p:sp>
+        <p:nvSpPr>
+          <p:cNvPr id="2" name="Title 1"/>
+          <p:cNvSpPr>
+            <a:spLocks noGrp="1"/>
+          </p:cNvSpPr>
+          <p:nvPr>
+            <p:ph type="ctrTitle"/>
+          </p:nvPr>
+        </p:nvSpPr>
+        <p:spPr>
+          <a:xfrm>
+            <a:off x="542715" y="-48801"/>
+            <a:ext cx="7772400" cy="1470025"/>
+          </a:xfrm>
+        </p:spPr>
+        <p:txBody>
+          <a:bodyPr>
+            <a:normAutofit/>
+          </a:bodyPr>
+          <a:lstStyle/>
+          <a:p>
+            <a:r>
+              <a:rPr lang="en-US" sz="2800" dirty="0" smtClean="0"/>
+              <a:t>The space of data-intensive education for environmental science</a:t>
+            </a:r>
+            <a:endParaRPr lang="en-US" sz="2800" dirty="0"/>
+          </a:p>
+        </p:txBody>
+      </p:sp>
+      <p:sp>
+        <p:nvSpPr>
+          <p:cNvPr id="3" name="Rounded Rectangle 2"/>
+          <p:cNvSpPr/>
+          <p:nvPr/>
+        </p:nvSpPr>
+        <p:spPr>
+          <a:xfrm>
+            <a:off x="6275916" y="1401174"/>
+            <a:ext cx="2651125" cy="5166901"/>
+          </a:xfrm>
+          <a:prstGeom prst="roundRect">
+            <a:avLst>
+              <a:gd name="adj" fmla="val 4048"/>
+            </a:avLst>
+          </a:prstGeom>
+          <a:solidFill>
+            <a:schemeClr val="accent5">
+              <a:lumMod val="20000"/>
+              <a:lumOff val="80000"/>
+            </a:schemeClr>
+          </a:solidFill>
+          <a:ln>
+            <a:solidFill>
+              <a:schemeClr val="accent5">
+                <a:lumMod val="50000"/>
+              </a:schemeClr>
+            </a:solidFill>
+          </a:ln>
+        </p:spPr>
+        <p:style>
+          <a:lnRef idx="1">
+            <a:schemeClr val="accent1"/>
+          </a:lnRef>
+          <a:fillRef idx="3">
+            <a:schemeClr val="accent1"/>
+          </a:fillRef>
+          <a:effectRef idx="2">
+            <a:schemeClr val="accent1"/>
+          </a:effectRef>
+          <a:fontRef idx="minor">
+            <a:schemeClr val="lt1"/>
+          </a:fontRef>
+        </p:style>
+        <p:txBody>
+          <a:bodyPr rtlCol="0" anchor="t"/>
+          <a:lstStyle/>
+          <a:p>
+            <a:pPr algn="ctr"/>
+            <a:r>
+              <a:rPr lang="en-US" sz="2600" b="1" dirty="0" smtClean="0">
+                <a:solidFill>
+                  <a:schemeClr val="tx1">
+                    <a:lumMod val="85000"/>
+                    <a:lumOff val="15000"/>
+                  </a:schemeClr>
+                </a:solidFill>
+              </a:rPr>
+              <a:t>Traditional Ed</a:t>
+            </a:r>
+            <a:endParaRPr lang="en-US" sz="2600" b="1" dirty="0">
+              <a:solidFill>
+                <a:schemeClr val="tx1">
+                  <a:lumMod val="85000"/>
+                  <a:lumOff val="15000"/>
+                </a:schemeClr>
+              </a:solidFill>
+            </a:endParaRPr>
+          </a:p>
+        </p:txBody>
+      </p:sp>
+      <p:sp>
+        <p:nvSpPr>
+          <p:cNvPr id="42" name="Rounded Rectangle 41"/>
+          <p:cNvSpPr/>
+          <p:nvPr/>
+        </p:nvSpPr>
+        <p:spPr>
+          <a:xfrm>
+            <a:off x="6344178" y="2000249"/>
+            <a:ext cx="2514600" cy="4212168"/>
+          </a:xfrm>
+          <a:prstGeom prst="roundRect">
+            <a:avLst>
+              <a:gd name="adj" fmla="val 9921"/>
+            </a:avLst>
+          </a:prstGeom>
+          <a:solidFill>
+            <a:schemeClr val="accent4">
+              <a:lumMod val="20000"/>
+              <a:lumOff val="80000"/>
+              <a:alpha val="96000"/>
+            </a:schemeClr>
+          </a:solidFill>
+          <a:ln>
+            <a:solidFill>
+              <a:schemeClr val="accent4">
+                <a:lumMod val="75000"/>
+              </a:schemeClr>
+            </a:solidFill>
+          </a:ln>
+        </p:spPr>
+        <p:style>
+          <a:lnRef idx="1">
+            <a:schemeClr val="accent1"/>
+          </a:lnRef>
+          <a:fillRef idx="3">
+            <a:schemeClr val="accent1"/>
+          </a:fillRef>
+          <a:effectRef idx="2">
+            <a:schemeClr val="accent1"/>
+          </a:effectRef>
+          <a:fontRef idx="minor">
+            <a:schemeClr val="lt1"/>
+          </a:fontRef>
+        </p:style>
+        <p:txBody>
+          <a:bodyPr rtlCol="0" anchor="ctr"/>
+          <a:lstStyle/>
+          <a:p>
+            <a:pPr algn="ctr"/>
+            <a:r>
+              <a:rPr lang="en-US" dirty="0" smtClean="0">
+                <a:solidFill>
+                  <a:schemeClr val="tx1">
+                    <a:lumMod val="85000"/>
+                    <a:lumOff val="15000"/>
+                  </a:schemeClr>
+                </a:solidFill>
+              </a:rPr>
+              <a:t>Quantitative</a:t>
+            </a:r>
+            <a:br>
+              <a:rPr lang="en-US" dirty="0" smtClean="0">
+                <a:solidFill>
+                  <a:schemeClr val="tx1">
+                    <a:lumMod val="85000"/>
+                    <a:lumOff val="15000"/>
+                  </a:schemeClr>
+                </a:solidFill>
+              </a:rPr>
+            </a:br>
+            <a:r>
+              <a:rPr lang="en-US" dirty="0" smtClean="0">
+                <a:solidFill>
+                  <a:schemeClr val="tx1">
+                    <a:lumMod val="85000"/>
+                    <a:lumOff val="15000"/>
+                  </a:schemeClr>
+                </a:solidFill>
+              </a:rPr>
+              <a:t>Courses</a:t>
+            </a:r>
+            <a:endParaRPr lang="en-US" dirty="0">
+              <a:solidFill>
+                <a:schemeClr val="tx1">
+                  <a:lumMod val="85000"/>
+                  <a:lumOff val="15000"/>
+                </a:schemeClr>
+              </a:solidFill>
+            </a:endParaRPr>
+          </a:p>
+        </p:txBody>
+      </p:sp>
+      <p:sp>
+        <p:nvSpPr>
+          <p:cNvPr id="49" name="Rounded Rectangle 48"/>
+          <p:cNvSpPr/>
+          <p:nvPr/>
+        </p:nvSpPr>
+        <p:spPr>
+          <a:xfrm>
+            <a:off x="6441544" y="3019512"/>
+            <a:ext cx="2338917" cy="2917738"/>
+          </a:xfrm>
+          <a:prstGeom prst="roundRect">
+            <a:avLst>
+              <a:gd name="adj" fmla="val 4064"/>
+            </a:avLst>
+          </a:prstGeom>
+          <a:solidFill>
+            <a:schemeClr val="accent4">
+              <a:lumMod val="20000"/>
+              <a:lumOff val="80000"/>
+              <a:alpha val="96000"/>
+            </a:schemeClr>
+          </a:solidFill>
+          <a:ln>
+            <a:solidFill>
+              <a:schemeClr val="accent4">
+                <a:lumMod val="75000"/>
+              </a:schemeClr>
+            </a:solidFill>
+          </a:ln>
+        </p:spPr>
+        <p:style>
+          <a:lnRef idx="1">
+            <a:schemeClr val="accent1"/>
+          </a:lnRef>
+          <a:fillRef idx="3">
+            <a:schemeClr val="accent1"/>
+          </a:fillRef>
+          <a:effectRef idx="2">
+            <a:schemeClr val="accent1"/>
+          </a:effectRef>
+          <a:fontRef idx="minor">
+            <a:schemeClr val="lt1"/>
+          </a:fontRef>
+        </p:style>
+        <p:txBody>
+          <a:bodyPr rtlCol="0" anchor="t"/>
+          <a:lstStyle/>
+          <a:p>
+            <a:pPr algn="ctr"/>
+            <a:r>
+              <a:rPr lang="en-US" dirty="0" smtClean="0">
+                <a:solidFill>
+                  <a:schemeClr val="tx1">
+                    <a:lumMod val="85000"/>
+                    <a:lumOff val="15000"/>
+                  </a:schemeClr>
+                </a:solidFill>
+              </a:rPr>
+              <a:t>Course</a:t>
+            </a:r>
+            <a:endParaRPr lang="en-US" dirty="0">
+              <a:solidFill>
+                <a:schemeClr val="tx1">
+                  <a:lumMod val="85000"/>
+                  <a:lumOff val="15000"/>
+                </a:schemeClr>
+              </a:solidFill>
+            </a:endParaRPr>
+          </a:p>
+        </p:txBody>
+      </p:sp>
+      <p:sp>
+        <p:nvSpPr>
+          <p:cNvPr id="50" name="Rounded Rectangle 49"/>
+          <p:cNvSpPr/>
+          <p:nvPr/>
+        </p:nvSpPr>
+        <p:spPr>
+          <a:xfrm>
+            <a:off x="6585478" y="3760199"/>
+            <a:ext cx="2089150" cy="633002"/>
+          </a:xfrm>
+          <a:prstGeom prst="roundRect">
+            <a:avLst>
+              <a:gd name="adj" fmla="val 9921"/>
+            </a:avLst>
+          </a:prstGeom>
+          <a:solidFill>
+            <a:schemeClr val="accent2">
+              <a:lumMod val="40000"/>
+              <a:lumOff val="60000"/>
+              <a:alpha val="96000"/>
+            </a:schemeClr>
+          </a:solidFill>
+          <a:ln>
+            <a:solidFill>
+              <a:schemeClr val="accent2">
+                <a:lumMod val="50000"/>
+              </a:schemeClr>
+            </a:solidFill>
+          </a:ln>
+        </p:spPr>
+        <p:style>
+          <a:lnRef idx="1">
+            <a:schemeClr val="accent1"/>
+          </a:lnRef>
+          <a:fillRef idx="3">
+            <a:schemeClr val="accent1"/>
+          </a:fillRef>
+          <a:effectRef idx="2">
+            <a:schemeClr val="accent1"/>
+          </a:effectRef>
+          <a:fontRef idx="minor">
+            <a:schemeClr val="lt1"/>
+          </a:fontRef>
+        </p:style>
+        <p:txBody>
+          <a:bodyPr rtlCol="0" anchor="ctr"/>
+          <a:lstStyle/>
+          <a:p>
+            <a:pPr algn="ctr"/>
+            <a:r>
+              <a:rPr lang="en-US" dirty="0" smtClean="0">
+                <a:solidFill>
+                  <a:schemeClr val="tx1">
+                    <a:lumMod val="85000"/>
+                    <a:lumOff val="15000"/>
+                  </a:schemeClr>
+                </a:solidFill>
+              </a:rPr>
+              <a:t>Lab</a:t>
+            </a:r>
+            <a:endParaRPr lang="en-US" dirty="0">
+              <a:solidFill>
+                <a:schemeClr val="tx1">
+                  <a:lumMod val="85000"/>
+                  <a:lumOff val="15000"/>
+                </a:schemeClr>
+              </a:solidFill>
+            </a:endParaRPr>
+          </a:p>
+        </p:txBody>
+      </p:sp>
+      <p:sp>
+        <p:nvSpPr>
+          <p:cNvPr id="51" name="Rounded Rectangle 50"/>
+          <p:cNvSpPr/>
+          <p:nvPr/>
+        </p:nvSpPr>
+        <p:spPr>
+          <a:xfrm>
+            <a:off x="6585478" y="4488177"/>
+            <a:ext cx="2089150" cy="633002"/>
+          </a:xfrm>
+          <a:prstGeom prst="roundRect">
+            <a:avLst>
+              <a:gd name="adj" fmla="val 9921"/>
+            </a:avLst>
+          </a:prstGeom>
+          <a:solidFill>
+            <a:srgbClr val="E6B9B8">
+              <a:alpha val="96000"/>
+            </a:srgbClr>
+          </a:solidFill>
+          <a:ln>
+            <a:solidFill>
+              <a:srgbClr val="632523"/>
+            </a:solidFill>
+          </a:ln>
+        </p:spPr>
+        <p:style>
+          <a:lnRef idx="1">
+            <a:schemeClr val="accent1"/>
+          </a:lnRef>
+          <a:fillRef idx="3">
+            <a:schemeClr val="accent1"/>
+          </a:fillRef>
+          <a:effectRef idx="2">
+            <a:schemeClr val="accent1"/>
+          </a:effectRef>
+          <a:fontRef idx="minor">
+            <a:schemeClr val="lt1"/>
+          </a:fontRef>
+        </p:style>
+        <p:txBody>
+          <a:bodyPr rtlCol="0" anchor="ctr"/>
+          <a:lstStyle/>
+          <a:p>
+            <a:pPr algn="ctr"/>
+            <a:r>
+              <a:rPr lang="en-US" dirty="0" smtClean="0">
+                <a:solidFill>
+                  <a:schemeClr val="tx1">
+                    <a:lumMod val="85000"/>
+                    <a:lumOff val="15000"/>
+                  </a:schemeClr>
+                </a:solidFill>
+              </a:rPr>
+              <a:t>Lecture</a:t>
+            </a:r>
+            <a:endParaRPr lang="en-US" dirty="0">
+              <a:solidFill>
+                <a:schemeClr val="tx1">
+                  <a:lumMod val="85000"/>
+                  <a:lumOff val="15000"/>
+                </a:schemeClr>
+              </a:solidFill>
+            </a:endParaRPr>
+          </a:p>
+        </p:txBody>
+      </p:sp>
+      <p:sp>
+        <p:nvSpPr>
+          <p:cNvPr id="52" name="Diamond 51"/>
+          <p:cNvSpPr/>
+          <p:nvPr/>
+        </p:nvSpPr>
+        <p:spPr>
+          <a:xfrm>
+            <a:off x="3200100" y="1641533"/>
+            <a:ext cx="2640384" cy="2980147"/>
+          </a:xfrm>
+          <a:prstGeom prst="diamond">
+            <a:avLst/>
+          </a:prstGeom>
+          <a:solidFill>
+            <a:schemeClr val="accent3">
+              <a:lumMod val="40000"/>
+              <a:lumOff val="60000"/>
+            </a:schemeClr>
+          </a:solidFill>
+          <a:ln>
+            <a:solidFill>
+              <a:schemeClr val="accent3">
+                <a:lumMod val="50000"/>
+              </a:schemeClr>
+            </a:solidFill>
+          </a:ln>
+        </p:spPr>
+        <p:style>
+          <a:lnRef idx="1">
+            <a:schemeClr val="accent1"/>
+          </a:lnRef>
+          <a:fillRef idx="3">
+            <a:schemeClr val="accent1"/>
+          </a:fillRef>
+          <a:effectRef idx="2">
+            <a:schemeClr val="accent1"/>
+          </a:effectRef>
+          <a:fontRef idx="minor">
+            <a:schemeClr val="lt1"/>
+          </a:fontRef>
+        </p:style>
+        <p:txBody>
+          <a:bodyPr rtlCol="0" anchor="t"/>
+          <a:lstStyle/>
+          <a:p>
+            <a:pPr algn="ctr"/>
+            <a:r>
+              <a:rPr lang="en-US" dirty="0" smtClean="0">
+                <a:solidFill>
+                  <a:schemeClr val="tx1">
+                    <a:lumMod val="85000"/>
+                    <a:lumOff val="15000"/>
+                  </a:schemeClr>
+                </a:solidFill>
+              </a:rPr>
+              <a:t>Unit</a:t>
+            </a:r>
+            <a:endParaRPr lang="en-US" dirty="0">
+              <a:solidFill>
+                <a:schemeClr val="tx1">
+                  <a:lumMod val="85000"/>
+                  <a:lumOff val="15000"/>
+                </a:schemeClr>
+              </a:solidFill>
+            </a:endParaRPr>
+          </a:p>
+        </p:txBody>
+      </p:sp>
+      <p:sp>
+        <p:nvSpPr>
+          <p:cNvPr id="11" name="TextBox 10"/>
+          <p:cNvSpPr txBox="1"/>
+          <p:nvPr/>
+        </p:nvSpPr>
+        <p:spPr>
+          <a:xfrm>
+            <a:off x="7034211" y="2287084"/>
+            <a:ext cx="990212" cy="369332"/>
+          </a:xfrm>
+          <a:prstGeom prst="rect">
+            <a:avLst/>
+          </a:prstGeom>
+          <a:noFill/>
+        </p:spPr>
+        <p:txBody>
+          <a:bodyPr wrap="none" rtlCol="0">
+            <a:spAutoFit/>
+          </a:bodyPr>
+          <a:lstStyle/>
+          <a:p>
+            <a:r>
+              <a:rPr lang="en-US" dirty="0" smtClean="0"/>
+              <a:t>Program</a:t>
+            </a:r>
+            <a:endParaRPr lang="en-US" dirty="0"/>
+          </a:p>
+        </p:txBody>
+      </p:sp>
+      <p:sp>
+        <p:nvSpPr>
+          <p:cNvPr id="33" name="Rounded Rectangle 32"/>
+          <p:cNvSpPr/>
+          <p:nvPr/>
+        </p:nvSpPr>
+        <p:spPr>
+          <a:xfrm>
+            <a:off x="368190" y="2324499"/>
+            <a:ext cx="2514600" cy="1244233"/>
+          </a:xfrm>
+          <a:prstGeom prst="roundRect">
+            <a:avLst>
+              <a:gd name="adj" fmla="val 9921"/>
+            </a:avLst>
+          </a:prstGeom>
+          <a:solidFill>
+            <a:schemeClr val="accent4">
+              <a:lumMod val="20000"/>
+              <a:lumOff val="80000"/>
+              <a:alpha val="96000"/>
+            </a:schemeClr>
+          </a:solidFill>
+          <a:ln>
+            <a:solidFill>
+              <a:schemeClr val="accent4">
+                <a:lumMod val="75000"/>
+              </a:schemeClr>
+            </a:solidFill>
+          </a:ln>
+        </p:spPr>
+        <p:style>
+          <a:lnRef idx="1">
+            <a:schemeClr val="accent1"/>
+          </a:lnRef>
+          <a:fillRef idx="3">
+            <a:schemeClr val="accent1"/>
+          </a:fillRef>
+          <a:effectRef idx="2">
+            <a:schemeClr val="accent1"/>
+          </a:effectRef>
+          <a:fontRef idx="minor">
+            <a:schemeClr val="lt1"/>
+          </a:fontRef>
+        </p:style>
+        <p:txBody>
+          <a:bodyPr rtlCol="0" anchor="t"/>
+          <a:lstStyle/>
+          <a:p>
+            <a:pPr algn="ctr"/>
+            <a:r>
+              <a:rPr lang="en-US" dirty="0" smtClean="0">
+                <a:solidFill>
+                  <a:schemeClr val="tx1">
+                    <a:lumMod val="85000"/>
+                    <a:lumOff val="15000"/>
+                  </a:schemeClr>
+                </a:solidFill>
+              </a:rPr>
+              <a:t>(Short) Course</a:t>
+            </a:r>
+            <a:endParaRPr lang="en-US" dirty="0">
+              <a:solidFill>
+                <a:schemeClr val="tx1">
+                  <a:lumMod val="85000"/>
+                  <a:lumOff val="15000"/>
+                </a:schemeClr>
+              </a:solidFill>
+            </a:endParaRPr>
+          </a:p>
+        </p:txBody>
+      </p:sp>
+      <p:sp>
+        <p:nvSpPr>
+          <p:cNvPr id="34" name="Rounded Rectangle 33"/>
+          <p:cNvSpPr/>
+          <p:nvPr/>
+        </p:nvSpPr>
+        <p:spPr>
+          <a:xfrm>
+            <a:off x="368190" y="3855175"/>
+            <a:ext cx="2514600" cy="1487425"/>
+          </a:xfrm>
+          <a:prstGeom prst="roundRect">
+            <a:avLst>
+              <a:gd name="adj" fmla="val 9921"/>
+            </a:avLst>
+          </a:prstGeom>
+          <a:solidFill>
+            <a:schemeClr val="accent4">
+              <a:lumMod val="20000"/>
+              <a:lumOff val="80000"/>
+              <a:alpha val="96000"/>
+            </a:schemeClr>
+          </a:solidFill>
+          <a:ln>
+            <a:solidFill>
+              <a:schemeClr val="accent4">
+                <a:lumMod val="75000"/>
+              </a:schemeClr>
+            </a:solidFill>
+          </a:ln>
+        </p:spPr>
+        <p:style>
+          <a:lnRef idx="1">
+            <a:schemeClr val="accent1"/>
+          </a:lnRef>
+          <a:fillRef idx="3">
+            <a:schemeClr val="accent1"/>
+          </a:fillRef>
+          <a:effectRef idx="2">
+            <a:schemeClr val="accent1"/>
+          </a:effectRef>
+          <a:fontRef idx="minor">
+            <a:schemeClr val="lt1"/>
+          </a:fontRef>
+        </p:style>
+        <p:txBody>
+          <a:bodyPr rtlCol="0" anchor="t"/>
+          <a:lstStyle/>
+          <a:p>
+            <a:pPr algn="ctr"/>
+            <a:r>
+              <a:rPr lang="en-US" dirty="0" smtClean="0">
+                <a:solidFill>
+                  <a:schemeClr val="tx1">
+                    <a:lumMod val="85000"/>
+                    <a:lumOff val="15000"/>
+                  </a:schemeClr>
+                </a:solidFill>
+              </a:rPr>
+              <a:t>Workshop</a:t>
+            </a:r>
+            <a:endParaRPr lang="en-US" dirty="0">
+              <a:solidFill>
+                <a:schemeClr val="tx1">
+                  <a:lumMod val="85000"/>
+                  <a:lumOff val="15000"/>
+                </a:schemeClr>
+              </a:solidFill>
+            </a:endParaRPr>
+          </a:p>
+        </p:txBody>
+      </p:sp>
+      <p:sp>
+        <p:nvSpPr>
+          <p:cNvPr id="35" name="Rounded Rectangle 34"/>
+          <p:cNvSpPr/>
+          <p:nvPr/>
+        </p:nvSpPr>
+        <p:spPr>
+          <a:xfrm>
+            <a:off x="368190" y="5529791"/>
+            <a:ext cx="2514600" cy="814918"/>
+          </a:xfrm>
+          <a:prstGeom prst="roundRect">
+            <a:avLst>
+              <a:gd name="adj" fmla="val 9921"/>
+            </a:avLst>
+          </a:prstGeom>
+          <a:solidFill>
+            <a:schemeClr val="accent4">
+              <a:lumMod val="20000"/>
+              <a:lumOff val="80000"/>
+              <a:alpha val="96000"/>
+            </a:schemeClr>
+          </a:solidFill>
+          <a:ln>
+            <a:solidFill>
+              <a:schemeClr val="accent4">
+                <a:lumMod val="75000"/>
+              </a:schemeClr>
+            </a:solidFill>
+          </a:ln>
+        </p:spPr>
+        <p:style>
+          <a:lnRef idx="1">
+            <a:schemeClr val="accent1"/>
+          </a:lnRef>
+          <a:fillRef idx="3">
+            <a:schemeClr val="accent1"/>
+          </a:fillRef>
+          <a:effectRef idx="2">
+            <a:schemeClr val="accent1"/>
+          </a:effectRef>
+          <a:fontRef idx="minor">
+            <a:schemeClr val="lt1"/>
+          </a:fontRef>
+        </p:style>
+        <p:txBody>
+          <a:bodyPr rtlCol="0" anchor="ctr"/>
+          <a:lstStyle/>
+          <a:p>
+            <a:pPr algn="ctr"/>
+            <a:r>
+              <a:rPr lang="en-US" dirty="0" smtClean="0">
+                <a:solidFill>
+                  <a:schemeClr val="tx1">
+                    <a:lumMod val="85000"/>
+                    <a:lumOff val="15000"/>
+                  </a:schemeClr>
+                </a:solidFill>
+              </a:rPr>
+              <a:t>Seminar</a:t>
+            </a:r>
+            <a:endParaRPr lang="en-US" dirty="0">
+              <a:solidFill>
+                <a:schemeClr val="tx1">
+                  <a:lumMod val="85000"/>
+                  <a:lumOff val="15000"/>
+                </a:schemeClr>
+              </a:solidFill>
+            </a:endParaRPr>
+          </a:p>
+        </p:txBody>
+      </p:sp>
+      <p:sp>
+        <p:nvSpPr>
+          <p:cNvPr id="38" name="Rounded Rectangle 37"/>
+          <p:cNvSpPr/>
+          <p:nvPr/>
+        </p:nvSpPr>
+        <p:spPr>
+          <a:xfrm>
+            <a:off x="6585478" y="5207567"/>
+            <a:ext cx="2089150" cy="633002"/>
+          </a:xfrm>
+          <a:prstGeom prst="roundRect">
+            <a:avLst>
+              <a:gd name="adj" fmla="val 9921"/>
+            </a:avLst>
+          </a:prstGeom>
+          <a:solidFill>
+            <a:srgbClr val="E6B9B8">
+              <a:alpha val="96000"/>
+            </a:srgbClr>
+          </a:solidFill>
+          <a:ln>
+            <a:solidFill>
+              <a:srgbClr val="632523"/>
+            </a:solidFill>
+          </a:ln>
+        </p:spPr>
+        <p:style>
+          <a:lnRef idx="1">
+            <a:schemeClr val="accent1"/>
+          </a:lnRef>
+          <a:fillRef idx="3">
+            <a:schemeClr val="accent1"/>
+          </a:fillRef>
+          <a:effectRef idx="2">
+            <a:schemeClr val="accent1"/>
+          </a:effectRef>
+          <a:fontRef idx="minor">
+            <a:schemeClr val="lt1"/>
+          </a:fontRef>
+        </p:style>
+        <p:txBody>
+          <a:bodyPr rtlCol="0" anchor="ctr"/>
+          <a:lstStyle/>
+          <a:p>
+            <a:pPr algn="ctr"/>
+            <a:r>
+              <a:rPr lang="en-US" dirty="0" smtClean="0">
+                <a:solidFill>
+                  <a:schemeClr val="tx1">
+                    <a:lumMod val="85000"/>
+                    <a:lumOff val="15000"/>
+                  </a:schemeClr>
+                </a:solidFill>
+              </a:rPr>
+              <a:t>Discussion</a:t>
+            </a:r>
+            <a:endParaRPr lang="en-US" dirty="0">
+              <a:solidFill>
+                <a:schemeClr val="tx1">
+                  <a:lumMod val="85000"/>
+                  <a:lumOff val="15000"/>
+                </a:schemeClr>
+              </a:solidFill>
+            </a:endParaRPr>
+          </a:p>
+        </p:txBody>
+      </p:sp>
+      <p:sp>
+        <p:nvSpPr>
+          <p:cNvPr id="13" name="Oval 12"/>
+          <p:cNvSpPr/>
+          <p:nvPr/>
+        </p:nvSpPr>
+        <p:spPr>
+          <a:xfrm>
+            <a:off x="3393867" y="4621680"/>
+            <a:ext cx="1311485" cy="1034509"/>
+          </a:xfrm>
+          <a:prstGeom prst="ellipse">
+            <a:avLst/>
+          </a:prstGeom>
+        </p:spPr>
+        <p:style>
+          <a:lnRef idx="1">
+            <a:schemeClr val="accent1"/>
+          </a:lnRef>
+          <a:fillRef idx="3">
+            <a:schemeClr val="accent1"/>
+          </a:fillRef>
+          <a:effectRef idx="2">
+            <a:schemeClr val="accent1"/>
+          </a:effectRef>
+          <a:fontRef idx="minor">
+            <a:schemeClr val="lt1"/>
+          </a:fontRef>
+        </p:style>
+        <p:txBody>
+          <a:bodyPr rtlCol="0" anchor="ctr"/>
+          <a:lstStyle/>
+          <a:p>
+            <a:pPr algn="ctr"/>
+            <a:r>
+              <a:rPr lang="en-US" dirty="0" smtClean="0"/>
+              <a:t>Data</a:t>
+            </a:r>
+            <a:endParaRPr lang="en-US" dirty="0"/>
+          </a:p>
+        </p:txBody>
+      </p:sp>
+      <p:sp>
+        <p:nvSpPr>
+          <p:cNvPr id="40" name="Oval 39"/>
+          <p:cNvSpPr/>
+          <p:nvPr/>
+        </p:nvSpPr>
+        <p:spPr>
+          <a:xfrm>
+            <a:off x="4470412" y="4621681"/>
+            <a:ext cx="1305538" cy="1029818"/>
+          </a:xfrm>
+          <a:prstGeom prst="ellipse">
+            <a:avLst/>
+          </a:prstGeom>
+        </p:spPr>
+        <p:style>
+          <a:lnRef idx="1">
+            <a:schemeClr val="accent1"/>
+          </a:lnRef>
+          <a:fillRef idx="3">
+            <a:schemeClr val="accent1"/>
+          </a:fillRef>
+          <a:effectRef idx="2">
+            <a:schemeClr val="accent1"/>
+          </a:effectRef>
+          <a:fontRef idx="minor">
+            <a:schemeClr val="lt1"/>
+          </a:fontRef>
+        </p:style>
+        <p:txBody>
+          <a:bodyPr rtlCol="0" anchor="ctr"/>
+          <a:lstStyle/>
+          <a:p>
+            <a:pPr algn="ctr"/>
+            <a:r>
+              <a:rPr lang="en-US" dirty="0" smtClean="0"/>
+              <a:t>Code</a:t>
+            </a:r>
+            <a:endParaRPr lang="en-US" dirty="0"/>
+          </a:p>
+        </p:txBody>
+      </p:sp>
+      <p:sp>
+        <p:nvSpPr>
+          <p:cNvPr id="43" name="Rounded Rectangle 42"/>
+          <p:cNvSpPr/>
+          <p:nvPr/>
+        </p:nvSpPr>
+        <p:spPr>
+          <a:xfrm>
+            <a:off x="542715" y="4488177"/>
+            <a:ext cx="2089150" cy="633002"/>
+          </a:xfrm>
+          <a:prstGeom prst="roundRect">
+            <a:avLst>
+              <a:gd name="adj" fmla="val 9921"/>
+            </a:avLst>
+          </a:prstGeom>
+          <a:solidFill>
+            <a:srgbClr val="E6B9B8">
+              <a:alpha val="96000"/>
+            </a:srgbClr>
+          </a:solidFill>
+          <a:ln>
+            <a:solidFill>
+              <a:srgbClr val="632523"/>
+            </a:solidFill>
+          </a:ln>
+        </p:spPr>
+        <p:style>
+          <a:lnRef idx="1">
+            <a:schemeClr val="accent1"/>
+          </a:lnRef>
+          <a:fillRef idx="3">
+            <a:schemeClr val="accent1"/>
+          </a:fillRef>
+          <a:effectRef idx="2">
+            <a:schemeClr val="accent1"/>
+          </a:effectRef>
+          <a:fontRef idx="minor">
+            <a:schemeClr val="lt1"/>
+          </a:fontRef>
+        </p:style>
+        <p:txBody>
+          <a:bodyPr rtlCol="0" anchor="ctr"/>
+          <a:lstStyle/>
+          <a:p>
+            <a:pPr algn="ctr"/>
+            <a:r>
+              <a:rPr lang="en-US" dirty="0" smtClean="0">
+                <a:solidFill>
+                  <a:schemeClr val="tx1">
+                    <a:lumMod val="85000"/>
+                    <a:lumOff val="15000"/>
+                  </a:schemeClr>
+                </a:solidFill>
+              </a:rPr>
+              <a:t>Hands-on Activity</a:t>
+            </a:r>
+            <a:endParaRPr lang="en-US" dirty="0">
+              <a:solidFill>
+                <a:schemeClr val="tx1">
+                  <a:lumMod val="85000"/>
+                  <a:lumOff val="15000"/>
+                </a:schemeClr>
+              </a:solidFill>
+            </a:endParaRPr>
+          </a:p>
+        </p:txBody>
+      </p:sp>
+      <p:sp>
+        <p:nvSpPr>
+          <p:cNvPr id="44" name="Rounded Rectangle 43"/>
+          <p:cNvSpPr/>
+          <p:nvPr/>
+        </p:nvSpPr>
+        <p:spPr>
+          <a:xfrm>
+            <a:off x="542715" y="2757153"/>
+            <a:ext cx="2089150" cy="633002"/>
+          </a:xfrm>
+          <a:prstGeom prst="roundRect">
+            <a:avLst>
+              <a:gd name="adj" fmla="val 9921"/>
+            </a:avLst>
+          </a:prstGeom>
+          <a:solidFill>
+            <a:srgbClr val="E6B9B8">
+              <a:alpha val="96000"/>
+            </a:srgbClr>
+          </a:solidFill>
+          <a:ln>
+            <a:solidFill>
+              <a:srgbClr val="632523"/>
+            </a:solidFill>
+          </a:ln>
+        </p:spPr>
+        <p:style>
+          <a:lnRef idx="1">
+            <a:schemeClr val="accent1"/>
+          </a:lnRef>
+          <a:fillRef idx="3">
+            <a:schemeClr val="accent1"/>
+          </a:fillRef>
+          <a:effectRef idx="2">
+            <a:schemeClr val="accent1"/>
+          </a:effectRef>
+          <a:fontRef idx="minor">
+            <a:schemeClr val="lt1"/>
+          </a:fontRef>
+        </p:style>
+        <p:txBody>
+          <a:bodyPr rtlCol="0" anchor="ctr"/>
+          <a:lstStyle/>
+          <a:p>
+            <a:pPr algn="ctr"/>
+            <a:r>
+              <a:rPr lang="en-US" dirty="0" smtClean="0">
+                <a:solidFill>
+                  <a:schemeClr val="tx1">
+                    <a:lumMod val="85000"/>
+                    <a:lumOff val="15000"/>
+                  </a:schemeClr>
+                </a:solidFill>
+              </a:rPr>
+              <a:t>Group Project</a:t>
+            </a:r>
+            <a:endParaRPr lang="en-US" dirty="0">
+              <a:solidFill>
+                <a:schemeClr val="tx1">
+                  <a:lumMod val="85000"/>
+                  <a:lumOff val="15000"/>
+                </a:schemeClr>
+              </a:solidFill>
+            </a:endParaRPr>
+          </a:p>
+        </p:txBody>
+      </p:sp>
+      <p:grpSp>
+        <p:nvGrpSpPr>
+          <p:cNvPr id="16" name="Group 15"/>
+          <p:cNvGrpSpPr/>
+          <p:nvPr/>
+        </p:nvGrpSpPr>
+        <p:grpSpPr>
+          <a:xfrm>
+            <a:off x="4010702" y="2879971"/>
+            <a:ext cx="951520" cy="1141583"/>
+            <a:chOff x="3457367" y="3243347"/>
+            <a:chExt cx="951520" cy="1141583"/>
+          </a:xfrm>
+        </p:grpSpPr>
+        <p:sp>
+          <p:nvSpPr>
+            <p:cNvPr id="15" name="Folded Corner 14"/>
+            <p:cNvSpPr/>
+            <p:nvPr/>
+          </p:nvSpPr>
+          <p:spPr>
+            <a:xfrm>
+              <a:off x="3457367" y="3243347"/>
+              <a:ext cx="688700" cy="881687"/>
+            </a:xfrm>
+            <a:prstGeom prst="foldedCorner">
+              <a:avLst/>
+            </a:prstGeom>
+          </p:spPr>
+          <p:style>
+            <a:lnRef idx="1">
+              <a:schemeClr val="accent1"/>
+            </a:lnRef>
+            <a:fillRef idx="3">
+              <a:schemeClr val="accent1"/>
+            </a:fillRef>
+            <a:effectRef idx="2">
+              <a:schemeClr val="accent1"/>
+            </a:effectRef>
+            <a:fontRef idx="minor">
+              <a:schemeClr val="lt1"/>
+            </a:fontRef>
+          </p:style>
+          <p:txBody>
+            <a:bodyPr rtlCol="0" anchor="ctr"/>
+            <a:lstStyle/>
+            <a:p>
+              <a:pPr algn="ctr"/>
+              <a:r>
+                <a:rPr lang="en-US" sz="1400" dirty="0" smtClean="0"/>
+                <a:t>Lesson</a:t>
+              </a:r>
+              <a:endParaRPr lang="en-US" sz="1400" dirty="0"/>
+            </a:p>
+          </p:txBody>
+        </p:sp>
+        <p:sp>
+          <p:nvSpPr>
+            <p:cNvPr id="46" name="Folded Corner 45"/>
+            <p:cNvSpPr/>
+            <p:nvPr/>
+          </p:nvSpPr>
+          <p:spPr>
+            <a:xfrm>
+              <a:off x="3536302" y="3319355"/>
+              <a:ext cx="688700" cy="881687"/>
+            </a:xfrm>
+            <a:prstGeom prst="foldedCorner">
+              <a:avLst/>
+            </a:prstGeom>
+          </p:spPr>
+          <p:style>
+            <a:lnRef idx="1">
+              <a:schemeClr val="accent1"/>
+            </a:lnRef>
+            <a:fillRef idx="3">
+              <a:schemeClr val="accent1"/>
+            </a:fillRef>
+            <a:effectRef idx="2">
+              <a:schemeClr val="accent1"/>
+            </a:effectRef>
+            <a:fontRef idx="minor">
+              <a:schemeClr val="lt1"/>
+            </a:fontRef>
+          </p:style>
+          <p:txBody>
+            <a:bodyPr rtlCol="0" anchor="ctr"/>
+            <a:lstStyle/>
+            <a:p>
+              <a:pPr algn="ctr"/>
+              <a:r>
+                <a:rPr lang="en-US" sz="1400" dirty="0" smtClean="0"/>
+                <a:t>Lesson</a:t>
+              </a:r>
+              <a:endParaRPr lang="en-US" sz="1400" dirty="0"/>
+            </a:p>
+          </p:txBody>
+        </p:sp>
+        <p:sp>
+          <p:nvSpPr>
+            <p:cNvPr id="55" name="Folded Corner 54"/>
+            <p:cNvSpPr/>
+            <p:nvPr/>
+          </p:nvSpPr>
+          <p:spPr>
+            <a:xfrm>
+              <a:off x="3625732" y="3408778"/>
+              <a:ext cx="688700" cy="881687"/>
+            </a:xfrm>
+            <a:prstGeom prst="foldedCorner">
+              <a:avLst/>
+            </a:prstGeom>
+          </p:spPr>
+          <p:style>
+            <a:lnRef idx="1">
+              <a:schemeClr val="accent1"/>
+            </a:lnRef>
+            <a:fillRef idx="3">
+              <a:schemeClr val="accent1"/>
+            </a:fillRef>
+            <a:effectRef idx="2">
+              <a:schemeClr val="accent1"/>
+            </a:effectRef>
+            <a:fontRef idx="minor">
+              <a:schemeClr val="lt1"/>
+            </a:fontRef>
+          </p:style>
+          <p:txBody>
+            <a:bodyPr rtlCol="0" anchor="ctr"/>
+            <a:lstStyle/>
+            <a:p>
+              <a:pPr algn="ctr"/>
+              <a:r>
+                <a:rPr lang="en-US" sz="1400" dirty="0" smtClean="0"/>
+                <a:t>Lesson</a:t>
+              </a:r>
+              <a:endParaRPr lang="en-US" sz="1400" dirty="0"/>
+            </a:p>
+          </p:txBody>
+        </p:sp>
+        <p:sp>
+          <p:nvSpPr>
+            <p:cNvPr id="56" name="Folded Corner 55"/>
+            <p:cNvSpPr/>
+            <p:nvPr/>
+          </p:nvSpPr>
+          <p:spPr>
+            <a:xfrm>
+              <a:off x="3720187" y="3503243"/>
+              <a:ext cx="688700" cy="881687"/>
+            </a:xfrm>
+            <a:prstGeom prst="foldedCorner">
+              <a:avLst/>
+            </a:prstGeom>
+          </p:spPr>
+          <p:style>
+            <a:lnRef idx="1">
+              <a:schemeClr val="accent1"/>
+            </a:lnRef>
+            <a:fillRef idx="3">
+              <a:schemeClr val="accent1"/>
+            </a:fillRef>
+            <a:effectRef idx="2">
+              <a:schemeClr val="accent1"/>
+            </a:effectRef>
+            <a:fontRef idx="minor">
+              <a:schemeClr val="lt1"/>
+            </a:fontRef>
+          </p:style>
+          <p:txBody>
+            <a:bodyPr rtlCol="0" anchor="ctr"/>
+            <a:lstStyle/>
+            <a:p>
+              <a:pPr algn="ctr"/>
+              <a:r>
+                <a:rPr lang="en-US" sz="1400" dirty="0" smtClean="0"/>
+                <a:t>Lesson</a:t>
+              </a:r>
+              <a:endParaRPr lang="en-US" sz="1400" dirty="0"/>
+            </a:p>
+          </p:txBody>
+        </p:sp>
+      </p:grpSp>
+    </p:spTree>
+    <p:extLst>
+      <p:ext uri="{BB962C8B-B14F-4D97-AF65-F5344CB8AC3E}">
+        <p14:creationId xmlns:p14="http://schemas.microsoft.com/office/powerpoint/2010/main" val="1594515012"/>
+      </p:ext>
+    </p:extLst>
+  </p:cSld>
+  <p:clrMapOvr>
+    <a:masterClrMapping/>
+  </p:clrMapOvr>
+  <p:timing>
+    <p:tnLst>
+      <p:par>
+        <p:cTn xmlns:p14="http://schemas.microsoft.com/office/powerpoint/2010/main" id="1" dur="indefinite" restart="never" nodeType="tmRoot"/>
+      </p:par>
+    </p:tnLst>
+  </p:timing>
+</p:sld>
+</file>
+
+<file path=ppt/slides/slide6.xml><?xml version="1.0" encoding="utf-8"?>
+<p:sld xmlns:a="http://schemas.openxmlformats.org/drawingml/2006/main" xmlns:r="http://schemas.openxmlformats.org/officeDocument/2006/relationships" xmlns:p="http://schemas.openxmlformats.org/presentationml/2006/main">
+  <p:cSld>
+    <p:spTree>
+      <p:nvGrpSpPr>
+        <p:cNvPr id="1" name=""/>
+        <p:cNvGrpSpPr/>
+        <p:nvPr/>
+      </p:nvGrpSpPr>
+      <p:grpSpPr>
+        <a:xfrm>
+          <a:off x="0" y="0"/>
+          <a:ext cx="0" cy="0"/>
+          <a:chOff x="0" y="0"/>
+          <a:chExt cx="0" cy="0"/>
+        </a:xfrm>
+      </p:grpSpPr>
+      <p:sp>
+        <p:nvSpPr>
+          <p:cNvPr id="19" name="Rounded Rectangle 18"/>
+          <p:cNvSpPr/>
+          <p:nvPr/>
+        </p:nvSpPr>
+        <p:spPr>
+          <a:xfrm>
+            <a:off x="296333" y="1499915"/>
+            <a:ext cx="2651125" cy="5166901"/>
+          </a:xfrm>
+          <a:prstGeom prst="roundRect">
+            <a:avLst>
+              <a:gd name="adj" fmla="val 4048"/>
+            </a:avLst>
+          </a:prstGeom>
+          <a:solidFill>
+            <a:schemeClr val="accent5">
+              <a:lumMod val="20000"/>
+              <a:lumOff val="80000"/>
+            </a:schemeClr>
+          </a:solidFill>
+          <a:ln>
+            <a:solidFill>
+              <a:schemeClr val="accent5">
+                <a:lumMod val="50000"/>
+              </a:schemeClr>
+            </a:solidFill>
+          </a:ln>
+        </p:spPr>
+        <p:style>
+          <a:lnRef idx="1">
+            <a:schemeClr val="accent1"/>
+          </a:lnRef>
+          <a:fillRef idx="3">
+            <a:schemeClr val="accent1"/>
+          </a:fillRef>
+          <a:effectRef idx="2">
+            <a:schemeClr val="accent1"/>
+          </a:effectRef>
+          <a:fontRef idx="minor">
+            <a:schemeClr val="lt1"/>
+          </a:fontRef>
+        </p:style>
+        <p:txBody>
+          <a:bodyPr rtlCol="0" anchor="t"/>
+          <a:lstStyle/>
+          <a:p>
+            <a:pPr algn="ctr"/>
+            <a:r>
+              <a:rPr lang="en-US" sz="2600" b="1" dirty="0" smtClean="0">
+                <a:solidFill>
+                  <a:schemeClr val="tx1">
+                    <a:lumMod val="85000"/>
+                    <a:lumOff val="15000"/>
+                  </a:schemeClr>
+                </a:solidFill>
+              </a:rPr>
+              <a:t>Open Ed</a:t>
+            </a:r>
+            <a:endParaRPr lang="en-US" sz="2600" b="1" dirty="0">
+              <a:solidFill>
+                <a:schemeClr val="tx1">
+                  <a:lumMod val="85000"/>
+                  <a:lumOff val="15000"/>
+                </a:schemeClr>
+              </a:solidFill>
+            </a:endParaRPr>
+          </a:p>
+        </p:txBody>
+      </p:sp>
+      <p:sp>
+        <p:nvSpPr>
+          <p:cNvPr id="2" name="Title 1"/>
+          <p:cNvSpPr>
+            <a:spLocks noGrp="1"/>
+          </p:cNvSpPr>
+          <p:nvPr>
+            <p:ph type="ctrTitle"/>
+          </p:nvPr>
+        </p:nvSpPr>
+        <p:spPr>
+          <a:xfrm>
+            <a:off x="542715" y="-48801"/>
+            <a:ext cx="7772400" cy="1470025"/>
+          </a:xfrm>
+        </p:spPr>
+        <p:txBody>
+          <a:bodyPr>
+            <a:normAutofit/>
+          </a:bodyPr>
+          <a:lstStyle/>
+          <a:p>
+            <a:r>
+              <a:rPr lang="en-US" sz="2800" dirty="0" smtClean="0"/>
+              <a:t>The space of data-intensive education for environmental science</a:t>
+            </a:r>
+            <a:endParaRPr lang="en-US" sz="2800" dirty="0"/>
+          </a:p>
+        </p:txBody>
+      </p:sp>
+      <p:sp>
+        <p:nvSpPr>
+          <p:cNvPr id="3" name="Rounded Rectangle 2"/>
+          <p:cNvSpPr/>
+          <p:nvPr/>
+        </p:nvSpPr>
+        <p:spPr>
+          <a:xfrm>
+            <a:off x="6275916" y="1401174"/>
+            <a:ext cx="2651125" cy="5166901"/>
+          </a:xfrm>
+          <a:prstGeom prst="roundRect">
+            <a:avLst>
+              <a:gd name="adj" fmla="val 4048"/>
+            </a:avLst>
+          </a:prstGeom>
+          <a:solidFill>
+            <a:schemeClr val="accent5">
+              <a:lumMod val="20000"/>
+              <a:lumOff val="80000"/>
+            </a:schemeClr>
+          </a:solidFill>
+          <a:ln>
+            <a:solidFill>
+              <a:schemeClr val="accent5">
+                <a:lumMod val="50000"/>
+              </a:schemeClr>
+            </a:solidFill>
+          </a:ln>
+        </p:spPr>
+        <p:style>
+          <a:lnRef idx="1">
+            <a:schemeClr val="accent1"/>
+          </a:lnRef>
+          <a:fillRef idx="3">
+            <a:schemeClr val="accent1"/>
+          </a:fillRef>
+          <a:effectRef idx="2">
+            <a:schemeClr val="accent1"/>
+          </a:effectRef>
+          <a:fontRef idx="minor">
+            <a:schemeClr val="lt1"/>
+          </a:fontRef>
+        </p:style>
+        <p:txBody>
+          <a:bodyPr rtlCol="0" anchor="t"/>
+          <a:lstStyle/>
+          <a:p>
+            <a:pPr algn="ctr"/>
+            <a:r>
+              <a:rPr lang="en-US" sz="2600" b="1" dirty="0" smtClean="0">
+                <a:solidFill>
+                  <a:schemeClr val="tx1">
+                    <a:lumMod val="85000"/>
+                    <a:lumOff val="15000"/>
+                  </a:schemeClr>
+                </a:solidFill>
+              </a:rPr>
+              <a:t>Traditional Ed</a:t>
+            </a:r>
+            <a:endParaRPr lang="en-US" sz="2600" b="1" dirty="0">
+              <a:solidFill>
+                <a:schemeClr val="tx1">
+                  <a:lumMod val="85000"/>
+                  <a:lumOff val="15000"/>
+                </a:schemeClr>
+              </a:solidFill>
+            </a:endParaRPr>
+          </a:p>
+        </p:txBody>
+      </p:sp>
+      <p:sp>
+        <p:nvSpPr>
+          <p:cNvPr id="42" name="Rounded Rectangle 41"/>
+          <p:cNvSpPr/>
+          <p:nvPr/>
+        </p:nvSpPr>
+        <p:spPr>
+          <a:xfrm>
+            <a:off x="6344178" y="2000249"/>
+            <a:ext cx="2514600" cy="4212168"/>
+          </a:xfrm>
+          <a:prstGeom prst="roundRect">
+            <a:avLst>
+              <a:gd name="adj" fmla="val 9921"/>
+            </a:avLst>
+          </a:prstGeom>
+          <a:solidFill>
+            <a:schemeClr val="accent4">
+              <a:lumMod val="20000"/>
+              <a:lumOff val="80000"/>
+              <a:alpha val="96000"/>
+            </a:schemeClr>
+          </a:solidFill>
+          <a:ln>
+            <a:solidFill>
+              <a:schemeClr val="accent4">
+                <a:lumMod val="75000"/>
+              </a:schemeClr>
+            </a:solidFill>
+          </a:ln>
+        </p:spPr>
+        <p:style>
+          <a:lnRef idx="1">
+            <a:schemeClr val="accent1"/>
+          </a:lnRef>
+          <a:fillRef idx="3">
+            <a:schemeClr val="accent1"/>
+          </a:fillRef>
+          <a:effectRef idx="2">
+            <a:schemeClr val="accent1"/>
+          </a:effectRef>
+          <a:fontRef idx="minor">
+            <a:schemeClr val="lt1"/>
+          </a:fontRef>
+        </p:style>
+        <p:txBody>
+          <a:bodyPr rtlCol="0" anchor="ctr"/>
+          <a:lstStyle/>
+          <a:p>
+            <a:pPr algn="ctr"/>
+            <a:r>
+              <a:rPr lang="en-US" dirty="0" smtClean="0">
+                <a:solidFill>
+                  <a:schemeClr val="tx1">
+                    <a:lumMod val="85000"/>
+                    <a:lumOff val="15000"/>
+                  </a:schemeClr>
+                </a:solidFill>
+              </a:rPr>
+              <a:t>Quantitative</a:t>
+            </a:r>
+            <a:br>
+              <a:rPr lang="en-US" dirty="0" smtClean="0">
+                <a:solidFill>
+                  <a:schemeClr val="tx1">
+                    <a:lumMod val="85000"/>
+                    <a:lumOff val="15000"/>
+                  </a:schemeClr>
+                </a:solidFill>
+              </a:rPr>
+            </a:br>
+            <a:r>
+              <a:rPr lang="en-US" dirty="0" smtClean="0">
+                <a:solidFill>
+                  <a:schemeClr val="tx1">
+                    <a:lumMod val="85000"/>
+                    <a:lumOff val="15000"/>
+                  </a:schemeClr>
+                </a:solidFill>
+              </a:rPr>
+              <a:t>Courses</a:t>
+            </a:r>
+            <a:endParaRPr lang="en-US" dirty="0">
+              <a:solidFill>
+                <a:schemeClr val="tx1">
+                  <a:lumMod val="85000"/>
+                  <a:lumOff val="15000"/>
+                </a:schemeClr>
+              </a:solidFill>
+            </a:endParaRPr>
+          </a:p>
+        </p:txBody>
+      </p:sp>
+      <p:sp>
+        <p:nvSpPr>
+          <p:cNvPr id="49" name="Rounded Rectangle 48"/>
+          <p:cNvSpPr/>
+          <p:nvPr/>
+        </p:nvSpPr>
+        <p:spPr>
+          <a:xfrm>
+            <a:off x="6441544" y="3019512"/>
+            <a:ext cx="2338917" cy="2917738"/>
+          </a:xfrm>
+          <a:prstGeom prst="roundRect">
+            <a:avLst>
+              <a:gd name="adj" fmla="val 4064"/>
+            </a:avLst>
+          </a:prstGeom>
+          <a:solidFill>
+            <a:schemeClr val="accent4">
+              <a:lumMod val="20000"/>
+              <a:lumOff val="80000"/>
+              <a:alpha val="96000"/>
+            </a:schemeClr>
+          </a:solidFill>
+          <a:ln>
+            <a:solidFill>
+              <a:schemeClr val="accent4">
+                <a:lumMod val="75000"/>
+              </a:schemeClr>
+            </a:solidFill>
+          </a:ln>
+        </p:spPr>
+        <p:style>
+          <a:lnRef idx="1">
+            <a:schemeClr val="accent1"/>
+          </a:lnRef>
+          <a:fillRef idx="3">
+            <a:schemeClr val="accent1"/>
+          </a:fillRef>
+          <a:effectRef idx="2">
+            <a:schemeClr val="accent1"/>
+          </a:effectRef>
+          <a:fontRef idx="minor">
+            <a:schemeClr val="lt1"/>
+          </a:fontRef>
+        </p:style>
+        <p:txBody>
+          <a:bodyPr rtlCol="0" anchor="t"/>
+          <a:lstStyle/>
+          <a:p>
+            <a:pPr algn="ctr"/>
+            <a:r>
+              <a:rPr lang="en-US" dirty="0" smtClean="0">
+                <a:solidFill>
+                  <a:schemeClr val="tx1">
+                    <a:lumMod val="85000"/>
+                    <a:lumOff val="15000"/>
+                  </a:schemeClr>
+                </a:solidFill>
+              </a:rPr>
+              <a:t>Course</a:t>
+            </a:r>
+            <a:endParaRPr lang="en-US" dirty="0">
+              <a:solidFill>
+                <a:schemeClr val="tx1">
+                  <a:lumMod val="85000"/>
+                  <a:lumOff val="15000"/>
+                </a:schemeClr>
+              </a:solidFill>
+            </a:endParaRPr>
+          </a:p>
+        </p:txBody>
+      </p:sp>
+      <p:sp>
+        <p:nvSpPr>
+          <p:cNvPr id="50" name="Rounded Rectangle 49"/>
+          <p:cNvSpPr/>
+          <p:nvPr/>
+        </p:nvSpPr>
+        <p:spPr>
+          <a:xfrm>
+            <a:off x="6585478" y="3760199"/>
+            <a:ext cx="2089150" cy="633002"/>
+          </a:xfrm>
+          <a:prstGeom prst="roundRect">
+            <a:avLst>
+              <a:gd name="adj" fmla="val 9921"/>
+            </a:avLst>
+          </a:prstGeom>
+          <a:solidFill>
+            <a:schemeClr val="accent2">
+              <a:lumMod val="40000"/>
+              <a:lumOff val="60000"/>
+              <a:alpha val="96000"/>
+            </a:schemeClr>
+          </a:solidFill>
+          <a:ln>
+            <a:solidFill>
+              <a:schemeClr val="accent2">
+                <a:lumMod val="50000"/>
+              </a:schemeClr>
+            </a:solidFill>
+          </a:ln>
+        </p:spPr>
+        <p:style>
+          <a:lnRef idx="1">
+            <a:schemeClr val="accent1"/>
+          </a:lnRef>
+          <a:fillRef idx="3">
+            <a:schemeClr val="accent1"/>
+          </a:fillRef>
+          <a:effectRef idx="2">
+            <a:schemeClr val="accent1"/>
+          </a:effectRef>
+          <a:fontRef idx="minor">
+            <a:schemeClr val="lt1"/>
+          </a:fontRef>
+        </p:style>
+        <p:txBody>
+          <a:bodyPr rtlCol="0" anchor="ctr"/>
+          <a:lstStyle/>
+          <a:p>
+            <a:pPr algn="ctr"/>
+            <a:r>
+              <a:rPr lang="en-US" dirty="0" smtClean="0">
+                <a:solidFill>
+                  <a:schemeClr val="tx1">
+                    <a:lumMod val="85000"/>
+                    <a:lumOff val="15000"/>
+                  </a:schemeClr>
+                </a:solidFill>
+              </a:rPr>
+              <a:t>Lab</a:t>
+            </a:r>
+            <a:endParaRPr lang="en-US" dirty="0">
+              <a:solidFill>
+                <a:schemeClr val="tx1">
+                  <a:lumMod val="85000"/>
+                  <a:lumOff val="15000"/>
+                </a:schemeClr>
+              </a:solidFill>
+            </a:endParaRPr>
+          </a:p>
+        </p:txBody>
+      </p:sp>
+      <p:sp>
+        <p:nvSpPr>
+          <p:cNvPr id="51" name="Rounded Rectangle 50"/>
+          <p:cNvSpPr/>
+          <p:nvPr/>
+        </p:nvSpPr>
+        <p:spPr>
+          <a:xfrm>
+            <a:off x="6585478" y="4488177"/>
+            <a:ext cx="2089150" cy="633002"/>
+          </a:xfrm>
+          <a:prstGeom prst="roundRect">
+            <a:avLst>
+              <a:gd name="adj" fmla="val 9921"/>
+            </a:avLst>
+          </a:prstGeom>
+          <a:solidFill>
+            <a:srgbClr val="E6B9B8">
+              <a:alpha val="96000"/>
+            </a:srgbClr>
+          </a:solidFill>
+          <a:ln>
+            <a:solidFill>
+              <a:srgbClr val="632523"/>
+            </a:solidFill>
+          </a:ln>
+        </p:spPr>
+        <p:style>
+          <a:lnRef idx="1">
+            <a:schemeClr val="accent1"/>
+          </a:lnRef>
+          <a:fillRef idx="3">
+            <a:schemeClr val="accent1"/>
+          </a:fillRef>
+          <a:effectRef idx="2">
+            <a:schemeClr val="accent1"/>
+          </a:effectRef>
+          <a:fontRef idx="minor">
+            <a:schemeClr val="lt1"/>
+          </a:fontRef>
+        </p:style>
+        <p:txBody>
+          <a:bodyPr rtlCol="0" anchor="ctr"/>
+          <a:lstStyle/>
+          <a:p>
+            <a:pPr algn="ctr"/>
+            <a:r>
+              <a:rPr lang="en-US" dirty="0" smtClean="0">
+                <a:solidFill>
+                  <a:schemeClr val="tx1">
+                    <a:lumMod val="85000"/>
+                    <a:lumOff val="15000"/>
+                  </a:schemeClr>
+                </a:solidFill>
+              </a:rPr>
+              <a:t>Lecture</a:t>
+            </a:r>
+            <a:endParaRPr lang="en-US" dirty="0">
+              <a:solidFill>
+                <a:schemeClr val="tx1">
+                  <a:lumMod val="85000"/>
+                  <a:lumOff val="15000"/>
+                </a:schemeClr>
+              </a:solidFill>
+            </a:endParaRPr>
+          </a:p>
+        </p:txBody>
+      </p:sp>
+      <p:sp>
+        <p:nvSpPr>
+          <p:cNvPr id="11" name="TextBox 10"/>
+          <p:cNvSpPr txBox="1"/>
+          <p:nvPr/>
+        </p:nvSpPr>
+        <p:spPr>
+          <a:xfrm>
+            <a:off x="7034211" y="2287084"/>
+            <a:ext cx="990212" cy="369332"/>
+          </a:xfrm>
+          <a:prstGeom prst="rect">
+            <a:avLst/>
+          </a:prstGeom>
+          <a:noFill/>
+        </p:spPr>
+        <p:txBody>
+          <a:bodyPr wrap="none" rtlCol="0">
+            <a:spAutoFit/>
+          </a:bodyPr>
+          <a:lstStyle/>
+          <a:p>
+            <a:r>
+              <a:rPr lang="en-US" dirty="0" smtClean="0"/>
+              <a:t>Program</a:t>
+            </a:r>
+            <a:endParaRPr lang="en-US" dirty="0"/>
+          </a:p>
+        </p:txBody>
+      </p:sp>
+      <p:sp>
+        <p:nvSpPr>
+          <p:cNvPr id="33" name="Rounded Rectangle 32"/>
+          <p:cNvSpPr/>
+          <p:nvPr/>
+        </p:nvSpPr>
+        <p:spPr>
+          <a:xfrm>
+            <a:off x="368190" y="2324499"/>
+            <a:ext cx="2514600" cy="1244233"/>
+          </a:xfrm>
+          <a:prstGeom prst="roundRect">
+            <a:avLst>
+              <a:gd name="adj" fmla="val 9921"/>
+            </a:avLst>
+          </a:prstGeom>
+          <a:solidFill>
+            <a:schemeClr val="accent4">
+              <a:lumMod val="20000"/>
+              <a:lumOff val="80000"/>
+              <a:alpha val="96000"/>
+            </a:schemeClr>
+          </a:solidFill>
+          <a:ln>
+            <a:solidFill>
+              <a:schemeClr val="accent4">
+                <a:lumMod val="75000"/>
+              </a:schemeClr>
+            </a:solidFill>
+          </a:ln>
+        </p:spPr>
+        <p:style>
+          <a:lnRef idx="1">
+            <a:schemeClr val="accent1"/>
+          </a:lnRef>
+          <a:fillRef idx="3">
+            <a:schemeClr val="accent1"/>
+          </a:fillRef>
+          <a:effectRef idx="2">
+            <a:schemeClr val="accent1"/>
+          </a:effectRef>
+          <a:fontRef idx="minor">
+            <a:schemeClr val="lt1"/>
+          </a:fontRef>
+        </p:style>
+        <p:txBody>
+          <a:bodyPr rtlCol="0" anchor="t"/>
+          <a:lstStyle/>
+          <a:p>
+            <a:pPr algn="ctr"/>
+            <a:r>
+              <a:rPr lang="en-US" dirty="0" smtClean="0">
+                <a:solidFill>
+                  <a:schemeClr val="tx1">
+                    <a:lumMod val="85000"/>
+                    <a:lumOff val="15000"/>
+                  </a:schemeClr>
+                </a:solidFill>
+              </a:rPr>
+              <a:t>(Short) Course</a:t>
+            </a:r>
+            <a:endParaRPr lang="en-US" dirty="0">
+              <a:solidFill>
+                <a:schemeClr val="tx1">
+                  <a:lumMod val="85000"/>
+                  <a:lumOff val="15000"/>
+                </a:schemeClr>
+              </a:solidFill>
+            </a:endParaRPr>
+          </a:p>
+        </p:txBody>
+      </p:sp>
+      <p:sp>
+        <p:nvSpPr>
+          <p:cNvPr id="34" name="Rounded Rectangle 33"/>
+          <p:cNvSpPr/>
+          <p:nvPr/>
+        </p:nvSpPr>
+        <p:spPr>
+          <a:xfrm>
+            <a:off x="368190" y="3855175"/>
+            <a:ext cx="2514600" cy="1487425"/>
+          </a:xfrm>
+          <a:prstGeom prst="roundRect">
+            <a:avLst>
+              <a:gd name="adj" fmla="val 9921"/>
+            </a:avLst>
+          </a:prstGeom>
+          <a:solidFill>
+            <a:schemeClr val="accent4">
+              <a:lumMod val="20000"/>
+              <a:lumOff val="80000"/>
+              <a:alpha val="96000"/>
+            </a:schemeClr>
+          </a:solidFill>
+          <a:ln>
+            <a:solidFill>
+              <a:schemeClr val="accent4">
+                <a:lumMod val="75000"/>
+              </a:schemeClr>
+            </a:solidFill>
+          </a:ln>
+        </p:spPr>
+        <p:style>
+          <a:lnRef idx="1">
+            <a:schemeClr val="accent1"/>
+          </a:lnRef>
+          <a:fillRef idx="3">
+            <a:schemeClr val="accent1"/>
+          </a:fillRef>
+          <a:effectRef idx="2">
+            <a:schemeClr val="accent1"/>
+          </a:effectRef>
+          <a:fontRef idx="minor">
+            <a:schemeClr val="lt1"/>
+          </a:fontRef>
+        </p:style>
+        <p:txBody>
+          <a:bodyPr rtlCol="0" anchor="t"/>
+          <a:lstStyle/>
+          <a:p>
+            <a:pPr algn="ctr"/>
+            <a:r>
+              <a:rPr lang="en-US" dirty="0" smtClean="0">
+                <a:solidFill>
+                  <a:schemeClr val="tx1">
+                    <a:lumMod val="85000"/>
+                    <a:lumOff val="15000"/>
+                  </a:schemeClr>
+                </a:solidFill>
+              </a:rPr>
+              <a:t>Workshop</a:t>
+            </a:r>
+            <a:endParaRPr lang="en-US" dirty="0">
+              <a:solidFill>
+                <a:schemeClr val="tx1">
+                  <a:lumMod val="85000"/>
+                  <a:lumOff val="15000"/>
+                </a:schemeClr>
+              </a:solidFill>
+            </a:endParaRPr>
+          </a:p>
+        </p:txBody>
+      </p:sp>
+      <p:sp>
+        <p:nvSpPr>
+          <p:cNvPr id="35" name="Rounded Rectangle 34"/>
+          <p:cNvSpPr/>
+          <p:nvPr/>
+        </p:nvSpPr>
+        <p:spPr>
+          <a:xfrm>
+            <a:off x="368190" y="5529791"/>
+            <a:ext cx="2514600" cy="814918"/>
+          </a:xfrm>
+          <a:prstGeom prst="roundRect">
+            <a:avLst>
+              <a:gd name="adj" fmla="val 9921"/>
+            </a:avLst>
+          </a:prstGeom>
+          <a:solidFill>
+            <a:schemeClr val="accent4">
+              <a:lumMod val="20000"/>
+              <a:lumOff val="80000"/>
+              <a:alpha val="96000"/>
+            </a:schemeClr>
+          </a:solidFill>
+          <a:ln>
+            <a:solidFill>
+              <a:schemeClr val="accent4">
+                <a:lumMod val="75000"/>
+              </a:schemeClr>
+            </a:solidFill>
+          </a:ln>
+        </p:spPr>
+        <p:style>
+          <a:lnRef idx="1">
+            <a:schemeClr val="accent1"/>
+          </a:lnRef>
+          <a:fillRef idx="3">
+            <a:schemeClr val="accent1"/>
+          </a:fillRef>
+          <a:effectRef idx="2">
+            <a:schemeClr val="accent1"/>
+          </a:effectRef>
+          <a:fontRef idx="minor">
+            <a:schemeClr val="lt1"/>
+          </a:fontRef>
+        </p:style>
+        <p:txBody>
+          <a:bodyPr rtlCol="0" anchor="ctr"/>
+          <a:lstStyle/>
+          <a:p>
+            <a:pPr algn="ctr"/>
+            <a:r>
+              <a:rPr lang="en-US" dirty="0" smtClean="0">
+                <a:solidFill>
+                  <a:schemeClr val="tx1">
+                    <a:lumMod val="85000"/>
+                    <a:lumOff val="15000"/>
+                  </a:schemeClr>
+                </a:solidFill>
+              </a:rPr>
+              <a:t>Seminar</a:t>
+            </a:r>
+            <a:endParaRPr lang="en-US" dirty="0">
+              <a:solidFill>
+                <a:schemeClr val="tx1">
+                  <a:lumMod val="85000"/>
+                  <a:lumOff val="15000"/>
+                </a:schemeClr>
+              </a:solidFill>
+            </a:endParaRPr>
+          </a:p>
+        </p:txBody>
+      </p:sp>
+      <p:sp>
+        <p:nvSpPr>
+          <p:cNvPr id="38" name="Rounded Rectangle 37"/>
+          <p:cNvSpPr/>
+          <p:nvPr/>
+        </p:nvSpPr>
+        <p:spPr>
+          <a:xfrm>
+            <a:off x="6585478" y="5207567"/>
+            <a:ext cx="2089150" cy="633002"/>
+          </a:xfrm>
+          <a:prstGeom prst="roundRect">
+            <a:avLst>
+              <a:gd name="adj" fmla="val 9921"/>
+            </a:avLst>
+          </a:prstGeom>
+          <a:solidFill>
+            <a:srgbClr val="E6B9B8">
+              <a:alpha val="96000"/>
+            </a:srgbClr>
+          </a:solidFill>
+          <a:ln>
+            <a:solidFill>
+              <a:srgbClr val="632523"/>
+            </a:solidFill>
+          </a:ln>
+        </p:spPr>
+        <p:style>
+          <a:lnRef idx="1">
+            <a:schemeClr val="accent1"/>
+          </a:lnRef>
+          <a:fillRef idx="3">
+            <a:schemeClr val="accent1"/>
+          </a:fillRef>
+          <a:effectRef idx="2">
+            <a:schemeClr val="accent1"/>
+          </a:effectRef>
+          <a:fontRef idx="minor">
+            <a:schemeClr val="lt1"/>
+          </a:fontRef>
+        </p:style>
+        <p:txBody>
+          <a:bodyPr rtlCol="0" anchor="ctr"/>
+          <a:lstStyle/>
+          <a:p>
+            <a:pPr algn="ctr"/>
+            <a:r>
+              <a:rPr lang="en-US" dirty="0" smtClean="0">
+                <a:solidFill>
+                  <a:schemeClr val="tx1">
+                    <a:lumMod val="85000"/>
+                    <a:lumOff val="15000"/>
+                  </a:schemeClr>
+                </a:solidFill>
+              </a:rPr>
+              <a:t>Discussion</a:t>
+            </a:r>
+            <a:endParaRPr lang="en-US" dirty="0">
+              <a:solidFill>
+                <a:schemeClr val="tx1">
+                  <a:lumMod val="85000"/>
+                  <a:lumOff val="15000"/>
+                </a:schemeClr>
+              </a:solidFill>
+            </a:endParaRPr>
+          </a:p>
+        </p:txBody>
+      </p:sp>
+      <p:sp>
+        <p:nvSpPr>
+          <p:cNvPr id="40" name="Oval 39"/>
+          <p:cNvSpPr/>
+          <p:nvPr/>
+        </p:nvSpPr>
+        <p:spPr>
+          <a:xfrm>
+            <a:off x="4052583" y="5695652"/>
+            <a:ext cx="1305538" cy="1029818"/>
+          </a:xfrm>
+          <a:prstGeom prst="ellipse">
+            <a:avLst/>
+          </a:prstGeom>
+        </p:spPr>
+        <p:style>
+          <a:lnRef idx="1">
+            <a:schemeClr val="accent1"/>
+          </a:lnRef>
+          <a:fillRef idx="3">
+            <a:schemeClr val="accent1"/>
+          </a:fillRef>
+          <a:effectRef idx="2">
+            <a:schemeClr val="accent1"/>
+          </a:effectRef>
+          <a:fontRef idx="minor">
+            <a:schemeClr val="lt1"/>
+          </a:fontRef>
+        </p:style>
+        <p:txBody>
+          <a:bodyPr rtlCol="0" anchor="ctr"/>
+          <a:lstStyle/>
+          <a:p>
+            <a:pPr algn="ctr"/>
+            <a:r>
+              <a:rPr lang="en-US" dirty="0" smtClean="0"/>
+              <a:t>Code</a:t>
+            </a:r>
+            <a:endParaRPr lang="en-US" dirty="0"/>
+          </a:p>
+        </p:txBody>
+      </p:sp>
+      <p:sp>
+        <p:nvSpPr>
+          <p:cNvPr id="43" name="Rounded Rectangle 42"/>
+          <p:cNvSpPr/>
+          <p:nvPr/>
+        </p:nvSpPr>
+        <p:spPr>
+          <a:xfrm>
+            <a:off x="542715" y="4488177"/>
+            <a:ext cx="2089150" cy="633002"/>
+          </a:xfrm>
+          <a:prstGeom prst="roundRect">
+            <a:avLst>
+              <a:gd name="adj" fmla="val 9921"/>
+            </a:avLst>
+          </a:prstGeom>
+          <a:solidFill>
+            <a:srgbClr val="E6B9B8">
+              <a:alpha val="96000"/>
+            </a:srgbClr>
+          </a:solidFill>
+          <a:ln>
+            <a:solidFill>
+              <a:srgbClr val="632523"/>
+            </a:solidFill>
+          </a:ln>
+        </p:spPr>
+        <p:style>
+          <a:lnRef idx="1">
+            <a:schemeClr val="accent1"/>
+          </a:lnRef>
+          <a:fillRef idx="3">
+            <a:schemeClr val="accent1"/>
+          </a:fillRef>
+          <a:effectRef idx="2">
+            <a:schemeClr val="accent1"/>
+          </a:effectRef>
+          <a:fontRef idx="minor">
+            <a:schemeClr val="lt1"/>
+          </a:fontRef>
+        </p:style>
+        <p:txBody>
+          <a:bodyPr rtlCol="0" anchor="ctr"/>
+          <a:lstStyle/>
+          <a:p>
+            <a:pPr algn="ctr"/>
+            <a:r>
+              <a:rPr lang="en-US" dirty="0" smtClean="0">
+                <a:solidFill>
+                  <a:schemeClr val="tx1">
+                    <a:lumMod val="85000"/>
+                    <a:lumOff val="15000"/>
+                  </a:schemeClr>
+                </a:solidFill>
+              </a:rPr>
+              <a:t>Hands-on Activity</a:t>
+            </a:r>
+            <a:endParaRPr lang="en-US" dirty="0">
+              <a:solidFill>
+                <a:schemeClr val="tx1">
+                  <a:lumMod val="85000"/>
+                  <a:lumOff val="15000"/>
+                </a:schemeClr>
+              </a:solidFill>
+            </a:endParaRPr>
+          </a:p>
+        </p:txBody>
+      </p:sp>
+      <p:sp>
+        <p:nvSpPr>
+          <p:cNvPr id="44" name="Rounded Rectangle 43"/>
+          <p:cNvSpPr/>
+          <p:nvPr/>
+        </p:nvSpPr>
+        <p:spPr>
+          <a:xfrm>
+            <a:off x="542715" y="2757153"/>
+            <a:ext cx="2089150" cy="633002"/>
+          </a:xfrm>
+          <a:prstGeom prst="roundRect">
+            <a:avLst>
+              <a:gd name="adj" fmla="val 9921"/>
+            </a:avLst>
+          </a:prstGeom>
+          <a:solidFill>
+            <a:srgbClr val="E6B9B8">
+              <a:alpha val="96000"/>
+            </a:srgbClr>
+          </a:solidFill>
+          <a:ln>
+            <a:solidFill>
+              <a:srgbClr val="632523"/>
+            </a:solidFill>
+          </a:ln>
+        </p:spPr>
+        <p:style>
+          <a:lnRef idx="1">
+            <a:schemeClr val="accent1"/>
+          </a:lnRef>
+          <a:fillRef idx="3">
+            <a:schemeClr val="accent1"/>
+          </a:fillRef>
+          <a:effectRef idx="2">
+            <a:schemeClr val="accent1"/>
+          </a:effectRef>
+          <a:fontRef idx="minor">
+            <a:schemeClr val="lt1"/>
+          </a:fontRef>
+        </p:style>
+        <p:txBody>
+          <a:bodyPr rtlCol="0" anchor="ctr"/>
+          <a:lstStyle/>
+          <a:p>
+            <a:pPr algn="ctr"/>
+            <a:r>
+              <a:rPr lang="en-US" dirty="0" smtClean="0">
+                <a:solidFill>
+                  <a:schemeClr val="tx1">
+                    <a:lumMod val="85000"/>
+                    <a:lumOff val="15000"/>
+                  </a:schemeClr>
+                </a:solidFill>
+              </a:rPr>
+              <a:t>Group Project</a:t>
+            </a:r>
+            <a:endParaRPr lang="en-US" dirty="0">
+              <a:solidFill>
+                <a:schemeClr val="tx1">
+                  <a:lumMod val="85000"/>
+                  <a:lumOff val="15000"/>
+                </a:schemeClr>
+              </a:solidFill>
+            </a:endParaRPr>
+          </a:p>
+        </p:txBody>
+      </p:sp>
+      <p:grpSp>
+        <p:nvGrpSpPr>
+          <p:cNvPr id="16" name="Group 15"/>
+          <p:cNvGrpSpPr/>
+          <p:nvPr/>
+        </p:nvGrpSpPr>
+        <p:grpSpPr>
+          <a:xfrm>
+            <a:off x="4112182" y="1780213"/>
+            <a:ext cx="951520" cy="1141583"/>
+            <a:chOff x="3457367" y="3243347"/>
+            <a:chExt cx="951520" cy="1141583"/>
+          </a:xfrm>
+        </p:grpSpPr>
+        <p:sp>
+          <p:nvSpPr>
+            <p:cNvPr id="15" name="Folded Corner 14"/>
+            <p:cNvSpPr/>
+            <p:nvPr/>
+          </p:nvSpPr>
+          <p:spPr>
+            <a:xfrm>
+              <a:off x="3457367" y="3243347"/>
+              <a:ext cx="688700" cy="881687"/>
+            </a:xfrm>
+            <a:prstGeom prst="foldedCorner">
+              <a:avLst/>
+            </a:prstGeom>
+          </p:spPr>
+          <p:style>
+            <a:lnRef idx="1">
+              <a:schemeClr val="accent1"/>
+            </a:lnRef>
+            <a:fillRef idx="3">
+              <a:schemeClr val="accent1"/>
+            </a:fillRef>
+            <a:effectRef idx="2">
+              <a:schemeClr val="accent1"/>
+            </a:effectRef>
+            <a:fontRef idx="minor">
+              <a:schemeClr val="lt1"/>
+            </a:fontRef>
+          </p:style>
+          <p:txBody>
+            <a:bodyPr rtlCol="0" anchor="ctr"/>
+            <a:lstStyle/>
+            <a:p>
+              <a:pPr algn="ctr"/>
+              <a:r>
+                <a:rPr lang="en-US" sz="1400" dirty="0" smtClean="0"/>
+                <a:t>Lesson</a:t>
+              </a:r>
+              <a:endParaRPr lang="en-US" sz="1400" dirty="0"/>
+            </a:p>
+          </p:txBody>
+        </p:sp>
+        <p:sp>
+          <p:nvSpPr>
+            <p:cNvPr id="46" name="Folded Corner 45"/>
+            <p:cNvSpPr/>
+            <p:nvPr/>
+          </p:nvSpPr>
+          <p:spPr>
+            <a:xfrm>
+              <a:off x="3536302" y="3319355"/>
+              <a:ext cx="688700" cy="881687"/>
+            </a:xfrm>
+            <a:prstGeom prst="foldedCorner">
+              <a:avLst/>
+            </a:prstGeom>
+          </p:spPr>
+          <p:style>
+            <a:lnRef idx="1">
+              <a:schemeClr val="accent1"/>
+            </a:lnRef>
+            <a:fillRef idx="3">
+              <a:schemeClr val="accent1"/>
+            </a:fillRef>
+            <a:effectRef idx="2">
+              <a:schemeClr val="accent1"/>
+            </a:effectRef>
+            <a:fontRef idx="minor">
+              <a:schemeClr val="lt1"/>
+            </a:fontRef>
+          </p:style>
+          <p:txBody>
+            <a:bodyPr rtlCol="0" anchor="ctr"/>
+            <a:lstStyle/>
+            <a:p>
+              <a:pPr algn="ctr"/>
+              <a:r>
+                <a:rPr lang="en-US" sz="1400" dirty="0" smtClean="0"/>
+                <a:t>Lesson</a:t>
+              </a:r>
+              <a:endParaRPr lang="en-US" sz="1400" dirty="0"/>
+            </a:p>
+          </p:txBody>
+        </p:sp>
+        <p:sp>
+          <p:nvSpPr>
+            <p:cNvPr id="55" name="Folded Corner 54"/>
+            <p:cNvSpPr/>
+            <p:nvPr/>
+          </p:nvSpPr>
+          <p:spPr>
+            <a:xfrm>
+              <a:off x="3625732" y="3408778"/>
+              <a:ext cx="688700" cy="881687"/>
+            </a:xfrm>
+            <a:prstGeom prst="foldedCorner">
+              <a:avLst/>
+            </a:prstGeom>
+          </p:spPr>
+          <p:style>
+            <a:lnRef idx="1">
+              <a:schemeClr val="accent1"/>
+            </a:lnRef>
+            <a:fillRef idx="3">
+              <a:schemeClr val="accent1"/>
+            </a:fillRef>
+            <a:effectRef idx="2">
+              <a:schemeClr val="accent1"/>
+            </a:effectRef>
+            <a:fontRef idx="minor">
+              <a:schemeClr val="lt1"/>
+            </a:fontRef>
+          </p:style>
+          <p:txBody>
+            <a:bodyPr rtlCol="0" anchor="ctr"/>
+            <a:lstStyle/>
+            <a:p>
+              <a:pPr algn="ctr"/>
+              <a:r>
+                <a:rPr lang="en-US" sz="1400" dirty="0" smtClean="0"/>
+                <a:t>Lesson</a:t>
+              </a:r>
+              <a:endParaRPr lang="en-US" sz="1400" dirty="0"/>
+            </a:p>
+          </p:txBody>
+        </p:sp>
+        <p:sp>
+          <p:nvSpPr>
+            <p:cNvPr id="56" name="Folded Corner 55"/>
+            <p:cNvSpPr/>
+            <p:nvPr/>
+          </p:nvSpPr>
+          <p:spPr>
+            <a:xfrm>
+              <a:off x="3720187" y="3503243"/>
+              <a:ext cx="688700" cy="881687"/>
+            </a:xfrm>
+            <a:prstGeom prst="foldedCorner">
+              <a:avLst/>
+            </a:prstGeom>
+          </p:spPr>
+          <p:style>
+            <a:lnRef idx="1">
+              <a:schemeClr val="accent1"/>
+            </a:lnRef>
+            <a:fillRef idx="3">
+              <a:schemeClr val="accent1"/>
+            </a:fillRef>
+            <a:effectRef idx="2">
+              <a:schemeClr val="accent1"/>
+            </a:effectRef>
+            <a:fontRef idx="minor">
+              <a:schemeClr val="lt1"/>
+            </a:fontRef>
+          </p:style>
+          <p:txBody>
+            <a:bodyPr rtlCol="0" anchor="ctr"/>
+            <a:lstStyle/>
+            <a:p>
+              <a:pPr algn="ctr"/>
+              <a:r>
+                <a:rPr lang="en-US" sz="1400" dirty="0" smtClean="0"/>
+                <a:t>Unit</a:t>
+              </a:r>
+              <a:endParaRPr lang="en-US" sz="1400" dirty="0"/>
+            </a:p>
+          </p:txBody>
+        </p:sp>
+      </p:grpSp>
+      <p:sp>
+        <p:nvSpPr>
+          <p:cNvPr id="24" name="Folded Corner 23"/>
+          <p:cNvSpPr/>
+          <p:nvPr/>
+        </p:nvSpPr>
+        <p:spPr>
+          <a:xfrm>
+            <a:off x="4280547" y="3127888"/>
+            <a:ext cx="688700" cy="881687"/>
+          </a:xfrm>
+          <a:prstGeom prst="foldedCorner">
+            <a:avLst/>
+          </a:prstGeom>
+        </p:spPr>
+        <p:style>
+          <a:lnRef idx="1">
+            <a:schemeClr val="accent1"/>
+          </a:lnRef>
+          <a:fillRef idx="3">
+            <a:schemeClr val="accent1"/>
+          </a:fillRef>
+          <a:effectRef idx="2">
+            <a:schemeClr val="accent1"/>
+          </a:effectRef>
+          <a:fontRef idx="minor">
+            <a:schemeClr val="lt1"/>
+          </a:fontRef>
+        </p:style>
+        <p:txBody>
+          <a:bodyPr rtlCol="0" anchor="ctr"/>
+          <a:lstStyle/>
+          <a:p>
+            <a:pPr algn="ctr"/>
+            <a:r>
+              <a:rPr lang="en-US" sz="1400" dirty="0" smtClean="0"/>
+              <a:t>Lesson</a:t>
+            </a:r>
+            <a:endParaRPr lang="en-US" sz="1400" dirty="0"/>
+          </a:p>
+        </p:txBody>
+      </p:sp>
+      <p:sp>
+        <p:nvSpPr>
+          <p:cNvPr id="62" name="Left-Right Arrow 61"/>
+          <p:cNvSpPr/>
+          <p:nvPr/>
+        </p:nvSpPr>
+        <p:spPr>
+          <a:xfrm>
+            <a:off x="3180067" y="2737908"/>
+            <a:ext cx="734668" cy="323177"/>
+          </a:xfrm>
+          <a:prstGeom prst="leftRightArrow">
+            <a:avLst/>
+          </a:prstGeom>
+        </p:spPr>
+        <p:style>
+          <a:lnRef idx="1">
+            <a:schemeClr val="accent1"/>
+          </a:lnRef>
+          <a:fillRef idx="3">
+            <a:schemeClr val="accent1"/>
+          </a:fillRef>
+          <a:effectRef idx="2">
+            <a:schemeClr val="accent1"/>
+          </a:effectRef>
+          <a:fontRef idx="minor">
+            <a:schemeClr val="lt1"/>
+          </a:fontRef>
+        </p:style>
+        <p:txBody>
+          <a:bodyPr rtlCol="0" anchor="ctr"/>
+          <a:lstStyle/>
+          <a:p>
+            <a:pPr algn="ctr"/>
+            <a:endParaRPr lang="en-US"/>
+          </a:p>
+        </p:txBody>
+      </p:sp>
+      <p:sp>
+        <p:nvSpPr>
+          <p:cNvPr id="63" name="Right Arrow 62"/>
+          <p:cNvSpPr/>
+          <p:nvPr/>
+        </p:nvSpPr>
+        <p:spPr>
+          <a:xfrm>
+            <a:off x="5237137" y="2757153"/>
+            <a:ext cx="703183" cy="303932"/>
+          </a:xfrm>
+          <a:prstGeom prst="rightArrow">
+            <a:avLst/>
+          </a:prstGeom>
+        </p:spPr>
+        <p:style>
+          <a:lnRef idx="1">
+            <a:schemeClr val="accent1"/>
+          </a:lnRef>
+          <a:fillRef idx="3">
+            <a:schemeClr val="accent1"/>
+          </a:fillRef>
+          <a:effectRef idx="2">
+            <a:schemeClr val="accent1"/>
+          </a:effectRef>
+          <a:fontRef idx="minor">
+            <a:schemeClr val="lt1"/>
+          </a:fontRef>
+        </p:style>
+        <p:txBody>
+          <a:bodyPr rtlCol="0" anchor="ctr"/>
+          <a:lstStyle/>
+          <a:p>
+            <a:pPr algn="ctr"/>
+            <a:endParaRPr lang="en-US"/>
+          </a:p>
+        </p:txBody>
+      </p:sp>
+      <p:sp>
+        <p:nvSpPr>
+          <p:cNvPr id="13" name="Oval 12"/>
+          <p:cNvSpPr/>
+          <p:nvPr/>
+        </p:nvSpPr>
+        <p:spPr>
+          <a:xfrm>
+            <a:off x="4046636" y="4902741"/>
+            <a:ext cx="1311485" cy="1034509"/>
+          </a:xfrm>
+          <a:prstGeom prst="ellipse">
+            <a:avLst/>
+          </a:prstGeom>
+        </p:spPr>
+        <p:style>
+          <a:lnRef idx="1">
+            <a:schemeClr val="accent1"/>
+          </a:lnRef>
+          <a:fillRef idx="3">
+            <a:schemeClr val="accent1"/>
+          </a:fillRef>
+          <a:effectRef idx="2">
+            <a:schemeClr val="accent1"/>
+          </a:effectRef>
+          <a:fontRef idx="minor">
+            <a:schemeClr val="lt1"/>
+          </a:fontRef>
+        </p:style>
+        <p:txBody>
+          <a:bodyPr rtlCol="0" anchor="ctr"/>
+          <a:lstStyle/>
+          <a:p>
+            <a:pPr algn="ctr"/>
+            <a:r>
+              <a:rPr lang="en-US" dirty="0" smtClean="0"/>
+              <a:t>Data</a:t>
+            </a:r>
+            <a:endParaRPr lang="en-US" dirty="0"/>
+          </a:p>
+        </p:txBody>
+      </p:sp>
+      <p:sp>
+        <p:nvSpPr>
+          <p:cNvPr id="66" name="Right Arrow 65"/>
+          <p:cNvSpPr/>
+          <p:nvPr/>
+        </p:nvSpPr>
+        <p:spPr>
+          <a:xfrm>
+            <a:off x="5389537" y="5670834"/>
+            <a:ext cx="703183" cy="303932"/>
+          </a:xfrm>
+          <a:prstGeom prst="rightArrow">
+            <a:avLst/>
+          </a:prstGeom>
+        </p:spPr>
+        <p:style>
+          <a:lnRef idx="1">
+            <a:schemeClr val="accent1"/>
+          </a:lnRef>
+          <a:fillRef idx="3">
+            <a:schemeClr val="accent1"/>
+          </a:fillRef>
+          <a:effectRef idx="2">
+            <a:schemeClr val="accent1"/>
+          </a:effectRef>
+          <a:fontRef idx="minor">
+            <a:schemeClr val="lt1"/>
+          </a:fontRef>
+        </p:style>
+        <p:txBody>
+          <a:bodyPr rtlCol="0" anchor="ctr"/>
+          <a:lstStyle/>
+          <a:p>
+            <a:pPr algn="ctr"/>
+            <a:endParaRPr lang="en-US"/>
+          </a:p>
+        </p:txBody>
+      </p:sp>
+      <p:sp>
+        <p:nvSpPr>
+          <p:cNvPr id="67" name="Right Arrow 66"/>
+          <p:cNvSpPr/>
+          <p:nvPr/>
+        </p:nvSpPr>
+        <p:spPr>
+          <a:xfrm rot="10800000">
+            <a:off x="3211552" y="5633318"/>
+            <a:ext cx="703183" cy="303932"/>
+          </a:xfrm>
+          <a:prstGeom prst="rightArrow">
+            <a:avLst/>
+          </a:prstGeom>
+        </p:spPr>
+        <p:style>
+          <a:lnRef idx="1">
+            <a:schemeClr val="accent1"/>
+          </a:lnRef>
+          <a:fillRef idx="3">
+            <a:schemeClr val="accent1"/>
+          </a:fillRef>
+          <a:effectRef idx="2">
+            <a:schemeClr val="accent1"/>
+          </a:effectRef>
+          <a:fontRef idx="minor">
+            <a:schemeClr val="lt1"/>
+          </a:fontRef>
+        </p:style>
+        <p:txBody>
+          <a:bodyPr rtlCol="0" anchor="ctr"/>
+          <a:lstStyle/>
+          <a:p>
+            <a:pPr algn="ctr"/>
+            <a:endParaRPr lang="en-US"/>
+          </a:p>
+        </p:txBody>
+      </p:sp>
+      <p:sp>
+        <p:nvSpPr>
+          <p:cNvPr id="68" name="Right Arrow 67"/>
+          <p:cNvSpPr/>
+          <p:nvPr/>
+        </p:nvSpPr>
+        <p:spPr>
+          <a:xfrm rot="16200000">
+            <a:off x="4280548" y="4336210"/>
+            <a:ext cx="703183" cy="303932"/>
+          </a:xfrm>
+          <a:prstGeom prst="rightArrow">
+            <a:avLst/>
+          </a:prstGeom>
+        </p:spPr>
+        <p:style>
+          <a:lnRef idx="1">
+            <a:schemeClr val="accent1"/>
+          </a:lnRef>
+          <a:fillRef idx="3">
+            <a:schemeClr val="accent1"/>
+          </a:fillRef>
+          <a:effectRef idx="2">
+            <a:schemeClr val="accent1"/>
+          </a:effectRef>
+          <a:fontRef idx="minor">
+            <a:schemeClr val="lt1"/>
+          </a:fontRef>
+        </p:style>
+        <p:txBody>
+          <a:bodyPr rtlCol="0" anchor="ctr"/>
+          <a:lstStyle/>
+          <a:p>
+            <a:pPr algn="ctr"/>
+            <a:endParaRPr lang="en-US"/>
+          </a:p>
+        </p:txBody>
+      </p:sp>
+    </p:spTree>
+    <p:extLst>
+      <p:ext uri="{BB962C8B-B14F-4D97-AF65-F5344CB8AC3E}">
+        <p14:creationId xmlns:p14="http://schemas.microsoft.com/office/powerpoint/2010/main" val="537624211"/>
       </p:ext>
     </p:extLst>
   </p:cSld>
